--- a/Prezentacija.pptx
+++ b/Prezentacija.pptx
@@ -1,8 +1,8 @@
 
 <file path=ppt/presentation.xml><?xml version="1.0" encoding="utf-8"?>
-<p:presentation xmlns:a="http://schemas.openxmlformats.org/drawingml/2006/main" xmlns:r="http://schemas.openxmlformats.org/officeDocument/2006/relationships" xmlns:p="http://schemas.openxmlformats.org/presentationml/2006/main" saveSubsetFonts="1">
+<p:presentation xmlns:a="http://schemas.openxmlformats.org/drawingml/2006/main" xmlns:r="http://schemas.openxmlformats.org/officeDocument/2006/relationships" xmlns:p="http://schemas.openxmlformats.org/presentationml/2006/main">
   <p:sldMasterIdLst>
-    <p:sldMasterId id="2147483660" r:id="rId1"/>
+    <p:sldMasterId id="2147483648" r:id="rId1"/>
   </p:sldMasterIdLst>
   <p:sldIdLst>
     <p:sldId id="256" r:id="rId2"/>
@@ -12,8 +12,10 @@
     <p:sldId id="266" r:id="rId6"/>
     <p:sldId id="260" r:id="rId7"/>
     <p:sldId id="267" r:id="rId8"/>
-    <p:sldId id="263" r:id="rId9"/>
-    <p:sldId id="264" r:id="rId10"/>
+    <p:sldId id="268" r:id="rId9"/>
+    <p:sldId id="269" r:id="rId10"/>
+    <p:sldId id="263" r:id="rId11"/>
+    <p:sldId id="264" r:id="rId12"/>
   </p:sldIdLst>
   <p:sldSz cx="12192000" cy="6858000"/>
   <p:notesSz cx="6858000" cy="9144000"/>
@@ -112,6 +114,11 @@
       </a:defRPr>
     </a:lvl9pPr>
   </p:defaultTextStyle>
+  <p:extLst>
+    <p:ext uri="{EFAFB233-063F-42B5-8137-9DF3F51BA10A}">
+      <p15:sldGuideLst xmlns:p15="http://schemas.microsoft.com/office/powerpoint/2012/main"/>
+    </p:ext>
+  </p:extLst>
 </p:presentation>
 </file>
 
@@ -617,7 +624,7 @@
           <a:p>
             <a:fld id="{DB4C57F2-EF2B-4B7F-9EDF-9C0C4DA12393}" type="datetimeFigureOut">
               <a:rPr lang="en-US" smtClean="0"/>
-              <a:t>6/9/2025</a:t>
+              <a:t>6/10/2025</a:t>
             </a:fld>
             <a:endParaRPr lang="en-US"/>
           </a:p>
@@ -671,11 +678,6 @@
         </p:txBody>
       </p:sp>
     </p:spTree>
-    <p:extLst>
-      <p:ext uri="{BB962C8B-B14F-4D97-AF65-F5344CB8AC3E}">
-        <p14:creationId xmlns:p14="http://schemas.microsoft.com/office/powerpoint/2010/main" val="2151620922"/>
-      </p:ext>
-    </p:extLst>
   </p:cSld>
   <p:clrMapOvr>
     <a:masterClrMapping/>
@@ -913,7 +915,7 @@
           <a:p>
             <a:fld id="{DB4C57F2-EF2B-4B7F-9EDF-9C0C4DA12393}" type="datetimeFigureOut">
               <a:rPr lang="en-US" smtClean="0"/>
-              <a:t>6/9/2025</a:t>
+              <a:t>6/10/2025</a:t>
             </a:fld>
             <a:endParaRPr lang="en-US"/>
           </a:p>
@@ -962,11 +964,6 @@
         </p:txBody>
       </p:sp>
     </p:spTree>
-    <p:extLst>
-      <p:ext uri="{BB962C8B-B14F-4D97-AF65-F5344CB8AC3E}">
-        <p14:creationId xmlns:p14="http://schemas.microsoft.com/office/powerpoint/2010/main" val="3496930290"/>
-      </p:ext>
-    </p:extLst>
   </p:cSld>
   <p:clrMapOvr>
     <a:masterClrMapping/>
@@ -1161,7 +1158,7 @@
           <a:p>
             <a:fld id="{DB4C57F2-EF2B-4B7F-9EDF-9C0C4DA12393}" type="datetimeFigureOut">
               <a:rPr lang="en-US" smtClean="0"/>
-              <a:t>6/9/2025</a:t>
+              <a:t>6/10/2025</a:t>
             </a:fld>
             <a:endParaRPr lang="en-US"/>
           </a:p>
@@ -1210,11 +1207,6 @@
         </p:txBody>
       </p:sp>
     </p:spTree>
-    <p:extLst>
-      <p:ext uri="{BB962C8B-B14F-4D97-AF65-F5344CB8AC3E}">
-        <p14:creationId xmlns:p14="http://schemas.microsoft.com/office/powerpoint/2010/main" val="828062232"/>
-      </p:ext>
-    </p:extLst>
   </p:cSld>
   <p:clrMapOvr>
     <a:masterClrMapping/>
@@ -1701,7 +1693,7 @@
           <a:p>
             <a:fld id="{DB4C57F2-EF2B-4B7F-9EDF-9C0C4DA12393}" type="datetimeFigureOut">
               <a:rPr lang="en-US" smtClean="0"/>
-              <a:t>6/9/2025</a:t>
+              <a:t>6/10/2025</a:t>
             </a:fld>
             <a:endParaRPr lang="en-US"/>
           </a:p>
@@ -1750,11 +1742,6 @@
         </p:txBody>
       </p:sp>
     </p:spTree>
-    <p:extLst>
-      <p:ext uri="{BB962C8B-B14F-4D97-AF65-F5344CB8AC3E}">
-        <p14:creationId xmlns:p14="http://schemas.microsoft.com/office/powerpoint/2010/main" val="2409073667"/>
-      </p:ext>
-    </p:extLst>
   </p:cSld>
   <p:clrMapOvr>
     <a:masterClrMapping/>
@@ -1949,7 +1936,7 @@
           <a:p>
             <a:fld id="{DB4C57F2-EF2B-4B7F-9EDF-9C0C4DA12393}" type="datetimeFigureOut">
               <a:rPr lang="en-US" smtClean="0"/>
-              <a:t>6/9/2025</a:t>
+              <a:t>6/10/2025</a:t>
             </a:fld>
             <a:endParaRPr lang="en-US"/>
           </a:p>
@@ -1998,11 +1985,6 @@
         </p:txBody>
       </p:sp>
     </p:spTree>
-    <p:extLst>
-      <p:ext uri="{BB962C8B-B14F-4D97-AF65-F5344CB8AC3E}">
-        <p14:creationId xmlns:p14="http://schemas.microsoft.com/office/powerpoint/2010/main" val="4239763414"/>
-      </p:ext>
-    </p:extLst>
   </p:cSld>
   <p:clrMapOvr>
     <a:masterClrMapping/>
@@ -2481,7 +2463,7 @@
           <a:p>
             <a:fld id="{DB4C57F2-EF2B-4B7F-9EDF-9C0C4DA12393}" type="datetimeFigureOut">
               <a:rPr lang="en-US" smtClean="0"/>
-              <a:t>6/9/2025</a:t>
+              <a:t>6/10/2025</a:t>
             </a:fld>
             <a:endParaRPr lang="en-US"/>
           </a:p>
@@ -2530,11 +2512,6 @@
         </p:txBody>
       </p:sp>
     </p:spTree>
-    <p:extLst>
-      <p:ext uri="{BB962C8B-B14F-4D97-AF65-F5344CB8AC3E}">
-        <p14:creationId xmlns:p14="http://schemas.microsoft.com/office/powerpoint/2010/main" val="2469734670"/>
-      </p:ext>
-    </p:extLst>
   </p:cSld>
   <p:clrMapOvr>
     <a:masterClrMapping/>
@@ -2778,7 +2755,7 @@
           <a:p>
             <a:fld id="{DB4C57F2-EF2B-4B7F-9EDF-9C0C4DA12393}" type="datetimeFigureOut">
               <a:rPr lang="en-US" smtClean="0"/>
-              <a:t>6/9/2025</a:t>
+              <a:t>6/10/2025</a:t>
             </a:fld>
             <a:endParaRPr lang="en-US"/>
           </a:p>
@@ -2827,11 +2804,6 @@
         </p:txBody>
       </p:sp>
     </p:spTree>
-    <p:extLst>
-      <p:ext uri="{BB962C8B-B14F-4D97-AF65-F5344CB8AC3E}">
-        <p14:creationId xmlns:p14="http://schemas.microsoft.com/office/powerpoint/2010/main" val="849120360"/>
-      </p:ext>
-    </p:extLst>
   </p:cSld>
   <p:clrMapOvr>
     <a:masterClrMapping/>
@@ -2952,7 +2924,7 @@
           <a:p>
             <a:fld id="{DB4C57F2-EF2B-4B7F-9EDF-9C0C4DA12393}" type="datetimeFigureOut">
               <a:rPr lang="en-US" smtClean="0"/>
-              <a:t>6/9/2025</a:t>
+              <a:t>6/10/2025</a:t>
             </a:fld>
             <a:endParaRPr lang="en-US"/>
           </a:p>
@@ -3001,11 +2973,6 @@
         </p:txBody>
       </p:sp>
     </p:spTree>
-    <p:extLst>
-      <p:ext uri="{BB962C8B-B14F-4D97-AF65-F5344CB8AC3E}">
-        <p14:creationId xmlns:p14="http://schemas.microsoft.com/office/powerpoint/2010/main" val="4256204867"/>
-      </p:ext>
-    </p:extLst>
   </p:cSld>
   <p:clrMapOvr>
     <a:masterClrMapping/>
@@ -3132,7 +3099,7 @@
           <a:p>
             <a:fld id="{DB4C57F2-EF2B-4B7F-9EDF-9C0C4DA12393}" type="datetimeFigureOut">
               <a:rPr lang="en-US" smtClean="0"/>
-              <a:t>6/9/2025</a:t>
+              <a:t>6/10/2025</a:t>
             </a:fld>
             <a:endParaRPr lang="en-US"/>
           </a:p>
@@ -3181,11 +3148,6 @@
         </p:txBody>
       </p:sp>
     </p:spTree>
-    <p:extLst>
-      <p:ext uri="{BB962C8B-B14F-4D97-AF65-F5344CB8AC3E}">
-        <p14:creationId xmlns:p14="http://schemas.microsoft.com/office/powerpoint/2010/main" val="3587522293"/>
-      </p:ext>
-    </p:extLst>
   </p:cSld>
   <p:clrMapOvr>
     <a:masterClrMapping/>
@@ -3302,7 +3264,7 @@
           <a:p>
             <a:fld id="{DB4C57F2-EF2B-4B7F-9EDF-9C0C4DA12393}" type="datetimeFigureOut">
               <a:rPr lang="en-US" smtClean="0"/>
-              <a:t>6/9/2025</a:t>
+              <a:t>6/10/2025</a:t>
             </a:fld>
             <a:endParaRPr lang="en-US"/>
           </a:p>
@@ -3356,11 +3318,6 @@
         </p:txBody>
       </p:sp>
     </p:spTree>
-    <p:extLst>
-      <p:ext uri="{BB962C8B-B14F-4D97-AF65-F5344CB8AC3E}">
-        <p14:creationId xmlns:p14="http://schemas.microsoft.com/office/powerpoint/2010/main" val="1136635309"/>
-      </p:ext>
-    </p:extLst>
   </p:cSld>
   <p:clrMapOvr>
     <a:masterClrMapping/>
@@ -3553,7 +3510,7 @@
           <a:p>
             <a:fld id="{DB4C57F2-EF2B-4B7F-9EDF-9C0C4DA12393}" type="datetimeFigureOut">
               <a:rPr lang="en-US" smtClean="0"/>
-              <a:t>6/9/2025</a:t>
+              <a:t>6/10/2025</a:t>
             </a:fld>
             <a:endParaRPr lang="en-US"/>
           </a:p>
@@ -3602,11 +3559,6 @@
         </p:txBody>
       </p:sp>
     </p:spTree>
-    <p:extLst>
-      <p:ext uri="{BB962C8B-B14F-4D97-AF65-F5344CB8AC3E}">
-        <p14:creationId xmlns:p14="http://schemas.microsoft.com/office/powerpoint/2010/main" val="3169915278"/>
-      </p:ext>
-    </p:extLst>
   </p:cSld>
   <p:clrMapOvr>
     <a:masterClrMapping/>
@@ -3850,7 +3802,7 @@
           <a:p>
             <a:fld id="{DB4C57F2-EF2B-4B7F-9EDF-9C0C4DA12393}" type="datetimeFigureOut">
               <a:rPr lang="en-US" smtClean="0"/>
-              <a:t>6/9/2025</a:t>
+              <a:t>6/10/2025</a:t>
             </a:fld>
             <a:endParaRPr lang="en-US"/>
           </a:p>
@@ -3899,11 +3851,6 @@
         </p:txBody>
       </p:sp>
     </p:spTree>
-    <p:extLst>
-      <p:ext uri="{BB962C8B-B14F-4D97-AF65-F5344CB8AC3E}">
-        <p14:creationId xmlns:p14="http://schemas.microsoft.com/office/powerpoint/2010/main" val="552363113"/>
-      </p:ext>
-    </p:extLst>
   </p:cSld>
   <p:clrMapOvr>
     <a:masterClrMapping/>
@@ -4292,7 +4239,7 @@
           <a:p>
             <a:fld id="{DB4C57F2-EF2B-4B7F-9EDF-9C0C4DA12393}" type="datetimeFigureOut">
               <a:rPr lang="en-US" smtClean="0"/>
-              <a:t>6/9/2025</a:t>
+              <a:t>6/10/2025</a:t>
             </a:fld>
             <a:endParaRPr lang="en-US"/>
           </a:p>
@@ -4341,11 +4288,6 @@
         </p:txBody>
       </p:sp>
     </p:spTree>
-    <p:extLst>
-      <p:ext uri="{BB962C8B-B14F-4D97-AF65-F5344CB8AC3E}">
-        <p14:creationId xmlns:p14="http://schemas.microsoft.com/office/powerpoint/2010/main" val="755805463"/>
-      </p:ext>
-    </p:extLst>
   </p:cSld>
   <p:clrMapOvr>
     <a:masterClrMapping/>
@@ -4410,7 +4352,7 @@
           <a:p>
             <a:fld id="{DB4C57F2-EF2B-4B7F-9EDF-9C0C4DA12393}" type="datetimeFigureOut">
               <a:rPr lang="en-US" smtClean="0"/>
-              <a:t>6/9/2025</a:t>
+              <a:t>6/10/2025</a:t>
             </a:fld>
             <a:endParaRPr lang="en-US"/>
           </a:p>
@@ -4459,11 +4401,6 @@
         </p:txBody>
       </p:sp>
     </p:spTree>
-    <p:extLst>
-      <p:ext uri="{BB962C8B-B14F-4D97-AF65-F5344CB8AC3E}">
-        <p14:creationId xmlns:p14="http://schemas.microsoft.com/office/powerpoint/2010/main" val="1582814229"/>
-      </p:ext>
-    </p:extLst>
   </p:cSld>
   <p:clrMapOvr>
     <a:masterClrMapping/>
@@ -4505,7 +4442,7 @@
           <a:p>
             <a:fld id="{DB4C57F2-EF2B-4B7F-9EDF-9C0C4DA12393}" type="datetimeFigureOut">
               <a:rPr lang="en-US" smtClean="0"/>
-              <a:t>6/9/2025</a:t>
+              <a:t>6/10/2025</a:t>
             </a:fld>
             <a:endParaRPr lang="en-US"/>
           </a:p>
@@ -4554,11 +4491,6 @@
         </p:txBody>
       </p:sp>
     </p:spTree>
-    <p:extLst>
-      <p:ext uri="{BB962C8B-B14F-4D97-AF65-F5344CB8AC3E}">
-        <p14:creationId xmlns:p14="http://schemas.microsoft.com/office/powerpoint/2010/main" val="976406727"/>
-      </p:ext>
-    </p:extLst>
   </p:cSld>
   <p:clrMapOvr>
     <a:masterClrMapping/>
@@ -4788,7 +4720,7 @@
           <a:p>
             <a:fld id="{DB4C57F2-EF2B-4B7F-9EDF-9C0C4DA12393}" type="datetimeFigureOut">
               <a:rPr lang="en-US" smtClean="0"/>
-              <a:t>6/9/2025</a:t>
+              <a:t>6/10/2025</a:t>
             </a:fld>
             <a:endParaRPr lang="en-US"/>
           </a:p>
@@ -4837,11 +4769,6 @@
         </p:txBody>
       </p:sp>
     </p:spTree>
-    <p:extLst>
-      <p:ext uri="{BB962C8B-B14F-4D97-AF65-F5344CB8AC3E}">
-        <p14:creationId xmlns:p14="http://schemas.microsoft.com/office/powerpoint/2010/main" val="1213338475"/>
-      </p:ext>
-    </p:extLst>
   </p:cSld>
   <p:clrMapOvr>
     <a:masterClrMapping/>
@@ -5079,7 +5006,7 @@
           <a:p>
             <a:fld id="{DB4C57F2-EF2B-4B7F-9EDF-9C0C4DA12393}" type="datetimeFigureOut">
               <a:rPr lang="en-US" smtClean="0"/>
-              <a:t>6/9/2025</a:t>
+              <a:t>6/10/2025</a:t>
             </a:fld>
             <a:endParaRPr lang="en-US"/>
           </a:p>
@@ -5128,11 +5055,6 @@
         </p:txBody>
       </p:sp>
     </p:spTree>
-    <p:extLst>
-      <p:ext uri="{BB962C8B-B14F-4D97-AF65-F5344CB8AC3E}">
-        <p14:creationId xmlns:p14="http://schemas.microsoft.com/office/powerpoint/2010/main" val="2735741305"/>
-      </p:ext>
-    </p:extLst>
   </p:cSld>
   <p:clrMapOvr>
     <a:masterClrMapping/>
@@ -5609,7 +5531,7 @@
           <a:p>
             <a:fld id="{DB4C57F2-EF2B-4B7F-9EDF-9C0C4DA12393}" type="datetimeFigureOut">
               <a:rPr lang="en-US" smtClean="0"/>
-              <a:t>6/9/2025</a:t>
+              <a:t>6/10/2025</a:t>
             </a:fld>
             <a:endParaRPr lang="en-US"/>
           </a:p>
@@ -5694,31 +5616,26 @@
         </p:txBody>
       </p:sp>
     </p:spTree>
-    <p:extLst>
-      <p:ext uri="{BB962C8B-B14F-4D97-AF65-F5344CB8AC3E}">
-        <p14:creationId xmlns:p14="http://schemas.microsoft.com/office/powerpoint/2010/main" val="121547276"/>
-      </p:ext>
-    </p:extLst>
   </p:cSld>
   <p:clrMap bg1="lt1" tx1="dk1" bg2="lt2" tx2="dk2" accent1="accent1" accent2="accent2" accent3="accent3" accent4="accent4" accent5="accent5" accent6="accent6" hlink="hlink" folHlink="folHlink"/>
   <p:sldLayoutIdLst>
-    <p:sldLayoutId id="2147483661" r:id="rId1"/>
-    <p:sldLayoutId id="2147483662" r:id="rId2"/>
-    <p:sldLayoutId id="2147483663" r:id="rId3"/>
-    <p:sldLayoutId id="2147483664" r:id="rId4"/>
-    <p:sldLayoutId id="2147483665" r:id="rId5"/>
-    <p:sldLayoutId id="2147483666" r:id="rId6"/>
-    <p:sldLayoutId id="2147483667" r:id="rId7"/>
-    <p:sldLayoutId id="2147483668" r:id="rId8"/>
-    <p:sldLayoutId id="2147483669" r:id="rId9"/>
-    <p:sldLayoutId id="2147483670" r:id="rId10"/>
-    <p:sldLayoutId id="2147483671" r:id="rId11"/>
-    <p:sldLayoutId id="2147483672" r:id="rId12"/>
-    <p:sldLayoutId id="2147483673" r:id="rId13"/>
-    <p:sldLayoutId id="2147483674" r:id="rId14"/>
-    <p:sldLayoutId id="2147483675" r:id="rId15"/>
-    <p:sldLayoutId id="2147483676" r:id="rId16"/>
-    <p:sldLayoutId id="2147483677" r:id="rId17"/>
+    <p:sldLayoutId id="2147483649" r:id="rId1"/>
+    <p:sldLayoutId id="2147483650" r:id="rId2"/>
+    <p:sldLayoutId id="2147483651" r:id="rId3"/>
+    <p:sldLayoutId id="2147483652" r:id="rId4"/>
+    <p:sldLayoutId id="2147483653" r:id="rId5"/>
+    <p:sldLayoutId id="2147483654" r:id="rId6"/>
+    <p:sldLayoutId id="2147483655" r:id="rId7"/>
+    <p:sldLayoutId id="2147483656" r:id="rId8"/>
+    <p:sldLayoutId id="2147483657" r:id="rId9"/>
+    <p:sldLayoutId id="2147483658" r:id="rId10"/>
+    <p:sldLayoutId id="2147483659" r:id="rId11"/>
+    <p:sldLayoutId id="2147483660" r:id="rId12"/>
+    <p:sldLayoutId id="2147483661" r:id="rId13"/>
+    <p:sldLayoutId id="2147483662" r:id="rId14"/>
+    <p:sldLayoutId id="2147483663" r:id="rId15"/>
+    <p:sldLayoutId id="2147483664" r:id="rId16"/>
+    <p:sldLayoutId id="2147483665" r:id="rId17"/>
   </p:sldLayoutIdLst>
   <p:txStyles>
     <p:titleStyle>
@@ -5811,7 +5728,7 @@
           </a:schemeClr>
         </a:buClr>
         <a:buSzPct val="145000"/>
-        <a:buFont typeface="Arial"/>
+        <a:buFont typeface="Arial" panose="020B0604020202020204"/>
         <a:buChar char="•"/>
         <a:defRPr sz="2400" kern="1200" cap="none">
           <a:solidFill>
@@ -5836,7 +5753,7 @@
           </a:schemeClr>
         </a:buClr>
         <a:buSzPct val="145000"/>
-        <a:buFont typeface="Arial"/>
+        <a:buFont typeface="Arial" panose="020B0604020202020204"/>
         <a:buChar char="•"/>
         <a:defRPr sz="2000" kern="1200" cap="none">
           <a:solidFill>
@@ -5861,7 +5778,7 @@
           </a:schemeClr>
         </a:buClr>
         <a:buSzPct val="145000"/>
-        <a:buFont typeface="Arial"/>
+        <a:buFont typeface="Arial" panose="020B0604020202020204"/>
         <a:buChar char="•"/>
         <a:defRPr sz="1800" kern="1200" cap="none">
           <a:solidFill>
@@ -5886,7 +5803,7 @@
           </a:schemeClr>
         </a:buClr>
         <a:buSzPct val="145000"/>
-        <a:buFont typeface="Arial"/>
+        <a:buFont typeface="Arial" panose="020B0604020202020204"/>
         <a:buChar char="•"/>
         <a:defRPr sz="1600" kern="1200" cap="none">
           <a:solidFill>
@@ -5911,7 +5828,7 @@
           </a:schemeClr>
         </a:buClr>
         <a:buSzPct val="145000"/>
-        <a:buFont typeface="Arial"/>
+        <a:buFont typeface="Arial" panose="020B0604020202020204"/>
         <a:buChar char="•"/>
         <a:defRPr sz="1400" kern="1200" cap="none">
           <a:solidFill>
@@ -5936,7 +5853,7 @@
           </a:schemeClr>
         </a:buClr>
         <a:buSzPct val="145000"/>
-        <a:buFont typeface="Arial"/>
+        <a:buFont typeface="Arial" panose="020B0604020202020204"/>
         <a:buChar char="•"/>
         <a:defRPr sz="1400" kern="1200" cap="none">
           <a:solidFill>
@@ -5961,7 +5878,7 @@
           </a:schemeClr>
         </a:buClr>
         <a:buSzPct val="145000"/>
-        <a:buFont typeface="Arial"/>
+        <a:buFont typeface="Arial" panose="020B0604020202020204"/>
         <a:buChar char="•"/>
         <a:defRPr sz="1400" kern="1200" cap="none">
           <a:solidFill>
@@ -5986,7 +5903,7 @@
           </a:schemeClr>
         </a:buClr>
         <a:buSzPct val="145000"/>
-        <a:buFont typeface="Arial"/>
+        <a:buFont typeface="Arial" panose="020B0604020202020204"/>
         <a:buChar char="•"/>
         <a:defRPr sz="1400" kern="1200" cap="none">
           <a:solidFill>
@@ -6011,7 +5928,7 @@
           </a:schemeClr>
         </a:buClr>
         <a:buSzPct val="145000"/>
-        <a:buFont typeface="Arial"/>
+        <a:buFont typeface="Arial" panose="020B0604020202020204"/>
         <a:buChar char="•"/>
         <a:defRPr sz="1400" kern="1200" cap="none">
           <a:solidFill>
@@ -6142,13 +6059,7 @@
       </p:grpSpPr>
       <p:sp>
         <p:nvSpPr>
-          <p:cNvPr id="2" name="Title 1">
-            <a:extLst>
-              <a:ext uri="{FF2B5EF4-FFF2-40B4-BE49-F238E27FC236}">
-                <a16:creationId xmlns:a16="http://schemas.microsoft.com/office/drawing/2014/main" id="{CBC26A9F-AC16-4CA7-A3B2-A6A46BE9E45A}"/>
-              </a:ext>
-            </a:extLst>
-          </p:cNvPr>
+          <p:cNvPr id="2" name="Title 1"/>
           <p:cNvSpPr>
             <a:spLocks noGrp="1"/>
           </p:cNvSpPr>
@@ -6202,13 +6113,7 @@
       </p:sp>
       <p:sp>
         <p:nvSpPr>
-          <p:cNvPr id="3" name="Subtitle 2">
-            <a:extLst>
-              <a:ext uri="{FF2B5EF4-FFF2-40B4-BE49-F238E27FC236}">
-                <a16:creationId xmlns:a16="http://schemas.microsoft.com/office/drawing/2014/main" id="{91200ADE-6117-4C72-A5EA-44D9B60905E0}"/>
-              </a:ext>
-            </a:extLst>
-          </p:cNvPr>
+          <p:cNvPr id="3" name="Subtitle 2"/>
           <p:cNvSpPr>
             <a:spLocks noGrp="1"/>
           </p:cNvSpPr>
@@ -6241,13 +6146,7 @@
       </p:sp>
       <p:sp>
         <p:nvSpPr>
-          <p:cNvPr id="4" name="TextBox 3">
-            <a:extLst>
-              <a:ext uri="{FF2B5EF4-FFF2-40B4-BE49-F238E27FC236}">
-                <a16:creationId xmlns:a16="http://schemas.microsoft.com/office/drawing/2014/main" id="{E9585057-3091-49F9-B276-6C4599768855}"/>
-              </a:ext>
-            </a:extLst>
-          </p:cNvPr>
+          <p:cNvPr id="4" name="TextBox 3"/>
           <p:cNvSpPr txBox="1"/>
           <p:nvPr/>
         </p:nvSpPr>
@@ -6277,11 +6176,804 @@
         </p:txBody>
       </p:sp>
     </p:spTree>
-    <p:extLst>
-      <p:ext uri="{BB962C8B-B14F-4D97-AF65-F5344CB8AC3E}">
-        <p14:creationId xmlns:p14="http://schemas.microsoft.com/office/powerpoint/2010/main" val="2310525010"/>
-      </p:ext>
-    </p:extLst>
+  </p:cSld>
+  <p:clrMapOvr>
+    <a:masterClrMapping/>
+  </p:clrMapOvr>
+</p:sld>
+</file>
+
+<file path=ppt/slides/slide10.xml><?xml version="1.0" encoding="utf-8"?>
+<p:sld xmlns:a="http://schemas.openxmlformats.org/drawingml/2006/main" xmlns:r="http://schemas.openxmlformats.org/officeDocument/2006/relationships" xmlns:p="http://schemas.openxmlformats.org/presentationml/2006/main">
+  <p:cSld>
+    <p:spTree>
+      <p:nvGrpSpPr>
+        <p:cNvPr id="1" name=""/>
+        <p:cNvGrpSpPr/>
+        <p:nvPr/>
+      </p:nvGrpSpPr>
+      <p:grpSpPr>
+        <a:xfrm>
+          <a:off x="0" y="0"/>
+          <a:ext cx="0" cy="0"/>
+          <a:chOff x="0" y="0"/>
+          <a:chExt cx="0" cy="0"/>
+        </a:xfrm>
+      </p:grpSpPr>
+      <p:sp>
+        <p:nvSpPr>
+          <p:cNvPr id="2" name="Title 1"/>
+          <p:cNvSpPr>
+            <a:spLocks noGrp="1"/>
+          </p:cNvSpPr>
+          <p:nvPr>
+            <p:ph type="title"/>
+          </p:nvPr>
+        </p:nvSpPr>
+        <p:spPr>
+          <a:xfrm>
+            <a:off x="1484310" y="357327"/>
+            <a:ext cx="10018713" cy="832282"/>
+          </a:xfrm>
+        </p:spPr>
+        <p:txBody>
+          <a:bodyPr>
+            <a:normAutofit/>
+          </a:bodyPr>
+          <a:lstStyle/>
+          <a:p>
+            <a:r>
+              <a:rPr lang="en-US" sz="3600" b="1" i="1" dirty="0" err="1"/>
+              <a:t>Zaključak</a:t>
+            </a:r>
+            <a:endParaRPr lang="en-US" sz="3600" b="1" i="1" dirty="0"/>
+          </a:p>
+        </p:txBody>
+      </p:sp>
+      <p:sp>
+        <p:nvSpPr>
+          <p:cNvPr id="4" name="Rectangle 1"/>
+          <p:cNvSpPr>
+            <a:spLocks noGrp="1" noChangeArrowheads="1"/>
+          </p:cNvSpPr>
+          <p:nvPr>
+            <p:ph idx="1"/>
+          </p:nvPr>
+        </p:nvSpPr>
+        <p:spPr bwMode="auto">
+          <a:xfrm>
+            <a:off x="1271873" y="1911689"/>
+            <a:ext cx="10809291" cy="3200876"/>
+          </a:xfrm>
+          <a:prstGeom prst="rect">
+            <a:avLst/>
+          </a:prstGeom>
+          <a:noFill/>
+          <a:ln>
+            <a:noFill/>
+          </a:ln>
+          <a:effectLst/>
+          <a:extLst>
+            <a:ext uri="{909E8E84-426E-40DD-AFC4-6F175D3DCCD1}">
+              <a14:hiddenFill xmlns:a14="http://schemas.microsoft.com/office/drawing/2010/main">
+                <a:solidFill>
+                  <a:schemeClr val="accent1"/>
+                </a:solidFill>
+              </a14:hiddenFill>
+            </a:ext>
+            <a:ext uri="{91240B29-F687-4F45-9708-019B960494DF}">
+              <a14:hiddenLine xmlns:a14="http://schemas.microsoft.com/office/drawing/2010/main" w="9525">
+                <a:solidFill>
+                  <a:schemeClr val="tx1"/>
+                </a:solidFill>
+                <a:miter lim="800000"/>
+                <a:headEnd/>
+                <a:tailEnd/>
+              </a14:hiddenLine>
+            </a:ext>
+            <a:ext uri="{AF507438-7753-43E0-B8FC-AC1667EBCBE1}">
+              <a14:hiddenEffects xmlns:a14="http://schemas.microsoft.com/office/drawing/2010/main">
+                <a:effectLst>
+                  <a:outerShdw dist="35921" dir="2700000" algn="ctr" rotWithShape="0">
+                    <a:schemeClr val="bg2"/>
+                  </a:outerShdw>
+                </a:effectLst>
+              </a14:hiddenEffects>
+            </a:ext>
+          </a:extLst>
+        </p:spPr>
+        <p:txBody>
+          <a:bodyPr vert="horz" wrap="square" lIns="91440" tIns="45720" rIns="91440" bIns="45720" numCol="1" anchor="ctr" anchorCtr="0" compatLnSpc="1">
+            <a:spAutoFit/>
+          </a:bodyPr>
+          <a:lstStyle/>
+          <a:p>
+            <a:pPr defTabSz="914400" eaLnBrk="0" fontAlgn="base" hangingPunct="0">
+              <a:spcBef>
+                <a:spcPts val="130"/>
+              </a:spcBef>
+              <a:spcAft>
+                <a:spcPts val="130"/>
+              </a:spcAft>
+              <a:buClrTx/>
+              <a:buSzTx/>
+            </a:pPr>
+            <a:r>
+              <a:rPr lang="en-US" b="1" dirty="0">
+                <a:latin typeface="Arial" panose="020B0604020202020204" pitchFamily="34" charset="0"/>
+                <a:cs typeface="Arial" panose="020B0604020202020204" pitchFamily="34" charset="0"/>
+              </a:rPr>
+              <a:t>Astro je </a:t>
+            </a:r>
+            <a:r>
+              <a:rPr lang="en-US" b="1" dirty="0" err="1">
+                <a:latin typeface="Arial" panose="020B0604020202020204" pitchFamily="34" charset="0"/>
+                <a:cs typeface="Arial" panose="020B0604020202020204" pitchFamily="34" charset="0"/>
+              </a:rPr>
+              <a:t>savršen</a:t>
+            </a:r>
+            <a:r>
+              <a:rPr lang="en-US" b="1" dirty="0">
+                <a:latin typeface="Arial" panose="020B0604020202020204" pitchFamily="34" charset="0"/>
+                <a:cs typeface="Arial" panose="020B0604020202020204" pitchFamily="34" charset="0"/>
+              </a:rPr>
+              <a:t> za </a:t>
+            </a:r>
+            <a:r>
+              <a:rPr lang="en-US" b="1" dirty="0" err="1">
+                <a:latin typeface="Arial" panose="020B0604020202020204" pitchFamily="34" charset="0"/>
+                <a:cs typeface="Arial" panose="020B0604020202020204" pitchFamily="34" charset="0"/>
+              </a:rPr>
+              <a:t>brze</a:t>
+            </a:r>
+            <a:r>
+              <a:rPr lang="en-US" b="1" dirty="0">
+                <a:latin typeface="Arial" panose="020B0604020202020204" pitchFamily="34" charset="0"/>
+                <a:cs typeface="Arial" panose="020B0604020202020204" pitchFamily="34" charset="0"/>
+              </a:rPr>
+              <a:t>, </a:t>
+            </a:r>
+            <a:r>
+              <a:rPr lang="en-US" b="1" dirty="0" err="1">
+                <a:latin typeface="Arial" panose="020B0604020202020204" pitchFamily="34" charset="0"/>
+                <a:cs typeface="Arial" panose="020B0604020202020204" pitchFamily="34" charset="0"/>
+              </a:rPr>
+              <a:t>moderne</a:t>
+            </a:r>
+            <a:r>
+              <a:rPr lang="en-US" b="1" dirty="0">
+                <a:latin typeface="Arial" panose="020B0604020202020204" pitchFamily="34" charset="0"/>
+                <a:cs typeface="Arial" panose="020B0604020202020204" pitchFamily="34" charset="0"/>
+              </a:rPr>
+              <a:t> </a:t>
+            </a:r>
+            <a:r>
+              <a:rPr lang="en-US" b="1" dirty="0" err="1">
+                <a:latin typeface="Arial" panose="020B0604020202020204" pitchFamily="34" charset="0"/>
+                <a:cs typeface="Arial" panose="020B0604020202020204" pitchFamily="34" charset="0"/>
+              </a:rPr>
+              <a:t>i</a:t>
+            </a:r>
+            <a:r>
+              <a:rPr lang="en-US" b="1" dirty="0">
+                <a:latin typeface="Arial" panose="020B0604020202020204" pitchFamily="34" charset="0"/>
+                <a:cs typeface="Arial" panose="020B0604020202020204" pitchFamily="34" charset="0"/>
+              </a:rPr>
+              <a:t> SEO-</a:t>
+            </a:r>
+            <a:r>
+              <a:rPr lang="en-US" b="1" dirty="0" err="1">
+                <a:latin typeface="Arial" panose="020B0604020202020204" pitchFamily="34" charset="0"/>
+                <a:cs typeface="Arial" panose="020B0604020202020204" pitchFamily="34" charset="0"/>
+              </a:rPr>
+              <a:t>optimizovane</a:t>
+            </a:r>
+            <a:r>
+              <a:rPr lang="en-US" b="1" dirty="0">
+                <a:latin typeface="Arial" panose="020B0604020202020204" pitchFamily="34" charset="0"/>
+                <a:cs typeface="Arial" panose="020B0604020202020204" pitchFamily="34" charset="0"/>
+              </a:rPr>
+              <a:t> </a:t>
+            </a:r>
+            <a:r>
+              <a:rPr lang="en-US" b="1" dirty="0" err="1">
+                <a:latin typeface="Arial" panose="020B0604020202020204" pitchFamily="34" charset="0"/>
+                <a:cs typeface="Arial" panose="020B0604020202020204" pitchFamily="34" charset="0"/>
+              </a:rPr>
+              <a:t>sajtove</a:t>
+            </a:r>
+            <a:endParaRPr lang="sr-Latn-RS" b="1" dirty="0">
+              <a:latin typeface="Arial" panose="020B0604020202020204" pitchFamily="34" charset="0"/>
+              <a:cs typeface="Arial" panose="020B0604020202020204" pitchFamily="34" charset="0"/>
+            </a:endParaRPr>
+          </a:p>
+          <a:p>
+            <a:pPr defTabSz="914400" eaLnBrk="0" fontAlgn="base" hangingPunct="0">
+              <a:spcBef>
+                <a:spcPts val="130"/>
+              </a:spcBef>
+              <a:spcAft>
+                <a:spcPts val="130"/>
+              </a:spcAft>
+              <a:buClrTx/>
+              <a:buSzTx/>
+            </a:pPr>
+            <a:r>
+              <a:rPr lang="en-US" dirty="0" err="1">
+                <a:latin typeface="Arial" panose="020B0604020202020204" pitchFamily="34" charset="0"/>
+                <a:cs typeface="Arial" panose="020B0604020202020204" pitchFamily="34" charset="0"/>
+              </a:rPr>
+              <a:t>Kombinovanjem</a:t>
+            </a:r>
+            <a:r>
+              <a:rPr lang="en-US" dirty="0">
+                <a:latin typeface="Arial" panose="020B0604020202020204" pitchFamily="34" charset="0"/>
+                <a:cs typeface="Arial" panose="020B0604020202020204" pitchFamily="34" charset="0"/>
+              </a:rPr>
+              <a:t> </a:t>
+            </a:r>
+            <a:r>
+              <a:rPr lang="en-US" dirty="0" err="1">
+                <a:latin typeface="Arial" panose="020B0604020202020204" pitchFamily="34" charset="0"/>
+                <a:cs typeface="Arial" panose="020B0604020202020204" pitchFamily="34" charset="0"/>
+              </a:rPr>
+              <a:t>statičkog</a:t>
+            </a:r>
+            <a:r>
+              <a:rPr lang="en-US" dirty="0">
+                <a:latin typeface="Arial" panose="020B0604020202020204" pitchFamily="34" charset="0"/>
+                <a:cs typeface="Arial" panose="020B0604020202020204" pitchFamily="34" charset="0"/>
+              </a:rPr>
+              <a:t> </a:t>
+            </a:r>
+            <a:r>
+              <a:rPr lang="en-US" dirty="0" err="1">
+                <a:latin typeface="Arial" panose="020B0604020202020204" pitchFamily="34" charset="0"/>
+                <a:cs typeface="Arial" panose="020B0604020202020204" pitchFamily="34" charset="0"/>
+              </a:rPr>
+              <a:t>sadržaja</a:t>
+            </a:r>
+            <a:r>
+              <a:rPr lang="en-US" dirty="0">
+                <a:latin typeface="Arial" panose="020B0604020202020204" pitchFamily="34" charset="0"/>
+                <a:cs typeface="Arial" panose="020B0604020202020204" pitchFamily="34" charset="0"/>
+              </a:rPr>
+              <a:t> </a:t>
+            </a:r>
+            <a:r>
+              <a:rPr lang="en-US" dirty="0" err="1">
+                <a:latin typeface="Arial" panose="020B0604020202020204" pitchFamily="34" charset="0"/>
+                <a:cs typeface="Arial" panose="020B0604020202020204" pitchFamily="34" charset="0"/>
+              </a:rPr>
+              <a:t>i</a:t>
+            </a:r>
+            <a:r>
+              <a:rPr lang="en-US" dirty="0">
+                <a:latin typeface="Arial" panose="020B0604020202020204" pitchFamily="34" charset="0"/>
+                <a:cs typeface="Arial" panose="020B0604020202020204" pitchFamily="34" charset="0"/>
+              </a:rPr>
+              <a:t> </a:t>
+            </a:r>
+            <a:r>
+              <a:rPr lang="en-US" dirty="0" err="1">
+                <a:latin typeface="Arial" panose="020B0604020202020204" pitchFamily="34" charset="0"/>
+                <a:cs typeface="Arial" panose="020B0604020202020204" pitchFamily="34" charset="0"/>
+              </a:rPr>
+              <a:t>dinamičkih</a:t>
+            </a:r>
+            <a:r>
+              <a:rPr lang="en-US" dirty="0">
+                <a:latin typeface="Arial" panose="020B0604020202020204" pitchFamily="34" charset="0"/>
+                <a:cs typeface="Arial" panose="020B0604020202020204" pitchFamily="34" charset="0"/>
+              </a:rPr>
+              <a:t> </a:t>
+            </a:r>
+            <a:r>
+              <a:rPr lang="en-US" dirty="0" err="1">
+                <a:latin typeface="Arial" panose="020B0604020202020204" pitchFamily="34" charset="0"/>
+                <a:cs typeface="Arial" panose="020B0604020202020204" pitchFamily="34" charset="0"/>
+              </a:rPr>
+              <a:t>komponenti</a:t>
+            </a:r>
+            <a:r>
+              <a:rPr lang="en-US" dirty="0">
+                <a:latin typeface="Arial" panose="020B0604020202020204" pitchFamily="34" charset="0"/>
+                <a:cs typeface="Arial" panose="020B0604020202020204" pitchFamily="34" charset="0"/>
+              </a:rPr>
+              <a:t> </a:t>
+            </a:r>
+            <a:r>
+              <a:rPr lang="en-US" dirty="0" err="1">
+                <a:latin typeface="Arial" panose="020B0604020202020204" pitchFamily="34" charset="0"/>
+                <a:cs typeface="Arial" panose="020B0604020202020204" pitchFamily="34" charset="0"/>
+              </a:rPr>
+              <a:t>omogućava</a:t>
+            </a:r>
+            <a:r>
+              <a:rPr lang="sr-Latn-RS" dirty="0">
+                <a:latin typeface="Arial" panose="020B0604020202020204" pitchFamily="34" charset="0"/>
+                <a:cs typeface="Arial" panose="020B0604020202020204" pitchFamily="34" charset="0"/>
+              </a:rPr>
+              <a:t> </a:t>
+            </a:r>
+            <a:r>
+              <a:rPr lang="en-US" dirty="0" err="1">
+                <a:latin typeface="Arial" panose="020B0604020202020204" pitchFamily="34" charset="0"/>
+                <a:cs typeface="Arial" panose="020B0604020202020204" pitchFamily="34" charset="0"/>
+              </a:rPr>
+              <a:t>maksimalne</a:t>
+            </a:r>
+            <a:r>
+              <a:rPr lang="en-US" dirty="0">
+                <a:latin typeface="Arial" panose="020B0604020202020204" pitchFamily="34" charset="0"/>
+                <a:cs typeface="Arial" panose="020B0604020202020204" pitchFamily="34" charset="0"/>
+              </a:rPr>
+              <a:t> performance</a:t>
+            </a:r>
+            <a:endParaRPr lang="sr-Latn-RS" dirty="0">
+              <a:latin typeface="Arial" panose="020B0604020202020204" pitchFamily="34" charset="0"/>
+              <a:cs typeface="Arial" panose="020B0604020202020204" pitchFamily="34" charset="0"/>
+            </a:endParaRPr>
+          </a:p>
+          <a:p>
+            <a:pPr defTabSz="914400" eaLnBrk="0" fontAlgn="base" hangingPunct="0">
+              <a:spcBef>
+                <a:spcPts val="130"/>
+              </a:spcBef>
+              <a:spcAft>
+                <a:spcPts val="130"/>
+              </a:spcAft>
+              <a:buClrTx/>
+              <a:buSzTx/>
+            </a:pPr>
+            <a:r>
+              <a:rPr lang="en-US" dirty="0" err="1">
+                <a:latin typeface="Arial" panose="020B0604020202020204" pitchFamily="34" charset="0"/>
+                <a:cs typeface="Arial" panose="020B0604020202020204" pitchFamily="34" charset="0"/>
+              </a:rPr>
+              <a:t>Projekat</a:t>
+            </a:r>
+            <a:r>
+              <a:rPr lang="en-US" dirty="0">
+                <a:latin typeface="Arial" panose="020B0604020202020204" pitchFamily="34" charset="0"/>
+                <a:cs typeface="Arial" panose="020B0604020202020204" pitchFamily="34" charset="0"/>
+              </a:rPr>
+              <a:t> je </a:t>
+            </a:r>
+            <a:r>
+              <a:rPr lang="en-US" dirty="0" err="1">
+                <a:latin typeface="Arial" panose="020B0604020202020204" pitchFamily="34" charset="0"/>
+                <a:cs typeface="Arial" panose="020B0604020202020204" pitchFamily="34" charset="0"/>
+              </a:rPr>
+              <a:t>pokazao</a:t>
+            </a:r>
+            <a:r>
+              <a:rPr lang="en-US" dirty="0">
+                <a:latin typeface="Arial" panose="020B0604020202020204" pitchFamily="34" charset="0"/>
+                <a:cs typeface="Arial" panose="020B0604020202020204" pitchFamily="34" charset="0"/>
+              </a:rPr>
+              <a:t> </a:t>
+            </a:r>
+            <a:r>
+              <a:rPr lang="en-US" b="1" dirty="0" err="1">
+                <a:latin typeface="Arial" panose="020B0604020202020204" pitchFamily="34" charset="0"/>
+                <a:cs typeface="Arial" panose="020B0604020202020204" pitchFamily="34" charset="0"/>
+              </a:rPr>
+              <a:t>efikasnu</a:t>
+            </a:r>
+            <a:r>
+              <a:rPr lang="en-US" b="1" dirty="0">
+                <a:latin typeface="Arial" panose="020B0604020202020204" pitchFamily="34" charset="0"/>
+                <a:cs typeface="Arial" panose="020B0604020202020204" pitchFamily="34" charset="0"/>
+              </a:rPr>
+              <a:t> </a:t>
+            </a:r>
+            <a:r>
+              <a:rPr lang="en-US" b="1" dirty="0" err="1">
+                <a:latin typeface="Arial" panose="020B0604020202020204" pitchFamily="34" charset="0"/>
+                <a:cs typeface="Arial" panose="020B0604020202020204" pitchFamily="34" charset="0"/>
+              </a:rPr>
+              <a:t>upotrebu</a:t>
+            </a:r>
+            <a:r>
+              <a:rPr lang="en-US" b="1" dirty="0">
+                <a:latin typeface="Arial" panose="020B0604020202020204" pitchFamily="34" charset="0"/>
+                <a:cs typeface="Arial" panose="020B0604020202020204" pitchFamily="34" charset="0"/>
+              </a:rPr>
+              <a:t> React </a:t>
+            </a:r>
+            <a:r>
+              <a:rPr lang="en-US" b="1" dirty="0" err="1">
+                <a:latin typeface="Arial" panose="020B0604020202020204" pitchFamily="34" charset="0"/>
+                <a:cs typeface="Arial" panose="020B0604020202020204" pitchFamily="34" charset="0"/>
+              </a:rPr>
+              <a:t>komponenti</a:t>
+            </a:r>
+            <a:r>
+              <a:rPr lang="en-US" b="1" dirty="0">
+                <a:latin typeface="Arial" panose="020B0604020202020204" pitchFamily="34" charset="0"/>
+                <a:cs typeface="Arial" panose="020B0604020202020204" pitchFamily="34" charset="0"/>
+              </a:rPr>
+              <a:t> </a:t>
+            </a:r>
+            <a:r>
+              <a:rPr lang="en-US" b="1" dirty="0" err="1">
+                <a:latin typeface="Arial" panose="020B0604020202020204" pitchFamily="34" charset="0"/>
+                <a:cs typeface="Arial" panose="020B0604020202020204" pitchFamily="34" charset="0"/>
+              </a:rPr>
+              <a:t>unutar</a:t>
+            </a:r>
+            <a:r>
+              <a:rPr lang="en-US" b="1" dirty="0">
+                <a:latin typeface="Arial" panose="020B0604020202020204" pitchFamily="34" charset="0"/>
+                <a:cs typeface="Arial" panose="020B0604020202020204" pitchFamily="34" charset="0"/>
+              </a:rPr>
+              <a:t> Astro </a:t>
+            </a:r>
+            <a:r>
+              <a:rPr lang="en-US" b="1" dirty="0" err="1">
+                <a:latin typeface="Arial" panose="020B0604020202020204" pitchFamily="34" charset="0"/>
+                <a:cs typeface="Arial" panose="020B0604020202020204" pitchFamily="34" charset="0"/>
+              </a:rPr>
+              <a:t>okruženja</a:t>
+            </a:r>
+            <a:endParaRPr lang="sr-Latn-RS" b="1" dirty="0">
+              <a:latin typeface="Arial" panose="020B0604020202020204" pitchFamily="34" charset="0"/>
+              <a:cs typeface="Arial" panose="020B0604020202020204" pitchFamily="34" charset="0"/>
+            </a:endParaRPr>
+          </a:p>
+          <a:p>
+            <a:pPr defTabSz="914400" eaLnBrk="0" fontAlgn="base" hangingPunct="0">
+              <a:spcBef>
+                <a:spcPts val="130"/>
+              </a:spcBef>
+              <a:spcAft>
+                <a:spcPts val="130"/>
+              </a:spcAft>
+              <a:buClrTx/>
+              <a:buSzTx/>
+            </a:pPr>
+            <a:r>
+              <a:rPr lang="en-US" dirty="0" err="1">
+                <a:latin typeface="Arial" panose="020B0604020202020204" pitchFamily="34" charset="0"/>
+                <a:cs typeface="Arial" panose="020B0604020202020204" pitchFamily="34" charset="0"/>
+              </a:rPr>
+              <a:t>Primenjene</a:t>
+            </a:r>
+            <a:r>
+              <a:rPr lang="en-US" dirty="0">
+                <a:latin typeface="Arial" panose="020B0604020202020204" pitchFamily="34" charset="0"/>
+                <a:cs typeface="Arial" panose="020B0604020202020204" pitchFamily="34" charset="0"/>
+              </a:rPr>
+              <a:t> </a:t>
+            </a:r>
+            <a:r>
+              <a:rPr lang="en-US" dirty="0" err="1">
+                <a:latin typeface="Arial" panose="020B0604020202020204" pitchFamily="34" charset="0"/>
+                <a:cs typeface="Arial" panose="020B0604020202020204" pitchFamily="34" charset="0"/>
+              </a:rPr>
+              <a:t>su</a:t>
+            </a:r>
+            <a:r>
+              <a:rPr lang="en-US" dirty="0">
+                <a:latin typeface="Arial" panose="020B0604020202020204" pitchFamily="34" charset="0"/>
+                <a:cs typeface="Arial" panose="020B0604020202020204" pitchFamily="34" charset="0"/>
+              </a:rPr>
+              <a:t> </a:t>
+            </a:r>
+            <a:r>
+              <a:rPr lang="en-US" dirty="0" err="1">
+                <a:latin typeface="Arial" panose="020B0604020202020204" pitchFamily="34" charset="0"/>
+                <a:cs typeface="Arial" panose="020B0604020202020204" pitchFamily="34" charset="0"/>
+              </a:rPr>
+              <a:t>dobre</a:t>
+            </a:r>
+            <a:r>
+              <a:rPr lang="en-US" dirty="0">
+                <a:latin typeface="Arial" panose="020B0604020202020204" pitchFamily="34" charset="0"/>
+                <a:cs typeface="Arial" panose="020B0604020202020204" pitchFamily="34" charset="0"/>
+              </a:rPr>
+              <a:t> </a:t>
+            </a:r>
+            <a:r>
+              <a:rPr lang="en-US" dirty="0" err="1">
+                <a:latin typeface="Arial" panose="020B0604020202020204" pitchFamily="34" charset="0"/>
+                <a:cs typeface="Arial" panose="020B0604020202020204" pitchFamily="34" charset="0"/>
+              </a:rPr>
+              <a:t>prakse</a:t>
+            </a:r>
+            <a:r>
+              <a:rPr lang="en-US" dirty="0">
+                <a:latin typeface="Arial" panose="020B0604020202020204" pitchFamily="34" charset="0"/>
+                <a:cs typeface="Arial" panose="020B0604020202020204" pitchFamily="34" charset="0"/>
+              </a:rPr>
+              <a:t> –</a:t>
+            </a:r>
+            <a:r>
+              <a:rPr lang="sr-Latn-RS" dirty="0">
+                <a:latin typeface="Arial" panose="020B0604020202020204" pitchFamily="34" charset="0"/>
+                <a:cs typeface="Arial" panose="020B0604020202020204" pitchFamily="34" charset="0"/>
+              </a:rPr>
+              <a:t> jednostavno održavanje</a:t>
+            </a:r>
+          </a:p>
+          <a:p>
+            <a:pPr defTabSz="914400" eaLnBrk="0" fontAlgn="base" hangingPunct="0">
+              <a:spcBef>
+                <a:spcPts val="130"/>
+              </a:spcBef>
+              <a:spcAft>
+                <a:spcPts val="130"/>
+              </a:spcAft>
+              <a:buClrTx/>
+              <a:buSzTx/>
+            </a:pPr>
+            <a:r>
+              <a:rPr lang="en-US" dirty="0" err="1">
+                <a:latin typeface="Arial" panose="020B0604020202020204" pitchFamily="34" charset="0"/>
+                <a:cs typeface="Arial" panose="020B0604020202020204" pitchFamily="34" charset="0"/>
+              </a:rPr>
+              <a:t>Ovaj</a:t>
+            </a:r>
+            <a:r>
+              <a:rPr lang="en-US" dirty="0">
+                <a:latin typeface="Arial" panose="020B0604020202020204" pitchFamily="34" charset="0"/>
+                <a:cs typeface="Arial" panose="020B0604020202020204" pitchFamily="34" charset="0"/>
+              </a:rPr>
+              <a:t> </a:t>
+            </a:r>
+            <a:r>
+              <a:rPr lang="en-US" dirty="0" err="1">
+                <a:latin typeface="Arial" panose="020B0604020202020204" pitchFamily="34" charset="0"/>
+                <a:cs typeface="Arial" panose="020B0604020202020204" pitchFamily="34" charset="0"/>
+              </a:rPr>
+              <a:t>pristup</a:t>
+            </a:r>
+            <a:r>
+              <a:rPr lang="en-US" dirty="0">
+                <a:latin typeface="Arial" panose="020B0604020202020204" pitchFamily="34" charset="0"/>
+                <a:cs typeface="Arial" panose="020B0604020202020204" pitchFamily="34" charset="0"/>
+              </a:rPr>
+              <a:t> </a:t>
+            </a:r>
+            <a:r>
+              <a:rPr lang="en-US" dirty="0" err="1">
+                <a:latin typeface="Arial" panose="020B0604020202020204" pitchFamily="34" charset="0"/>
+                <a:cs typeface="Arial" panose="020B0604020202020204" pitchFamily="34" charset="0"/>
+              </a:rPr>
+              <a:t>omogućava</a:t>
+            </a:r>
+            <a:r>
+              <a:rPr lang="en-US" dirty="0">
+                <a:latin typeface="Arial" panose="020B0604020202020204" pitchFamily="34" charset="0"/>
+                <a:cs typeface="Arial" panose="020B0604020202020204" pitchFamily="34" charset="0"/>
+              </a:rPr>
+              <a:t> </a:t>
+            </a:r>
+            <a:r>
+              <a:rPr lang="en-US" b="1" dirty="0" err="1">
+                <a:latin typeface="Arial" panose="020B0604020202020204" pitchFamily="34" charset="0"/>
+                <a:cs typeface="Arial" panose="020B0604020202020204" pitchFamily="34" charset="0"/>
+              </a:rPr>
+              <a:t>brz</a:t>
+            </a:r>
+            <a:r>
+              <a:rPr lang="en-US" b="1" dirty="0">
+                <a:latin typeface="Arial" panose="020B0604020202020204" pitchFamily="34" charset="0"/>
+                <a:cs typeface="Arial" panose="020B0604020202020204" pitchFamily="34" charset="0"/>
+              </a:rPr>
+              <a:t> </a:t>
+            </a:r>
+            <a:r>
+              <a:rPr lang="en-US" b="1" dirty="0" err="1">
+                <a:latin typeface="Arial" panose="020B0604020202020204" pitchFamily="34" charset="0"/>
+                <a:cs typeface="Arial" panose="020B0604020202020204" pitchFamily="34" charset="0"/>
+              </a:rPr>
+              <a:t>razvoj</a:t>
+            </a:r>
+            <a:r>
+              <a:rPr lang="en-US" dirty="0">
+                <a:latin typeface="Arial" panose="020B0604020202020204" pitchFamily="34" charset="0"/>
+                <a:cs typeface="Arial" panose="020B0604020202020204" pitchFamily="34" charset="0"/>
+              </a:rPr>
+              <a:t>, </a:t>
+            </a:r>
+            <a:r>
+              <a:rPr lang="en-US" dirty="0" err="1">
+                <a:latin typeface="Arial" panose="020B0604020202020204" pitchFamily="34" charset="0"/>
+                <a:cs typeface="Arial" panose="020B0604020202020204" pitchFamily="34" charset="0"/>
+              </a:rPr>
+              <a:t>lakšu</a:t>
+            </a:r>
+            <a:r>
+              <a:rPr lang="en-US" dirty="0">
+                <a:latin typeface="Arial" panose="020B0604020202020204" pitchFamily="34" charset="0"/>
+                <a:cs typeface="Arial" panose="020B0604020202020204" pitchFamily="34" charset="0"/>
+              </a:rPr>
+              <a:t> </a:t>
+            </a:r>
+            <a:r>
+              <a:rPr lang="en-US" dirty="0" err="1">
+                <a:latin typeface="Arial" panose="020B0604020202020204" pitchFamily="34" charset="0"/>
+                <a:cs typeface="Arial" panose="020B0604020202020204" pitchFamily="34" charset="0"/>
+              </a:rPr>
+              <a:t>organizaciju</a:t>
+            </a:r>
+            <a:r>
+              <a:rPr lang="en-US" dirty="0">
+                <a:latin typeface="Arial" panose="020B0604020202020204" pitchFamily="34" charset="0"/>
+                <a:cs typeface="Arial" panose="020B0604020202020204" pitchFamily="34" charset="0"/>
+              </a:rPr>
+              <a:t> </a:t>
+            </a:r>
+            <a:r>
+              <a:rPr lang="en-US" dirty="0" err="1">
+                <a:latin typeface="Arial" panose="020B0604020202020204" pitchFamily="34" charset="0"/>
+                <a:cs typeface="Arial" panose="020B0604020202020204" pitchFamily="34" charset="0"/>
+              </a:rPr>
+              <a:t>i</a:t>
+            </a:r>
+            <a:r>
+              <a:rPr lang="en-US" dirty="0">
+                <a:latin typeface="Arial" panose="020B0604020202020204" pitchFamily="34" charset="0"/>
+                <a:cs typeface="Arial" panose="020B0604020202020204" pitchFamily="34" charset="0"/>
+              </a:rPr>
+              <a:t> </a:t>
+            </a:r>
+            <a:r>
+              <a:rPr lang="en-US" dirty="0" err="1">
+                <a:latin typeface="Arial" panose="020B0604020202020204" pitchFamily="34" charset="0"/>
+                <a:cs typeface="Arial" panose="020B0604020202020204" pitchFamily="34" charset="0"/>
+              </a:rPr>
+              <a:t>odličan</a:t>
+            </a:r>
+            <a:r>
+              <a:rPr lang="en-US" dirty="0">
+                <a:latin typeface="Arial" panose="020B0604020202020204" pitchFamily="34" charset="0"/>
+                <a:cs typeface="Arial" panose="020B0604020202020204" pitchFamily="34" charset="0"/>
+              </a:rPr>
+              <a:t> </a:t>
+            </a:r>
+            <a:r>
+              <a:rPr lang="en-US" dirty="0" err="1">
+                <a:latin typeface="Arial" panose="020B0604020202020204" pitchFamily="34" charset="0"/>
+                <a:cs typeface="Arial" panose="020B0604020202020204" pitchFamily="34" charset="0"/>
+              </a:rPr>
+              <a:t>korisnički</a:t>
+            </a:r>
+            <a:r>
+              <a:rPr lang="en-US" dirty="0">
+                <a:latin typeface="Arial" panose="020B0604020202020204" pitchFamily="34" charset="0"/>
+                <a:cs typeface="Arial" panose="020B0604020202020204" pitchFamily="34" charset="0"/>
+              </a:rPr>
+              <a:t> </a:t>
+            </a:r>
+            <a:r>
+              <a:rPr lang="en-US" dirty="0" err="1">
+                <a:latin typeface="Arial" panose="020B0604020202020204" pitchFamily="34" charset="0"/>
+                <a:cs typeface="Arial" panose="020B0604020202020204" pitchFamily="34" charset="0"/>
+              </a:rPr>
+              <a:t>doživljaj</a:t>
+            </a:r>
+            <a:endParaRPr kumimoji="0" lang="en-US" altLang="en-US" b="0" i="0" u="none" strike="noStrike" cap="none" normalizeH="0" baseline="0" dirty="0">
+              <a:ln>
+                <a:noFill/>
+              </a:ln>
+              <a:solidFill>
+                <a:schemeClr val="tx1"/>
+              </a:solidFill>
+              <a:effectLst/>
+              <a:latin typeface="Arial" panose="020B0604020202020204" pitchFamily="34" charset="0"/>
+              <a:cs typeface="Arial" panose="020B0604020202020204" pitchFamily="34" charset="0"/>
+            </a:endParaRPr>
+          </a:p>
+        </p:txBody>
+      </p:sp>
+    </p:spTree>
+  </p:cSld>
+  <p:clrMapOvr>
+    <a:masterClrMapping/>
+  </p:clrMapOvr>
+</p:sld>
+</file>
+
+<file path=ppt/slides/slide11.xml><?xml version="1.0" encoding="utf-8"?>
+<p:sld xmlns:a="http://schemas.openxmlformats.org/drawingml/2006/main" xmlns:r="http://schemas.openxmlformats.org/officeDocument/2006/relationships" xmlns:p="http://schemas.openxmlformats.org/presentationml/2006/main">
+  <p:cSld>
+    <p:spTree>
+      <p:nvGrpSpPr>
+        <p:cNvPr id="1" name=""/>
+        <p:cNvGrpSpPr/>
+        <p:nvPr/>
+      </p:nvGrpSpPr>
+      <p:grpSpPr>
+        <a:xfrm>
+          <a:off x="0" y="0"/>
+          <a:ext cx="0" cy="0"/>
+          <a:chOff x="0" y="0"/>
+          <a:chExt cx="0" cy="0"/>
+        </a:xfrm>
+      </p:grpSpPr>
+      <p:sp>
+        <p:nvSpPr>
+          <p:cNvPr id="2" name="Title 1"/>
+          <p:cNvSpPr>
+            <a:spLocks noGrp="1"/>
+          </p:cNvSpPr>
+          <p:nvPr>
+            <p:ph type="title"/>
+          </p:nvPr>
+        </p:nvSpPr>
+        <p:spPr>
+          <a:xfrm>
+            <a:off x="1484309" y="2226816"/>
+            <a:ext cx="10018713" cy="1752599"/>
+          </a:xfrm>
+        </p:spPr>
+        <p:txBody>
+          <a:bodyPr>
+            <a:normAutofit/>
+          </a:bodyPr>
+          <a:lstStyle/>
+          <a:p>
+            <a:r>
+              <a:rPr lang="en-US" sz="4800" b="1" i="1" dirty="0" err="1"/>
+              <a:t>Hvala</a:t>
+            </a:r>
+            <a:r>
+              <a:rPr lang="en-US" sz="4800" b="1" i="1" dirty="0"/>
+              <a:t> </a:t>
+            </a:r>
+            <a:r>
+              <a:rPr lang="en-US" sz="4800" b="1" i="1" dirty="0" err="1"/>
+              <a:t>na</a:t>
+            </a:r>
+            <a:r>
+              <a:rPr lang="en-US" sz="4800" b="1" i="1" dirty="0"/>
+              <a:t> </a:t>
+            </a:r>
+            <a:r>
+              <a:rPr lang="en-US" sz="4800" b="1" i="1" dirty="0" err="1"/>
+              <a:t>pažnji</a:t>
+            </a:r>
+            <a:r>
+              <a:rPr lang="en-US" sz="4800" b="1" i="1" dirty="0"/>
+              <a:t>!</a:t>
+            </a:r>
+          </a:p>
+        </p:txBody>
+      </p:sp>
+      <p:sp>
+        <p:nvSpPr>
+          <p:cNvPr id="3" name="Content Placeholder 2"/>
+          <p:cNvSpPr>
+            <a:spLocks noGrp="1"/>
+          </p:cNvSpPr>
+          <p:nvPr>
+            <p:ph idx="1"/>
+          </p:nvPr>
+        </p:nvSpPr>
+        <p:spPr>
+          <a:xfrm>
+            <a:off x="1155836" y="4176203"/>
+            <a:ext cx="10018713" cy="3124201"/>
+          </a:xfrm>
+        </p:spPr>
+        <p:txBody>
+          <a:bodyPr/>
+          <a:lstStyle/>
+          <a:p>
+            <a:pPr marL="0" indent="0" algn="ctr">
+              <a:buNone/>
+            </a:pPr>
+            <a:br>
+              <a:rPr lang="en-US" dirty="0"/>
+            </a:br>
+            <a:endParaRPr lang="en-US" dirty="0"/>
+          </a:p>
+        </p:txBody>
+      </p:sp>
+    </p:spTree>
   </p:cSld>
   <p:clrMapOvr>
     <a:masterClrMapping/>
@@ -6308,13 +7000,7 @@
       </p:grpSpPr>
       <p:sp>
         <p:nvSpPr>
-          <p:cNvPr id="2" name="Title 1">
-            <a:extLst>
-              <a:ext uri="{FF2B5EF4-FFF2-40B4-BE49-F238E27FC236}">
-                <a16:creationId xmlns:a16="http://schemas.microsoft.com/office/drawing/2014/main" id="{41069EB1-9F74-41F4-B914-C3A735C5E19B}"/>
-              </a:ext>
-            </a:extLst>
-          </p:cNvPr>
+          <p:cNvPr id="2" name="Title 1"/>
           <p:cNvSpPr>
             <a:spLocks noGrp="1"/>
           </p:cNvSpPr>
@@ -6348,13 +7034,7 @@
       </p:sp>
       <p:sp>
         <p:nvSpPr>
-          <p:cNvPr id="4" name="Rectangle 1">
-            <a:extLst>
-              <a:ext uri="{FF2B5EF4-FFF2-40B4-BE49-F238E27FC236}">
-                <a16:creationId xmlns:a16="http://schemas.microsoft.com/office/drawing/2014/main" id="{10C51F34-A84F-435C-98D7-D043BB04243F}"/>
-              </a:ext>
-            </a:extLst>
-          </p:cNvPr>
+          <p:cNvPr id="4" name="Rectangle 1"/>
           <p:cNvSpPr>
             <a:spLocks noGrp="1" noChangeArrowheads="1"/>
           </p:cNvSpPr>
@@ -6406,9 +7086,6 @@
         </p:spPr>
         <p:txBody>
           <a:bodyPr vert="horz" wrap="none" lIns="91440" tIns="45720" rIns="91440" bIns="45720" numCol="1" anchor="ctr" anchorCtr="0" compatLnSpc="1">
-            <a:prstTxWarp prst="textNoShape">
-              <a:avLst/>
-            </a:prstTxWarp>
             <a:spAutoFit/>
           </a:bodyPr>
           <a:lstStyle/>
@@ -6427,7 +7104,6 @@
               <a:buSzTx/>
               <a:buFontTx/>
               <a:buChar char="•"/>
-              <a:tabLst/>
             </a:pPr>
             <a:r>
               <a:rPr lang="en-US" dirty="0"/>
@@ -6482,7 +7158,6 @@
               <a:buSzTx/>
               <a:buFontTx/>
               <a:buChar char="•"/>
-              <a:tabLst/>
             </a:pPr>
             <a:r>
               <a:rPr lang="sr-Latn-RS" dirty="0"/>
@@ -6537,7 +7212,6 @@
               <a:buSzTx/>
               <a:buFontTx/>
               <a:buChar char="•"/>
-              <a:tabLst/>
             </a:pPr>
             <a:r>
               <a:rPr kumimoji="0" lang="en-US" altLang="en-US" b="0" i="0" u="none" strike="noStrike" cap="none" normalizeH="0" baseline="0" dirty="0" err="1">
@@ -6711,7 +7385,6 @@
               <a:buSzTx/>
               <a:buFontTx/>
               <a:buChar char="•"/>
-              <a:tabLst/>
             </a:pPr>
             <a:r>
               <a:rPr kumimoji="0" lang="en-US" altLang="en-US" b="0" i="0" u="none" strike="noStrike" cap="none" normalizeH="0" baseline="0" dirty="0" err="1">
@@ -6885,7 +7558,6 @@
               <a:buSzTx/>
               <a:buFontTx/>
               <a:buChar char="•"/>
-              <a:tabLst/>
             </a:pPr>
             <a:r>
               <a:rPr kumimoji="0" lang="en-US" altLang="en-US" b="0" i="0" u="none" strike="noStrike" cap="none" normalizeH="0" baseline="0" dirty="0" err="1">
@@ -7021,11 +7693,6 @@
         </p:txBody>
       </p:sp>
     </p:spTree>
-    <p:extLst>
-      <p:ext uri="{BB962C8B-B14F-4D97-AF65-F5344CB8AC3E}">
-        <p14:creationId xmlns:p14="http://schemas.microsoft.com/office/powerpoint/2010/main" val="3583628224"/>
-      </p:ext>
-    </p:extLst>
   </p:cSld>
   <p:clrMapOvr>
     <a:masterClrMapping/>
@@ -7052,13 +7719,7 @@
       </p:grpSpPr>
       <p:sp>
         <p:nvSpPr>
-          <p:cNvPr id="2" name="Title 1">
-            <a:extLst>
-              <a:ext uri="{FF2B5EF4-FFF2-40B4-BE49-F238E27FC236}">
-                <a16:creationId xmlns:a16="http://schemas.microsoft.com/office/drawing/2014/main" id="{CA1527BA-E025-4900-B75F-B7CF4DB153A8}"/>
-              </a:ext>
-            </a:extLst>
-          </p:cNvPr>
+          <p:cNvPr id="2" name="Title 1"/>
           <p:cNvSpPr>
             <a:spLocks noGrp="1"/>
           </p:cNvSpPr>
@@ -7103,13 +7764,7 @@
       </p:sp>
       <p:sp>
         <p:nvSpPr>
-          <p:cNvPr id="4" name="Rectangle 1">
-            <a:extLst>
-              <a:ext uri="{FF2B5EF4-FFF2-40B4-BE49-F238E27FC236}">
-                <a16:creationId xmlns:a16="http://schemas.microsoft.com/office/drawing/2014/main" id="{3B6AC9B7-4CA3-456B-9E86-6FD6EBC4D082}"/>
-              </a:ext>
-            </a:extLst>
-          </p:cNvPr>
+          <p:cNvPr id="4" name="Rectangle 1"/>
           <p:cNvSpPr>
             <a:spLocks noGrp="1" noChangeArrowheads="1"/>
           </p:cNvSpPr>
@@ -7161,9 +7816,6 @@
         </p:spPr>
         <p:txBody>
           <a:bodyPr vert="horz" wrap="none" lIns="91440" tIns="45720" rIns="91440" bIns="45720" numCol="1" anchor="ctr" anchorCtr="0" compatLnSpc="1">
-            <a:prstTxWarp prst="textNoShape">
-              <a:avLst/>
-            </a:prstTxWarp>
             <a:spAutoFit/>
           </a:bodyPr>
           <a:lstStyle/>
@@ -7456,7 +8108,6 @@
               <a:buSzTx/>
               <a:buFontTx/>
               <a:buChar char="•"/>
-              <a:tabLst/>
             </a:pPr>
             <a:endParaRPr kumimoji="0" lang="en-US" altLang="en-US" sz="1800" b="0" i="0" u="none" strike="noStrike" cap="none" normalizeH="0" baseline="0" dirty="0">
               <a:ln>
@@ -7473,20 +8124,14 @@
       </p:sp>
       <p:pic>
         <p:nvPicPr>
-          <p:cNvPr id="6" name="Picture 5">
-            <a:extLst>
-              <a:ext uri="{FF2B5EF4-FFF2-40B4-BE49-F238E27FC236}">
-                <a16:creationId xmlns:a16="http://schemas.microsoft.com/office/drawing/2014/main" id="{5241407B-C628-4B48-BEA5-D4DFA0DD5282}"/>
-              </a:ext>
-            </a:extLst>
-          </p:cNvPr>
+          <p:cNvPr id="6" name="Picture 5"/>
           <p:cNvPicPr>
             <a:picLocks noChangeAspect="1"/>
           </p:cNvPicPr>
           <p:nvPr/>
         </p:nvPicPr>
         <p:blipFill>
-          <a:blip r:embed="rId2">
+          <a:blip r:embed="rId2" cstate="print">
             <a:alphaModFix amt="85000"/>
             <a:extLst>
               <a:ext uri="{28A0092B-C50C-407E-A947-70E740481C1C}">
@@ -7516,13 +8161,7 @@
       </p:pic>
       <p:pic>
         <p:nvPicPr>
-          <p:cNvPr id="8" name="Picture 7">
-            <a:extLst>
-              <a:ext uri="{FF2B5EF4-FFF2-40B4-BE49-F238E27FC236}">
-                <a16:creationId xmlns:a16="http://schemas.microsoft.com/office/drawing/2014/main" id="{3FD9F71D-2BBD-4E6F-B7C8-D23176426334}"/>
-              </a:ext>
-            </a:extLst>
-          </p:cNvPr>
+          <p:cNvPr id="8" name="Picture 7"/>
           <p:cNvPicPr>
             <a:picLocks noChangeAspect="1"/>
           </p:cNvPicPr>
@@ -7558,11 +8197,6 @@
         </p:spPr>
       </p:pic>
     </p:spTree>
-    <p:extLst>
-      <p:ext uri="{BB962C8B-B14F-4D97-AF65-F5344CB8AC3E}">
-        <p14:creationId xmlns:p14="http://schemas.microsoft.com/office/powerpoint/2010/main" val="245918365"/>
-      </p:ext>
-    </p:extLst>
   </p:cSld>
   <p:clrMapOvr>
     <a:masterClrMapping/>
@@ -7589,13 +8223,7 @@
       </p:grpSpPr>
       <p:sp>
         <p:nvSpPr>
-          <p:cNvPr id="2" name="Title 1">
-            <a:extLst>
-              <a:ext uri="{FF2B5EF4-FFF2-40B4-BE49-F238E27FC236}">
-                <a16:creationId xmlns:a16="http://schemas.microsoft.com/office/drawing/2014/main" id="{1EDD0A34-A841-41DB-AF55-3148A3A9D078}"/>
-              </a:ext>
-            </a:extLst>
-          </p:cNvPr>
+          <p:cNvPr id="2" name="Title 1"/>
           <p:cNvSpPr>
             <a:spLocks noGrp="1"/>
           </p:cNvSpPr>
@@ -7628,13 +8256,7 @@
       </p:sp>
       <p:sp>
         <p:nvSpPr>
-          <p:cNvPr id="4" name="Rectangle 1">
-            <a:extLst>
-              <a:ext uri="{FF2B5EF4-FFF2-40B4-BE49-F238E27FC236}">
-                <a16:creationId xmlns:a16="http://schemas.microsoft.com/office/drawing/2014/main" id="{CAB70CBD-8930-4B6F-A9D2-BFCDCBE9BFFA}"/>
-              </a:ext>
-            </a:extLst>
-          </p:cNvPr>
+          <p:cNvPr id="4" name="Rectangle 1"/>
           <p:cNvSpPr>
             <a:spLocks noGrp="1" noChangeArrowheads="1"/>
           </p:cNvSpPr>
@@ -7644,8 +8266,8 @@
         </p:nvSpPr>
         <p:spPr bwMode="auto">
           <a:xfrm>
-            <a:off x="1596332" y="1752599"/>
-            <a:ext cx="9794669" cy="2954655"/>
+            <a:off x="1596332" y="1706879"/>
+            <a:ext cx="9692640" cy="3046095"/>
           </a:xfrm>
           <a:prstGeom prst="rect">
             <a:avLst/>
@@ -7686,9 +8308,6 @@
         </p:spPr>
         <p:txBody>
           <a:bodyPr vert="horz" wrap="none" lIns="91440" tIns="45720" rIns="91440" bIns="45720" numCol="1" anchor="ctr" anchorCtr="0" compatLnSpc="1">
-            <a:prstTxWarp prst="textNoShape">
-              <a:avLst/>
-            </a:prstTxWarp>
             <a:spAutoFit/>
           </a:bodyPr>
           <a:lstStyle/>
@@ -7707,7 +8326,6 @@
               <a:buSzTx/>
               <a:buFontTx/>
               <a:buChar char="•"/>
-              <a:tabLst/>
             </a:pPr>
             <a:r>
               <a:rPr lang="sr-Latn-RS" altLang="en-US" dirty="0">
@@ -7897,7 +8515,6 @@
               <a:buSzTx/>
               <a:buFontTx/>
               <a:buChar char="•"/>
-              <a:tabLst/>
             </a:pPr>
             <a:r>
               <a:rPr kumimoji="0" lang="en-US" altLang="en-US" b="0" i="0" u="none" strike="noStrike" cap="none" normalizeH="0" baseline="0" dirty="0" err="1">
@@ -8070,24 +8687,161 @@
               <a:buClrTx/>
               <a:buSzTx/>
               <a:buFontTx/>
+              <a:buNone/>
+            </a:pPr>
+            <a:r>
+              <a:rPr kumimoji="0" lang="en-US" altLang="en-US" b="0" i="0" u="none" strike="noStrike" cap="none" normalizeH="0" baseline="0" dirty="0" err="1">
+                <a:ln>
+                  <a:noFill/>
+                </a:ln>
+                <a:solidFill>
+                  <a:schemeClr val="tx1"/>
+                </a:solidFill>
+                <a:effectLst/>
+                <a:latin typeface="Arial" panose="020B0604020202020204" pitchFamily="34" charset="0"/>
+              </a:rPr>
+              <a:t>Korišćene</a:t>
+            </a:r>
+            <a:r>
+              <a:rPr kumimoji="0" lang="en-US" altLang="en-US" b="0" i="0" u="none" strike="noStrike" cap="none" normalizeH="0" baseline="0" dirty="0">
+                <a:ln>
+                  <a:noFill/>
+                </a:ln>
+                <a:solidFill>
+                  <a:schemeClr val="tx1"/>
+                </a:solidFill>
+                <a:effectLst/>
+                <a:latin typeface="Arial" panose="020B0604020202020204" pitchFamily="34" charset="0"/>
+              </a:rPr>
+              <a:t> </a:t>
+            </a:r>
+            <a:r>
+              <a:rPr kumimoji="0" lang="en-US" altLang="en-US" b="0" i="0" u="none" strike="noStrike" cap="none" normalizeH="0" baseline="0" dirty="0" err="1">
+                <a:ln>
+                  <a:noFill/>
+                </a:ln>
+                <a:solidFill>
+                  <a:schemeClr val="tx1"/>
+                </a:solidFill>
+                <a:effectLst/>
+                <a:latin typeface="Arial" panose="020B0604020202020204" pitchFamily="34" charset="0"/>
+              </a:rPr>
+              <a:t>tehnologije</a:t>
+            </a:r>
+            <a:r>
+              <a:rPr kumimoji="0" lang="en-US" altLang="en-US" b="0" i="0" u="none" strike="noStrike" cap="none" normalizeH="0" baseline="0" dirty="0">
+                <a:ln>
+                  <a:noFill/>
+                </a:ln>
+                <a:solidFill>
+                  <a:schemeClr val="tx1"/>
+                </a:solidFill>
+                <a:effectLst/>
+                <a:latin typeface="Arial" panose="020B0604020202020204" pitchFamily="34" charset="0"/>
+              </a:rPr>
+              <a:t>:</a:t>
+            </a:r>
+          </a:p>
+          <a:p>
+            <a:pPr marL="457200" marR="0" lvl="1" indent="0" algn="l" defTabSz="914400" rtl="0" eaLnBrk="0" fontAlgn="base" latinLnBrk="0" hangingPunct="0">
+              <a:lnSpc>
+                <a:spcPct val="100000"/>
+              </a:lnSpc>
+              <a:spcBef>
+                <a:spcPct val="0"/>
+              </a:spcBef>
+              <a:spcAft>
+                <a:spcPct val="0"/>
+              </a:spcAft>
+              <a:buClrTx/>
+              <a:buSzTx/>
+              <a:buFontTx/>
               <a:buChar char="•"/>
-              <a:tabLst/>
             </a:pPr>
             <a:r>
-              <a:rPr kumimoji="0" lang="en-US" altLang="en-US" b="0" i="0" u="none" strike="noStrike" cap="none" normalizeH="0" baseline="0" dirty="0" err="1">
-                <a:ln>
-                  <a:noFill/>
-                </a:ln>
-                <a:solidFill>
-                  <a:schemeClr val="tx1"/>
-                </a:solidFill>
-                <a:effectLst/>
-                <a:latin typeface="Arial" panose="020B0604020202020204" pitchFamily="34" charset="0"/>
-              </a:rPr>
-              <a:t>Korišćene</a:t>
-            </a:r>
-            <a:r>
-              <a:rPr kumimoji="0" lang="en-US" altLang="en-US" b="0" i="0" u="none" strike="noStrike" cap="none" normalizeH="0" baseline="0" dirty="0">
+              <a:rPr kumimoji="0" lang="en-US" altLang="en-US" sz="2400" b="0" i="0" u="none" strike="noStrike" cap="none" normalizeH="0" baseline="0" dirty="0">
+                <a:ln>
+                  <a:noFill/>
+                </a:ln>
+                <a:solidFill>
+                  <a:schemeClr val="tx1"/>
+                </a:solidFill>
+                <a:effectLst/>
+                <a:latin typeface="Arial" panose="020B0604020202020204" pitchFamily="34" charset="0"/>
+              </a:rPr>
+              <a:t>Astro (</a:t>
+            </a:r>
+            <a:r>
+              <a:rPr kumimoji="0" lang="en-US" altLang="en-US" sz="2400" b="0" i="0" u="none" strike="noStrike" cap="none" normalizeH="0" baseline="0" dirty="0" err="1">
+                <a:ln>
+                  <a:noFill/>
+                </a:ln>
+                <a:solidFill>
+                  <a:schemeClr val="tx1"/>
+                </a:solidFill>
+                <a:effectLst/>
+                <a:latin typeface="Arial" panose="020B0604020202020204" pitchFamily="34" charset="0"/>
+              </a:rPr>
+              <a:t>kao</a:t>
+            </a:r>
+            <a:r>
+              <a:rPr kumimoji="0" lang="en-US" altLang="en-US" sz="2400" b="0" i="0" u="none" strike="noStrike" cap="none" normalizeH="0" baseline="0" dirty="0">
+                <a:ln>
+                  <a:noFill/>
+                </a:ln>
+                <a:solidFill>
+                  <a:schemeClr val="tx1"/>
+                </a:solidFill>
+                <a:effectLst/>
+                <a:latin typeface="Arial" panose="020B0604020202020204" pitchFamily="34" charset="0"/>
+              </a:rPr>
+              <a:t> meta-framework)</a:t>
+            </a:r>
+          </a:p>
+          <a:p>
+            <a:pPr marL="457200" marR="0" lvl="1" indent="0" algn="l" defTabSz="914400" rtl="0" eaLnBrk="0" fontAlgn="base" latinLnBrk="0" hangingPunct="0">
+              <a:lnSpc>
+                <a:spcPct val="100000"/>
+              </a:lnSpc>
+              <a:spcBef>
+                <a:spcPct val="0"/>
+              </a:spcBef>
+              <a:spcAft>
+                <a:spcPct val="0"/>
+              </a:spcAft>
+              <a:buClrTx/>
+              <a:buSzTx/>
+              <a:buFontTx/>
+              <a:buChar char="•"/>
+            </a:pPr>
+            <a:r>
+              <a:rPr kumimoji="0" lang="en-US" altLang="en-US" sz="2400" b="0" i="0" u="none" strike="noStrike" cap="none" normalizeH="0" baseline="0" dirty="0">
+                <a:ln>
+                  <a:noFill/>
+                </a:ln>
+                <a:solidFill>
+                  <a:schemeClr val="tx1"/>
+                </a:solidFill>
+                <a:effectLst/>
+                <a:latin typeface="Arial" panose="020B0604020202020204" pitchFamily="34" charset="0"/>
+              </a:rPr>
+              <a:t>React (za </a:t>
+            </a:r>
+            <a:r>
+              <a:rPr kumimoji="0" lang="en-US" altLang="en-US" sz="2400" b="0" i="0" u="none" strike="noStrike" cap="none" normalizeH="0" baseline="0" dirty="0" err="1">
+                <a:ln>
+                  <a:noFill/>
+                </a:ln>
+                <a:solidFill>
+                  <a:schemeClr val="tx1"/>
+                </a:solidFill>
+                <a:effectLst/>
+                <a:latin typeface="Arial" panose="020B0604020202020204" pitchFamily="34" charset="0"/>
+              </a:rPr>
+              <a:t>interaktivne</a:t>
+            </a:r>
+            <a:r>
+              <a:rPr kumimoji="0" lang="en-US" altLang="en-US" sz="2400" b="0" i="0" u="none" strike="noStrike" cap="none" normalizeH="0" baseline="0" dirty="0">
                 <a:ln>
                   <a:noFill/>
                 </a:ln>
@@ -8100,30 +8854,155 @@
               <a:t> </a:t>
             </a:r>
             <a:r>
-              <a:rPr kumimoji="0" lang="en-US" altLang="en-US" b="0" i="0" u="none" strike="noStrike" cap="none" normalizeH="0" baseline="0" dirty="0" err="1">
-                <a:ln>
-                  <a:noFill/>
-                </a:ln>
-                <a:solidFill>
-                  <a:schemeClr val="tx1"/>
-                </a:solidFill>
-                <a:effectLst/>
-                <a:latin typeface="Arial" panose="020B0604020202020204" pitchFamily="34" charset="0"/>
-              </a:rPr>
-              <a:t>tehnologije</a:t>
-            </a:r>
-            <a:r>
-              <a:rPr kumimoji="0" lang="en-US" altLang="en-US" b="0" i="0" u="none" strike="noStrike" cap="none" normalizeH="0" baseline="0" dirty="0">
-                <a:ln>
-                  <a:noFill/>
-                </a:ln>
-                <a:solidFill>
-                  <a:schemeClr val="tx1"/>
-                </a:solidFill>
-                <a:effectLst/>
-                <a:latin typeface="Arial" panose="020B0604020202020204" pitchFamily="34" charset="0"/>
-              </a:rPr>
-              <a:t>:</a:t>
+              <a:rPr kumimoji="0" lang="en-US" altLang="en-US" sz="2400" b="0" i="0" u="none" strike="noStrike" cap="none" normalizeH="0" baseline="0" dirty="0" err="1">
+                <a:ln>
+                  <a:noFill/>
+                </a:ln>
+                <a:solidFill>
+                  <a:schemeClr val="tx1"/>
+                </a:solidFill>
+                <a:effectLst/>
+                <a:latin typeface="Arial" panose="020B0604020202020204" pitchFamily="34" charset="0"/>
+              </a:rPr>
+              <a:t>komponente</a:t>
+            </a:r>
+            <a:r>
+              <a:rPr kumimoji="0" lang="en-US" altLang="en-US" sz="2400" b="0" i="0" u="none" strike="noStrike" cap="none" normalizeH="0" baseline="0" dirty="0">
+                <a:ln>
+                  <a:noFill/>
+                </a:ln>
+                <a:solidFill>
+                  <a:schemeClr val="tx1"/>
+                </a:solidFill>
+                <a:effectLst/>
+                <a:latin typeface="Arial" panose="020B0604020202020204" pitchFamily="34" charset="0"/>
+              </a:rPr>
+              <a:t>)</a:t>
+            </a:r>
+          </a:p>
+          <a:p>
+            <a:pPr marL="457200" marR="0" lvl="1" indent="0" algn="l" defTabSz="914400" rtl="0" eaLnBrk="0" fontAlgn="base" latinLnBrk="0" hangingPunct="0">
+              <a:lnSpc>
+                <a:spcPct val="100000"/>
+              </a:lnSpc>
+              <a:spcBef>
+                <a:spcPct val="0"/>
+              </a:spcBef>
+              <a:spcAft>
+                <a:spcPct val="0"/>
+              </a:spcAft>
+              <a:buClrTx/>
+              <a:buSzTx/>
+              <a:buFontTx/>
+              <a:buChar char="•"/>
+            </a:pPr>
+            <a:r>
+              <a:rPr kumimoji="0" lang="en-US" altLang="en-US" sz="2400" b="0" i="0" u="none" strike="noStrike" cap="none" normalizeH="0" baseline="0" dirty="0">
+                <a:ln>
+                  <a:noFill/>
+                </a:ln>
+                <a:solidFill>
+                  <a:schemeClr val="tx1"/>
+                </a:solidFill>
+                <a:effectLst/>
+                <a:latin typeface="Arial" panose="020B0604020202020204" pitchFamily="34" charset="0"/>
+              </a:rPr>
+              <a:t>CSS Modules</a:t>
+            </a:r>
+          </a:p>
+          <a:p>
+            <a:pPr marL="457200" marR="0" lvl="1" indent="0" algn="l" defTabSz="914400" rtl="0" eaLnBrk="0" fontAlgn="base" latinLnBrk="0" hangingPunct="0">
+              <a:lnSpc>
+                <a:spcPct val="100000"/>
+              </a:lnSpc>
+              <a:spcBef>
+                <a:spcPct val="0"/>
+              </a:spcBef>
+              <a:spcAft>
+                <a:spcPct val="0"/>
+              </a:spcAft>
+              <a:buClrTx/>
+              <a:buSzTx/>
+              <a:buFontTx/>
+              <a:buChar char="•"/>
+            </a:pPr>
+            <a:r>
+              <a:rPr kumimoji="0" lang="en-US" altLang="en-US" sz="2400" b="0" i="0" u="none" strike="noStrike" cap="none" normalizeH="0" baseline="0" dirty="0" err="1">
+                <a:ln>
+                  <a:noFill/>
+                </a:ln>
+                <a:solidFill>
+                  <a:schemeClr val="tx1"/>
+                </a:solidFill>
+                <a:effectLst/>
+                <a:latin typeface="Arial" panose="020B0604020202020204" pitchFamily="34" charset="0"/>
+              </a:rPr>
+              <a:t>LocalStorage</a:t>
+            </a:r>
+            <a:r>
+              <a:rPr kumimoji="0" lang="en-US" altLang="en-US" sz="2400" b="0" i="0" u="none" strike="noStrike" cap="none" normalizeH="0" baseline="0" dirty="0">
+                <a:ln>
+                  <a:noFill/>
+                </a:ln>
+                <a:solidFill>
+                  <a:schemeClr val="tx1"/>
+                </a:solidFill>
+                <a:effectLst/>
+                <a:latin typeface="Arial" panose="020B0604020202020204" pitchFamily="34" charset="0"/>
+              </a:rPr>
+              <a:t> (za </a:t>
+            </a:r>
+            <a:r>
+              <a:rPr kumimoji="0" lang="en-US" altLang="en-US" sz="2400" b="0" i="0" u="none" strike="noStrike" cap="none" normalizeH="0" baseline="0" dirty="0" err="1">
+                <a:ln>
+                  <a:noFill/>
+                </a:ln>
+                <a:solidFill>
+                  <a:schemeClr val="tx1"/>
+                </a:solidFill>
+                <a:effectLst/>
+                <a:latin typeface="Arial" panose="020B0604020202020204" pitchFamily="34" charset="0"/>
+              </a:rPr>
+              <a:t>čuvanje</a:t>
+            </a:r>
+            <a:r>
+              <a:rPr kumimoji="0" lang="en-US" altLang="en-US" sz="2400" b="0" i="0" u="none" strike="noStrike" cap="none" normalizeH="0" baseline="0" dirty="0">
+                <a:ln>
+                  <a:noFill/>
+                </a:ln>
+                <a:solidFill>
+                  <a:schemeClr val="tx1"/>
+                </a:solidFill>
+                <a:effectLst/>
+                <a:latin typeface="Arial" panose="020B0604020202020204" pitchFamily="34" charset="0"/>
+              </a:rPr>
+              <a:t> </a:t>
+            </a:r>
+            <a:r>
+              <a:rPr kumimoji="0" lang="en-US" altLang="en-US" sz="2400" b="0" i="0" u="none" strike="noStrike" cap="none" normalizeH="0" baseline="0" dirty="0" err="1">
+                <a:ln>
+                  <a:noFill/>
+                </a:ln>
+                <a:solidFill>
+                  <a:schemeClr val="tx1"/>
+                </a:solidFill>
+                <a:effectLst/>
+                <a:latin typeface="Arial" panose="020B0604020202020204" pitchFamily="34" charset="0"/>
+              </a:rPr>
+              <a:t>korpe</a:t>
+            </a:r>
+            <a:r>
+              <a:rPr kumimoji="0" lang="en-US" altLang="en-US" sz="2400" b="0" i="0" u="none" strike="noStrike" cap="none" normalizeH="0" baseline="0" dirty="0">
+                <a:ln>
+                  <a:noFill/>
+                </a:ln>
+                <a:solidFill>
+                  <a:schemeClr val="tx1"/>
+                </a:solidFill>
+                <a:effectLst/>
+                <a:latin typeface="Arial" panose="020B0604020202020204" pitchFamily="34" charset="0"/>
+              </a:rPr>
+              <a:t>)</a:t>
             </a:r>
           </a:p>
           <a:p>
@@ -8140,277 +9019,9 @@
               <a:buClrTx/>
               <a:buSzTx/>
               <a:buFontTx/>
-              <a:buChar char="•"/>
-              <a:tabLst/>
+              <a:buNone/>
             </a:pPr>
-            <a:r>
-              <a:rPr kumimoji="0" lang="en-US" altLang="en-US" b="0" i="0" u="none" strike="noStrike" cap="none" normalizeH="0" baseline="0" dirty="0">
-                <a:ln>
-                  <a:noFill/>
-                </a:ln>
-                <a:solidFill>
-                  <a:schemeClr val="tx1"/>
-                </a:solidFill>
-                <a:effectLst/>
-                <a:latin typeface="Arial" panose="020B0604020202020204" pitchFamily="34" charset="0"/>
-              </a:rPr>
-              <a:t>Astro (</a:t>
-            </a:r>
-            <a:r>
-              <a:rPr kumimoji="0" lang="en-US" altLang="en-US" b="0" i="0" u="none" strike="noStrike" cap="none" normalizeH="0" baseline="0" dirty="0" err="1">
-                <a:ln>
-                  <a:noFill/>
-                </a:ln>
-                <a:solidFill>
-                  <a:schemeClr val="tx1"/>
-                </a:solidFill>
-                <a:effectLst/>
-                <a:latin typeface="Arial" panose="020B0604020202020204" pitchFamily="34" charset="0"/>
-              </a:rPr>
-              <a:t>kao</a:t>
-            </a:r>
-            <a:r>
-              <a:rPr kumimoji="0" lang="en-US" altLang="en-US" b="0" i="0" u="none" strike="noStrike" cap="none" normalizeH="0" baseline="0" dirty="0">
-                <a:ln>
-                  <a:noFill/>
-                </a:ln>
-                <a:solidFill>
-                  <a:schemeClr val="tx1"/>
-                </a:solidFill>
-                <a:effectLst/>
-                <a:latin typeface="Arial" panose="020B0604020202020204" pitchFamily="34" charset="0"/>
-              </a:rPr>
-              <a:t> meta-framework)</a:t>
-            </a:r>
-          </a:p>
-          <a:p>
-            <a:pPr marL="0" marR="0" lvl="0" indent="0" algn="l" defTabSz="914400" rtl="0" eaLnBrk="0" fontAlgn="base" latinLnBrk="0" hangingPunct="0">
-              <a:lnSpc>
-                <a:spcPct val="100000"/>
-              </a:lnSpc>
-              <a:spcBef>
-                <a:spcPct val="0"/>
-              </a:spcBef>
-              <a:spcAft>
-                <a:spcPct val="0"/>
-              </a:spcAft>
-              <a:buClrTx/>
-              <a:buSzTx/>
-              <a:buFontTx/>
-              <a:buChar char="•"/>
-              <a:tabLst/>
-            </a:pPr>
-            <a:r>
-              <a:rPr kumimoji="0" lang="en-US" altLang="en-US" b="0" i="0" u="none" strike="noStrike" cap="none" normalizeH="0" baseline="0" dirty="0">
-                <a:ln>
-                  <a:noFill/>
-                </a:ln>
-                <a:solidFill>
-                  <a:schemeClr val="tx1"/>
-                </a:solidFill>
-                <a:effectLst/>
-                <a:latin typeface="Arial" panose="020B0604020202020204" pitchFamily="34" charset="0"/>
-              </a:rPr>
-              <a:t>React (za </a:t>
-            </a:r>
-            <a:r>
-              <a:rPr kumimoji="0" lang="en-US" altLang="en-US" b="0" i="0" u="none" strike="noStrike" cap="none" normalizeH="0" baseline="0" dirty="0" err="1">
-                <a:ln>
-                  <a:noFill/>
-                </a:ln>
-                <a:solidFill>
-                  <a:schemeClr val="tx1"/>
-                </a:solidFill>
-                <a:effectLst/>
-                <a:latin typeface="Arial" panose="020B0604020202020204" pitchFamily="34" charset="0"/>
-              </a:rPr>
-              <a:t>interaktivne</a:t>
-            </a:r>
-            <a:r>
-              <a:rPr kumimoji="0" lang="en-US" altLang="en-US" b="0" i="0" u="none" strike="noStrike" cap="none" normalizeH="0" baseline="0" dirty="0">
-                <a:ln>
-                  <a:noFill/>
-                </a:ln>
-                <a:solidFill>
-                  <a:schemeClr val="tx1"/>
-                </a:solidFill>
-                <a:effectLst/>
-                <a:latin typeface="Arial" panose="020B0604020202020204" pitchFamily="34" charset="0"/>
-              </a:rPr>
-              <a:t> </a:t>
-            </a:r>
-            <a:r>
-              <a:rPr kumimoji="0" lang="en-US" altLang="en-US" b="0" i="0" u="none" strike="noStrike" cap="none" normalizeH="0" baseline="0" dirty="0" err="1">
-                <a:ln>
-                  <a:noFill/>
-                </a:ln>
-                <a:solidFill>
-                  <a:schemeClr val="tx1"/>
-                </a:solidFill>
-                <a:effectLst/>
-                <a:latin typeface="Arial" panose="020B0604020202020204" pitchFamily="34" charset="0"/>
-              </a:rPr>
-              <a:t>komponente</a:t>
-            </a:r>
-            <a:r>
-              <a:rPr kumimoji="0" lang="en-US" altLang="en-US" b="0" i="0" u="none" strike="noStrike" cap="none" normalizeH="0" baseline="0" dirty="0">
-                <a:ln>
-                  <a:noFill/>
-                </a:ln>
-                <a:solidFill>
-                  <a:schemeClr val="tx1"/>
-                </a:solidFill>
-                <a:effectLst/>
-                <a:latin typeface="Arial" panose="020B0604020202020204" pitchFamily="34" charset="0"/>
-              </a:rPr>
-              <a:t>)</a:t>
-            </a:r>
-          </a:p>
-          <a:p>
-            <a:pPr marL="0" marR="0" lvl="0" indent="0" algn="l" defTabSz="914400" rtl="0" eaLnBrk="0" fontAlgn="base" latinLnBrk="0" hangingPunct="0">
-              <a:lnSpc>
-                <a:spcPct val="100000"/>
-              </a:lnSpc>
-              <a:spcBef>
-                <a:spcPct val="0"/>
-              </a:spcBef>
-              <a:spcAft>
-                <a:spcPct val="0"/>
-              </a:spcAft>
-              <a:buClrTx/>
-              <a:buSzTx/>
-              <a:buFontTx/>
-              <a:buChar char="•"/>
-              <a:tabLst/>
-            </a:pPr>
-            <a:r>
-              <a:rPr kumimoji="0" lang="en-US" altLang="en-US" b="0" i="0" u="none" strike="noStrike" cap="none" normalizeH="0" baseline="0" dirty="0">
-                <a:ln>
-                  <a:noFill/>
-                </a:ln>
-                <a:solidFill>
-                  <a:schemeClr val="tx1"/>
-                </a:solidFill>
-                <a:effectLst/>
-                <a:latin typeface="Arial" panose="020B0604020202020204" pitchFamily="34" charset="0"/>
-              </a:rPr>
-              <a:t>CSS Modules</a:t>
-            </a:r>
-          </a:p>
-          <a:p>
-            <a:pPr marL="0" marR="0" lvl="0" indent="0" algn="l" defTabSz="914400" rtl="0" eaLnBrk="0" fontAlgn="base" latinLnBrk="0" hangingPunct="0">
-              <a:lnSpc>
-                <a:spcPct val="100000"/>
-              </a:lnSpc>
-              <a:spcBef>
-                <a:spcPct val="0"/>
-              </a:spcBef>
-              <a:spcAft>
-                <a:spcPct val="0"/>
-              </a:spcAft>
-              <a:buClrTx/>
-              <a:buSzTx/>
-              <a:buFontTx/>
-              <a:buChar char="•"/>
-              <a:tabLst/>
-            </a:pPr>
-            <a:r>
-              <a:rPr kumimoji="0" lang="en-US" altLang="en-US" b="0" i="0" u="none" strike="noStrike" cap="none" normalizeH="0" baseline="0" dirty="0" err="1">
-                <a:ln>
-                  <a:noFill/>
-                </a:ln>
-                <a:solidFill>
-                  <a:schemeClr val="tx1"/>
-                </a:solidFill>
-                <a:effectLst/>
-                <a:latin typeface="Arial" panose="020B0604020202020204" pitchFamily="34" charset="0"/>
-              </a:rPr>
-              <a:t>LocalStorage</a:t>
-            </a:r>
-            <a:r>
-              <a:rPr kumimoji="0" lang="en-US" altLang="en-US" b="0" i="0" u="none" strike="noStrike" cap="none" normalizeH="0" baseline="0" dirty="0">
-                <a:ln>
-                  <a:noFill/>
-                </a:ln>
-                <a:solidFill>
-                  <a:schemeClr val="tx1"/>
-                </a:solidFill>
-                <a:effectLst/>
-                <a:latin typeface="Arial" panose="020B0604020202020204" pitchFamily="34" charset="0"/>
-              </a:rPr>
-              <a:t> (za </a:t>
-            </a:r>
-            <a:r>
-              <a:rPr kumimoji="0" lang="en-US" altLang="en-US" b="0" i="0" u="none" strike="noStrike" cap="none" normalizeH="0" baseline="0" dirty="0" err="1">
-                <a:ln>
-                  <a:noFill/>
-                </a:ln>
-                <a:solidFill>
-                  <a:schemeClr val="tx1"/>
-                </a:solidFill>
-                <a:effectLst/>
-                <a:latin typeface="Arial" panose="020B0604020202020204" pitchFamily="34" charset="0"/>
-              </a:rPr>
-              <a:t>čuvanje</a:t>
-            </a:r>
-            <a:r>
-              <a:rPr kumimoji="0" lang="en-US" altLang="en-US" b="0" i="0" u="none" strike="noStrike" cap="none" normalizeH="0" baseline="0" dirty="0">
-                <a:ln>
-                  <a:noFill/>
-                </a:ln>
-                <a:solidFill>
-                  <a:schemeClr val="tx1"/>
-                </a:solidFill>
-                <a:effectLst/>
-                <a:latin typeface="Arial" panose="020B0604020202020204" pitchFamily="34" charset="0"/>
-              </a:rPr>
-              <a:t> </a:t>
-            </a:r>
-            <a:r>
-              <a:rPr kumimoji="0" lang="en-US" altLang="en-US" b="0" i="0" u="none" strike="noStrike" cap="none" normalizeH="0" baseline="0" dirty="0" err="1">
-                <a:ln>
-                  <a:noFill/>
-                </a:ln>
-                <a:solidFill>
-                  <a:schemeClr val="tx1"/>
-                </a:solidFill>
-                <a:effectLst/>
-                <a:latin typeface="Arial" panose="020B0604020202020204" pitchFamily="34" charset="0"/>
-              </a:rPr>
-              <a:t>korpe</a:t>
-            </a:r>
-            <a:r>
-              <a:rPr kumimoji="0" lang="en-US" altLang="en-US" b="0" i="0" u="none" strike="noStrike" cap="none" normalizeH="0" baseline="0" dirty="0">
-                <a:ln>
-                  <a:noFill/>
-                </a:ln>
-                <a:solidFill>
-                  <a:schemeClr val="tx1"/>
-                </a:solidFill>
-                <a:effectLst/>
-                <a:latin typeface="Arial" panose="020B0604020202020204" pitchFamily="34" charset="0"/>
-              </a:rPr>
-              <a:t>)</a:t>
-            </a:r>
-          </a:p>
-          <a:p>
-            <a:pPr marL="0" marR="0" lvl="0" indent="0" algn="l" defTabSz="914400" rtl="0" eaLnBrk="0" fontAlgn="base" latinLnBrk="0" hangingPunct="0">
-              <a:lnSpc>
-                <a:spcPct val="100000"/>
-              </a:lnSpc>
-              <a:spcBef>
-                <a:spcPct val="0"/>
-              </a:spcBef>
-              <a:spcAft>
-                <a:spcPct val="0"/>
-              </a:spcAft>
-              <a:buClrTx/>
-              <a:buSzTx/>
-              <a:buFontTx/>
-              <a:buNone/>
-              <a:tabLst/>
-            </a:pPr>
-            <a:endParaRPr kumimoji="0" lang="en-US" altLang="en-US" sz="1800" b="0" i="0" u="none" strike="noStrike" cap="none" normalizeH="0" baseline="0" dirty="0">
+            <a:endParaRPr kumimoji="0" lang="en-US" altLang="en-US" sz="2400" b="0" i="0" u="none" strike="noStrike" cap="none" normalizeH="0" baseline="0" dirty="0">
               <a:ln>
                 <a:noFill/>
               </a:ln>
@@ -8425,20 +9036,14 @@
       </p:sp>
       <p:pic>
         <p:nvPicPr>
-          <p:cNvPr id="6" name="Picture 5">
-            <a:extLst>
-              <a:ext uri="{FF2B5EF4-FFF2-40B4-BE49-F238E27FC236}">
-                <a16:creationId xmlns:a16="http://schemas.microsoft.com/office/drawing/2014/main" id="{6ABF6A94-8E39-4036-B614-8C1C8599141C}"/>
-              </a:ext>
-            </a:extLst>
-          </p:cNvPr>
+          <p:cNvPr id="6" name="Picture 5"/>
           <p:cNvPicPr>
             <a:picLocks noChangeAspect="1"/>
           </p:cNvPicPr>
           <p:nvPr/>
         </p:nvPicPr>
         <p:blipFill>
-          <a:blip r:embed="rId2">
+          <a:blip r:embed="rId2" cstate="print">
             <a:extLst>
               <a:ext uri="{28A0092B-C50C-407E-A947-70E740481C1C}">
                 <a14:useLocalDpi xmlns:a14="http://schemas.microsoft.com/office/drawing/2010/main" val="0"/>
@@ -8466,11 +9071,6 @@
         </p:spPr>
       </p:pic>
     </p:spTree>
-    <p:extLst>
-      <p:ext uri="{BB962C8B-B14F-4D97-AF65-F5344CB8AC3E}">
-        <p14:creationId xmlns:p14="http://schemas.microsoft.com/office/powerpoint/2010/main" val="2393539791"/>
-      </p:ext>
-    </p:extLst>
   </p:cSld>
   <p:clrMapOvr>
     <a:masterClrMapping/>
@@ -8497,13 +9097,7 @@
       </p:grpSpPr>
       <p:sp>
         <p:nvSpPr>
-          <p:cNvPr id="2" name="Title 1">
-            <a:extLst>
-              <a:ext uri="{FF2B5EF4-FFF2-40B4-BE49-F238E27FC236}">
-                <a16:creationId xmlns:a16="http://schemas.microsoft.com/office/drawing/2014/main" id="{A83D18EB-6798-4325-9C66-A837460DA8AF}"/>
-              </a:ext>
-            </a:extLst>
-          </p:cNvPr>
+          <p:cNvPr id="2" name="Title 1"/>
           <p:cNvSpPr>
             <a:spLocks noGrp="1"/>
           </p:cNvSpPr>
@@ -8578,13 +9172,7 @@
       </p:sp>
       <p:sp>
         <p:nvSpPr>
-          <p:cNvPr id="4" name="Rectangle 1">
-            <a:extLst>
-              <a:ext uri="{FF2B5EF4-FFF2-40B4-BE49-F238E27FC236}">
-                <a16:creationId xmlns:a16="http://schemas.microsoft.com/office/drawing/2014/main" id="{D096218E-65AA-47EA-A3B7-F6B0C2EE6503}"/>
-              </a:ext>
-            </a:extLst>
-          </p:cNvPr>
+          <p:cNvPr id="4" name="Rectangle 1"/>
           <p:cNvSpPr>
             <a:spLocks noGrp="1" noChangeArrowheads="1"/>
           </p:cNvSpPr>
@@ -8594,8 +9182,8 @@
         </p:nvSpPr>
         <p:spPr bwMode="auto">
           <a:xfrm>
-            <a:off x="1590842" y="1551564"/>
-            <a:ext cx="10166437" cy="3754874"/>
+            <a:off x="1590842" y="1351916"/>
+            <a:ext cx="10074275" cy="4154170"/>
           </a:xfrm>
           <a:prstGeom prst="rect">
             <a:avLst/>
@@ -8636,14 +9224,11 @@
         </p:spPr>
         <p:txBody>
           <a:bodyPr vert="horz" wrap="none" lIns="91440" tIns="45720" rIns="91440" bIns="45720" numCol="1" anchor="ctr" anchorCtr="0" compatLnSpc="1">
-            <a:prstTxWarp prst="textNoShape">
-              <a:avLst/>
-            </a:prstTxWarp>
             <a:spAutoFit/>
           </a:bodyPr>
           <a:lstStyle/>
           <a:p>
-            <a:pPr marL="0" marR="0" lvl="0" indent="0" algn="l" defTabSz="914400" rtl="0" eaLnBrk="0" fontAlgn="base" latinLnBrk="0" hangingPunct="0">
+            <a:pPr marR="0" lvl="0" algn="just" defTabSz="914400" rtl="0" eaLnBrk="0" fontAlgn="base" latinLnBrk="0" hangingPunct="0">
               <a:lnSpc>
                 <a:spcPct val="100000"/>
               </a:lnSpc>
@@ -8655,9 +9240,6 @@
               </a:spcAft>
               <a:buClrTx/>
               <a:buSzTx/>
-              <a:buFontTx/>
-              <a:buChar char="•"/>
-              <a:tabLst/>
             </a:pPr>
             <a:r>
               <a:rPr kumimoji="0" lang="en-US" altLang="en-US" b="0" i="0" u="none" strike="noStrike" cap="none" normalizeH="0" baseline="0" dirty="0">
@@ -8668,22 +9250,22 @@
                   <a:schemeClr val="tx1"/>
                 </a:solidFill>
                 <a:effectLst/>
-                <a:latin typeface="Arial Unicode MS"/>
-              </a:rPr>
-              <a:t>/</a:t>
-            </a:r>
-            <a:r>
-              <a:rPr kumimoji="0" lang="en-US" altLang="en-US" b="0" i="0" u="none" strike="noStrike" cap="none" normalizeH="0" baseline="0" dirty="0" err="1">
-                <a:ln>
-                  <a:noFill/>
-                </a:ln>
-                <a:solidFill>
-                  <a:schemeClr val="tx1"/>
-                </a:solidFill>
-                <a:effectLst/>
-                <a:latin typeface="Arial Unicode MS"/>
-              </a:rPr>
-              <a:t>src</a:t>
+                <a:latin typeface="Arial" panose="020B0604020202020204" pitchFamily="34" charset="0"/>
+              </a:rPr>
+              <a:t>components/ – sadr</a:t>
+            </a:r>
+            <a:r>
+              <a:rPr kumimoji="0" lang="" altLang="en-US" b="0" i="0" u="none" strike="noStrike" cap="none" normalizeH="0" baseline="0" dirty="0">
+                <a:ln>
+                  <a:noFill/>
+                </a:ln>
+                <a:solidFill>
+                  <a:schemeClr val="tx1"/>
+                </a:solidFill>
+                <a:effectLst/>
+                <a:latin typeface="Arial" panose="020B0604020202020204" pitchFamily="34" charset="0"/>
+              </a:rPr>
+              <a:t>ž</a:t>
             </a:r>
             <a:r>
               <a:rPr kumimoji="0" lang="en-US" altLang="en-US" b="0" i="0" u="none" strike="noStrike" cap="none" normalizeH="0" baseline="0" dirty="0">
@@ -8694,9 +9276,22 @@
                   <a:schemeClr val="tx1"/>
                 </a:solidFill>
                 <a:effectLst/>
-                <a:latin typeface="Arial Unicode MS"/>
-              </a:rPr>
-              <a:t>/components/</a:t>
+                <a:latin typeface="Arial" panose="020B0604020202020204" pitchFamily="34" charset="0"/>
+              </a:rPr>
+              <a:t>i React komponente kao </a:t>
+            </a:r>
+            <a:r>
+              <a:rPr kumimoji="0" lang="" altLang="en-US" b="0" i="0" u="none" strike="noStrike" cap="none" normalizeH="0" baseline="0" dirty="0">
+                <a:ln>
+                  <a:noFill/>
+                </a:ln>
+                <a:solidFill>
+                  <a:schemeClr val="tx1"/>
+                </a:solidFill>
+                <a:effectLst/>
+                <a:latin typeface="Arial" panose="020B0604020202020204" pitchFamily="34" charset="0"/>
+              </a:rPr>
+              <a:t>š</a:t>
             </a:r>
             <a:r>
               <a:rPr kumimoji="0" lang="en-US" altLang="en-US" b="0" i="0" u="none" strike="noStrike" cap="none" normalizeH="0" baseline="0" dirty="0">
@@ -8707,20 +9302,22 @@
                   <a:schemeClr val="tx1"/>
                 </a:solidFill>
                 <a:effectLst/>
-              </a:rPr>
-              <a:t> – React </a:t>
-            </a:r>
-            <a:r>
-              <a:rPr kumimoji="0" lang="en-US" altLang="en-US" b="0" i="0" u="none" strike="noStrike" cap="none" normalizeH="0" baseline="0" dirty="0" err="1">
-                <a:ln>
-                  <a:noFill/>
-                </a:ln>
-                <a:solidFill>
-                  <a:schemeClr val="tx1"/>
-                </a:solidFill>
-                <a:effectLst/>
-              </a:rPr>
-              <a:t>komponente</a:t>
+                <a:latin typeface="Arial" panose="020B0604020202020204" pitchFamily="34" charset="0"/>
+              </a:rPr>
+              <a:t>to su App.jsx</a:t>
+            </a:r>
+            <a:r>
+              <a:rPr kumimoji="0" lang="sr-Latn-RS" altLang="en-US" b="0" i="0" u="none" strike="noStrike" cap="none" normalizeH="0" baseline="0" dirty="0">
+                <a:ln>
+                  <a:noFill/>
+                </a:ln>
+                <a:solidFill>
+                  <a:schemeClr val="tx1"/>
+                </a:solidFill>
+                <a:effectLst/>
+                <a:latin typeface="Arial" panose="020B0604020202020204" pitchFamily="34" charset="0"/>
+              </a:rPr>
+              <a:t>,</a:t>
             </a:r>
             <a:r>
               <a:rPr kumimoji="0" lang="en-US" altLang="en-US" b="0" i="0" u="none" strike="noStrike" cap="none" normalizeH="0" baseline="0" dirty="0">
@@ -8731,93 +9328,16 @@
                   <a:schemeClr val="tx1"/>
                 </a:solidFill>
                 <a:effectLst/>
-              </a:rPr>
-              <a:t> (</a:t>
-            </a:r>
-            <a:r>
-              <a:rPr kumimoji="0" lang="en-US" altLang="en-US" b="0" i="0" u="none" strike="noStrike" cap="none" normalizeH="0" baseline="0" dirty="0" err="1">
-                <a:ln>
-                  <a:noFill/>
-                </a:ln>
-                <a:solidFill>
-                  <a:schemeClr val="tx1"/>
-                </a:solidFill>
-                <a:effectLst/>
-              </a:rPr>
-              <a:t>ProductCard</a:t>
-            </a:r>
-            <a:r>
-              <a:rPr kumimoji="0" lang="en-US" altLang="en-US" b="0" i="0" u="none" strike="noStrike" cap="none" normalizeH="0" baseline="0" dirty="0">
-                <a:ln>
-                  <a:noFill/>
-                </a:ln>
-                <a:solidFill>
-                  <a:schemeClr val="tx1"/>
-                </a:solidFill>
-                <a:effectLst/>
-              </a:rPr>
-              <a:t>, </a:t>
-            </a:r>
-            <a:r>
-              <a:rPr kumimoji="0" lang="en-US" altLang="en-US" b="0" i="0" u="none" strike="noStrike" cap="none" normalizeH="0" baseline="0" dirty="0" err="1">
-                <a:ln>
-                  <a:noFill/>
-                </a:ln>
-                <a:solidFill>
-                  <a:schemeClr val="tx1"/>
-                </a:solidFill>
-                <a:effectLst/>
-              </a:rPr>
-              <a:t>SearchBar</a:t>
-            </a:r>
-            <a:r>
-              <a:rPr kumimoji="0" lang="en-US" altLang="en-US" b="0" i="0" u="none" strike="noStrike" cap="none" normalizeH="0" baseline="0" dirty="0">
-                <a:ln>
-                  <a:noFill/>
-                </a:ln>
-                <a:solidFill>
-                  <a:schemeClr val="tx1"/>
-                </a:solidFill>
-                <a:effectLst/>
-              </a:rPr>
-              <a:t>, </a:t>
-            </a:r>
-            <a:r>
-              <a:rPr kumimoji="0" lang="en-US" altLang="en-US" b="0" i="0" u="none" strike="noStrike" cap="none" normalizeH="0" baseline="0" dirty="0" err="1">
-                <a:ln>
-                  <a:noFill/>
-                </a:ln>
-                <a:solidFill>
-                  <a:schemeClr val="tx1"/>
-                </a:solidFill>
-                <a:effectLst/>
-              </a:rPr>
-              <a:t>CartPage</a:t>
-            </a:r>
-            <a:r>
-              <a:rPr kumimoji="0" lang="en-US" altLang="en-US" b="0" i="0" u="none" strike="noStrike" cap="none" normalizeH="0" baseline="0" dirty="0">
-                <a:ln>
-                  <a:noFill/>
-                </a:ln>
-                <a:solidFill>
-                  <a:schemeClr val="tx1"/>
-                </a:solidFill>
-                <a:effectLst/>
-              </a:rPr>
-              <a:t>…)</a:t>
-            </a:r>
-            <a:endParaRPr kumimoji="0" lang="sr-Latn-RS" altLang="en-US" b="0" i="0" u="none" strike="noStrike" cap="none" normalizeH="0" baseline="0" dirty="0">
-              <a:ln>
-                <a:noFill/>
-              </a:ln>
-              <a:solidFill>
-                <a:schemeClr val="tx1"/>
-              </a:solidFill>
-              <a:effectLst/>
-            </a:endParaRPr>
-          </a:p>
-          <a:p>
-            <a:pPr marL="0" indent="0" defTabSz="914400" eaLnBrk="0" fontAlgn="base" hangingPunct="0">
+                <a:latin typeface="Arial" panose="020B0604020202020204" pitchFamily="34" charset="0"/>
+              </a:rPr>
+              <a:t> za prikaz </a:t>
+            </a:r>
+          </a:p>
+          <a:p>
+            <a:pPr marL="0" marR="0" lvl="0" indent="0" algn="just" defTabSz="914400" rtl="0" eaLnBrk="0" fontAlgn="base" latinLnBrk="0" hangingPunct="0">
+              <a:lnSpc>
+                <a:spcPct val="100000"/>
+              </a:lnSpc>
               <a:spcBef>
                 <a:spcPct val="0"/>
               </a:spcBef>
@@ -8826,21 +9346,20 @@
               </a:spcAft>
               <a:buClrTx/>
               <a:buSzTx/>
-              <a:buFontTx/>
-              <a:buChar char="•"/>
+              <a:buNone/>
             </a:pPr>
             <a:r>
-              <a:rPr kumimoji="0" lang="en-US" altLang="en-US" b="0" i="0" u="none" strike="noStrike" cap="none" normalizeH="0" baseline="0" dirty="0" err="1">
-                <a:ln>
-                  <a:noFill/>
-                </a:ln>
-                <a:solidFill>
-                  <a:schemeClr val="tx1"/>
-                </a:solidFill>
-                <a:effectLst/>
-                <a:latin typeface="Arial Unicode MS"/>
-              </a:rPr>
-              <a:t>CartContext.jsx</a:t>
+              <a:rPr kumimoji="0" lang="sr-Latn-RS" altLang="en-US" b="0" i="0" u="none" strike="noStrike" cap="none" normalizeH="0" baseline="0" dirty="0">
+                <a:ln>
+                  <a:noFill/>
+                </a:ln>
+                <a:solidFill>
+                  <a:schemeClr val="tx1"/>
+                </a:solidFill>
+                <a:effectLst/>
+                <a:latin typeface="Arial" panose="020B0604020202020204" pitchFamily="34" charset="0"/>
+              </a:rPr>
+              <a:t>    </a:t>
             </a:r>
             <a:r>
               <a:rPr kumimoji="0" lang="en-US" altLang="en-US" b="0" i="0" u="none" strike="noStrike" cap="none" normalizeH="0" baseline="0" dirty="0">
@@ -8851,51 +9370,16 @@
                   <a:schemeClr val="tx1"/>
                 </a:solidFill>
                 <a:effectLst/>
-              </a:rPr>
-              <a:t> – React context za rad </a:t>
-            </a:r>
-            <a:r>
-              <a:rPr kumimoji="0" lang="en-US" altLang="en-US" b="0" i="0" u="none" strike="noStrike" cap="none" normalizeH="0" baseline="0" dirty="0" err="1">
-                <a:ln>
-                  <a:noFill/>
-                </a:ln>
-                <a:solidFill>
-                  <a:schemeClr val="tx1"/>
-                </a:solidFill>
-                <a:effectLst/>
-              </a:rPr>
-              <a:t>sa</a:t>
-            </a:r>
-            <a:r>
-              <a:rPr kumimoji="0" lang="en-US" altLang="en-US" b="0" i="0" u="none" strike="noStrike" cap="none" normalizeH="0" baseline="0" dirty="0">
-                <a:ln>
-                  <a:noFill/>
-                </a:ln>
-                <a:solidFill>
-                  <a:schemeClr val="tx1"/>
-                </a:solidFill>
-                <a:effectLst/>
-              </a:rPr>
-              <a:t> </a:t>
-            </a:r>
-            <a:r>
-              <a:rPr kumimoji="0" lang="en-US" altLang="en-US" b="0" i="0" u="none" strike="noStrike" cap="none" normalizeH="0" baseline="0" dirty="0" err="1">
-                <a:ln>
-                  <a:noFill/>
-                </a:ln>
-                <a:solidFill>
-                  <a:schemeClr val="tx1"/>
-                </a:solidFill>
-                <a:effectLst/>
-              </a:rPr>
-              <a:t>korpom</a:t>
-            </a:r>
-            <a:endParaRPr lang="sr-Latn-RS" altLang="en-US" dirty="0">
-              <a:latin typeface="Arial" panose="020B0604020202020204" pitchFamily="34" charset="0"/>
-            </a:endParaRPr>
-          </a:p>
-          <a:p>
-            <a:pPr marL="0" indent="0" defTabSz="914400" eaLnBrk="0" fontAlgn="base" hangingPunct="0">
+                <a:latin typeface="Arial" panose="020B0604020202020204" pitchFamily="34" charset="0"/>
+              </a:rPr>
+              <a:t>proizvoda i CartApp.jsx za rad sa korpom.</a:t>
+            </a:r>
+          </a:p>
+          <a:p>
+            <a:pPr marL="0" marR="0" lvl="0" indent="0" algn="just" defTabSz="914400" rtl="0" eaLnBrk="0" fontAlgn="base" latinLnBrk="0" hangingPunct="0">
+              <a:lnSpc>
+                <a:spcPct val="100000"/>
+              </a:lnSpc>
               <a:spcBef>
                 <a:spcPct val="0"/>
               </a:spcBef>
@@ -8918,7 +9402,7 @@
             </a:endParaRPr>
           </a:p>
           <a:p>
-            <a:pPr marL="0" marR="0" lvl="0" indent="0" algn="l" defTabSz="914400" rtl="0" eaLnBrk="0" fontAlgn="base" latinLnBrk="0" hangingPunct="0">
+            <a:pPr marR="0" lvl="0" algn="just" defTabSz="914400" rtl="0" eaLnBrk="0" fontAlgn="base" latinLnBrk="0" hangingPunct="0">
               <a:lnSpc>
                 <a:spcPct val="100000"/>
               </a:lnSpc>
@@ -8930,118 +9414,49 @@
               </a:spcAft>
               <a:buClrTx/>
               <a:buSzTx/>
-              <a:buFontTx/>
-              <a:buChar char="•"/>
-              <a:tabLst/>
             </a:pPr>
             <a:r>
-              <a:rPr kumimoji="0" lang="en-US" altLang="en-US" sz="2800" b="0" i="0" u="none" strike="noStrike" cap="none" normalizeH="0" baseline="0" dirty="0">
-                <a:ln>
-                  <a:noFill/>
-                </a:ln>
-                <a:solidFill>
-                  <a:schemeClr val="tx1"/>
-                </a:solidFill>
-                <a:effectLst/>
-              </a:rPr>
-              <a:t>Astro </a:t>
-            </a:r>
-            <a:r>
-              <a:rPr kumimoji="0" lang="en-US" altLang="en-US" sz="2800" b="0" i="0" u="none" strike="noStrike" cap="none" normalizeH="0" baseline="0" dirty="0" err="1">
-                <a:ln>
-                  <a:noFill/>
-                </a:ln>
-                <a:solidFill>
-                  <a:schemeClr val="tx1"/>
-                </a:solidFill>
-                <a:effectLst/>
-              </a:rPr>
-              <a:t>stranice</a:t>
-            </a:r>
-            <a:r>
-              <a:rPr kumimoji="0" lang="en-US" altLang="en-US" sz="2800" b="0" i="0" u="none" strike="noStrike" cap="none" normalizeH="0" baseline="0" dirty="0">
-                <a:ln>
-                  <a:noFill/>
-                </a:ln>
-                <a:solidFill>
-                  <a:schemeClr val="tx1"/>
-                </a:solidFill>
-                <a:effectLst/>
-              </a:rPr>
-              <a:t>:</a:t>
-            </a:r>
-            <a:endParaRPr kumimoji="0" lang="sr-Latn-RS" altLang="en-US" sz="2800" b="0" i="0" u="none" strike="noStrike" cap="none" normalizeH="0" baseline="0" dirty="0">
-              <a:ln>
-                <a:noFill/>
-              </a:ln>
-              <a:solidFill>
-                <a:schemeClr val="tx1"/>
-              </a:solidFill>
-              <a:effectLst/>
-            </a:endParaRPr>
-          </a:p>
-          <a:p>
-            <a:pPr marL="914400" lvl="1" indent="-457200" defTabSz="914400" eaLnBrk="0" fontAlgn="base" hangingPunct="0">
-              <a:spcBef>
-                <a:spcPct val="0"/>
-              </a:spcBef>
-              <a:spcAft>
-                <a:spcPct val="0"/>
-              </a:spcAft>
-              <a:buClrTx/>
-              <a:buSzTx/>
-              <a:buFont typeface="+mj-lt"/>
-              <a:buAutoNum type="arabicPeriod"/>
-            </a:pPr>
-            <a:r>
-              <a:rPr lang="en-US" sz="2400" dirty="0" err="1">
-                <a:latin typeface="Arial" panose="020B0604020202020204" pitchFamily="34" charset="0"/>
-                <a:cs typeface="Arial" panose="020B0604020202020204" pitchFamily="34" charset="0"/>
-              </a:rPr>
-              <a:t>DefaultLayout.Astro</a:t>
-            </a:r>
-            <a:r>
-              <a:rPr lang="sr-Latn-RS" sz="2400" dirty="0">
-                <a:latin typeface="Arial" panose="020B0604020202020204" pitchFamily="34" charset="0"/>
-                <a:cs typeface="Arial" panose="020B0604020202020204" pitchFamily="34" charset="0"/>
-              </a:rPr>
-              <a:t> </a:t>
-            </a:r>
-          </a:p>
-          <a:p>
-            <a:pPr marL="914400" lvl="1" indent="-457200" defTabSz="914400" eaLnBrk="0" fontAlgn="base" hangingPunct="0">
-              <a:spcBef>
-                <a:spcPct val="0"/>
-              </a:spcBef>
-              <a:spcAft>
-                <a:spcPct val="0"/>
-              </a:spcAft>
-              <a:buClrTx/>
-              <a:buSzTx/>
-              <a:buFont typeface="+mj-lt"/>
-              <a:buAutoNum type="arabicPeriod"/>
-            </a:pPr>
-            <a:r>
-              <a:rPr lang="en-US" sz="2400" dirty="0" err="1">
-                <a:latin typeface="Arial" panose="020B0604020202020204" pitchFamily="34" charset="0"/>
-                <a:cs typeface="Arial" panose="020B0604020202020204" pitchFamily="34" charset="0"/>
-              </a:rPr>
-              <a:t>header.astro</a:t>
-            </a:r>
-            <a:endParaRPr kumimoji="0" lang="en-US" altLang="en-US" sz="2400" b="0" i="0" u="none" strike="noStrike" cap="none" normalizeH="0" baseline="0" dirty="0">
-              <a:ln>
-                <a:noFill/>
-              </a:ln>
-              <a:solidFill>
-                <a:schemeClr val="tx1"/>
-              </a:solidFill>
-              <a:effectLst/>
-              <a:latin typeface="Arial" panose="020B0604020202020204" pitchFamily="34" charset="0"/>
-              <a:cs typeface="Arial" panose="020B0604020202020204" pitchFamily="34" charset="0"/>
-            </a:endParaRPr>
-          </a:p>
-          <a:p>
-            <a:pPr marL="914400" marR="0" lvl="1" indent="-457200" algn="l" defTabSz="914400" rtl="0" eaLnBrk="0" fontAlgn="base" latinLnBrk="0" hangingPunct="0">
+              <a:rPr kumimoji="0" lang="en-US" altLang="en-US" b="0" i="0" u="none" strike="noStrike" cap="none" normalizeH="0" baseline="0" dirty="0">
+                <a:ln>
+                  <a:noFill/>
+                </a:ln>
+                <a:solidFill>
+                  <a:schemeClr val="tx1"/>
+                </a:solidFill>
+                <a:effectLst/>
+                <a:latin typeface="Arial" panose="020B0604020202020204" pitchFamily="34" charset="0"/>
+              </a:rPr>
+              <a:t>layouts/ – koristi se zajedni</a:t>
+            </a:r>
+            <a:r>
+              <a:rPr kumimoji="0" lang="" altLang="en-US" b="0" i="0" u="none" strike="noStrike" cap="none" normalizeH="0" baseline="0" dirty="0">
+                <a:ln>
+                  <a:noFill/>
+                </a:ln>
+                <a:solidFill>
+                  <a:schemeClr val="tx1"/>
+                </a:solidFill>
+                <a:effectLst/>
+                <a:latin typeface="Arial" panose="020B0604020202020204" pitchFamily="34" charset="0"/>
+              </a:rPr>
+              <a:t>č</a:t>
+            </a:r>
+            <a:r>
+              <a:rPr kumimoji="0" lang="en-US" altLang="en-US" b="0" i="0" u="none" strike="noStrike" cap="none" normalizeH="0" baseline="0" dirty="0">
+                <a:ln>
+                  <a:noFill/>
+                </a:ln>
+                <a:solidFill>
+                  <a:schemeClr val="tx1"/>
+                </a:solidFill>
+                <a:effectLst/>
+                <a:latin typeface="Arial" panose="020B0604020202020204" pitchFamily="34" charset="0"/>
+              </a:rPr>
+              <a:t>ki layout DefaultLayout.astro koji obuhvata </a:t>
+            </a:r>
+          </a:p>
+          <a:p>
+            <a:pPr marL="0" marR="0" lvl="0" indent="0" algn="just" defTabSz="914400" rtl="0" eaLnBrk="0" fontAlgn="base" latinLnBrk="0" hangingPunct="0">
               <a:lnSpc>
                 <a:spcPct val="100000"/>
               </a:lnSpc>
@@ -9053,38 +9468,63 @@
               </a:spcAft>
               <a:buClrTx/>
               <a:buSzTx/>
-              <a:buFont typeface="+mj-lt"/>
-              <a:buAutoNum type="arabicPeriod"/>
-              <a:tabLst/>
+              <a:buNone/>
             </a:pPr>
             <a:r>
-              <a:rPr kumimoji="0" lang="en-US" altLang="en-US" sz="2400" b="0" i="0" u="none" strike="noStrike" cap="none" normalizeH="0" baseline="0" dirty="0" err="1">
-                <a:ln>
-                  <a:noFill/>
-                </a:ln>
-                <a:solidFill>
-                  <a:schemeClr val="tx1"/>
-                </a:solidFill>
-                <a:effectLst/>
-                <a:latin typeface="Arial" panose="020B0604020202020204" pitchFamily="34" charset="0"/>
-                <a:cs typeface="Arial" panose="020B0604020202020204" pitchFamily="34" charset="0"/>
-              </a:rPr>
-              <a:t>index.astro</a:t>
-            </a:r>
-            <a:endParaRPr kumimoji="0" lang="en-US" altLang="en-US" sz="2400" b="0" i="0" u="none" strike="noStrike" cap="none" normalizeH="0" baseline="0" dirty="0">
-              <a:ln>
-                <a:noFill/>
-              </a:ln>
-              <a:solidFill>
-                <a:schemeClr val="tx1"/>
-              </a:solidFill>
-              <a:effectLst/>
-              <a:latin typeface="Arial" panose="020B0604020202020204" pitchFamily="34" charset="0"/>
-              <a:cs typeface="Arial" panose="020B0604020202020204" pitchFamily="34" charset="0"/>
-            </a:endParaRPr>
-          </a:p>
-          <a:p>
-            <a:pPr marL="914400" marR="0" lvl="1" indent="-457200" algn="l" defTabSz="914400" rtl="0" eaLnBrk="0" fontAlgn="base" latinLnBrk="0" hangingPunct="0">
+              <a:rPr kumimoji="0" lang="sr-Latn-RS" altLang="en-US" b="0" i="0" u="none" strike="noStrike" cap="none" normalizeH="0" baseline="0" dirty="0">
+                <a:ln>
+                  <a:noFill/>
+                </a:ln>
+                <a:solidFill>
+                  <a:schemeClr val="tx1"/>
+                </a:solidFill>
+                <a:effectLst/>
+                <a:latin typeface="Arial" panose="020B0604020202020204" pitchFamily="34" charset="0"/>
+              </a:rPr>
+              <a:t>   </a:t>
+            </a:r>
+            <a:r>
+              <a:rPr kumimoji="0" lang="en-US" altLang="en-US" b="0" i="0" u="none" strike="noStrike" cap="none" normalizeH="0" baseline="0" dirty="0">
+                <a:ln>
+                  <a:noFill/>
+                </a:ln>
+                <a:solidFill>
+                  <a:schemeClr val="tx1"/>
+                </a:solidFill>
+                <a:effectLst/>
+                <a:latin typeface="Arial" panose="020B0604020202020204" pitchFamily="34" charset="0"/>
+              </a:rPr>
+              <a:t>sve stranice i uklju</a:t>
+            </a:r>
+            <a:r>
+              <a:rPr kumimoji="0" lang="" altLang="en-US" b="0" i="0" u="none" strike="noStrike" cap="none" normalizeH="0" baseline="0" dirty="0">
+                <a:ln>
+                  <a:noFill/>
+                </a:ln>
+                <a:solidFill>
+                  <a:schemeClr val="tx1"/>
+                </a:solidFill>
+                <a:effectLst/>
+                <a:latin typeface="Arial" panose="020B0604020202020204" pitchFamily="34" charset="0"/>
+              </a:rPr>
+              <a:t>č</a:t>
+            </a:r>
+            <a:r>
+              <a:rPr kumimoji="0" lang="en-US" altLang="en-US" b="0" i="0" u="none" strike="noStrike" cap="none" normalizeH="0" baseline="0" dirty="0">
+                <a:ln>
+                  <a:noFill/>
+                </a:ln>
+                <a:solidFill>
+                  <a:schemeClr val="tx1"/>
+                </a:solidFill>
+                <a:effectLst/>
+                <a:latin typeface="Arial" panose="020B0604020202020204" pitchFamily="34" charset="0"/>
+              </a:rPr>
+              <a:t>uje zaglavlje sajta.</a:t>
+            </a:r>
+          </a:p>
+          <a:p>
+            <a:pPr marR="0" lvl="0" algn="just" defTabSz="914400" rtl="0" eaLnBrk="0" fontAlgn="base" latinLnBrk="0" hangingPunct="0">
               <a:lnSpc>
                 <a:spcPct val="100000"/>
               </a:lnSpc>
@@ -9096,53 +9536,8 @@
               </a:spcAft>
               <a:buClrTx/>
               <a:buSzTx/>
-              <a:buFont typeface="+mj-lt"/>
-              <a:buAutoNum type="arabicPeriod"/>
-              <a:tabLst/>
             </a:pPr>
-            <a:r>
-              <a:rPr kumimoji="0" lang="en-US" altLang="en-US" sz="2400" b="0" i="0" u="none" strike="noStrike" cap="none" normalizeH="0" baseline="0" dirty="0">
-                <a:ln>
-                  <a:noFill/>
-                </a:ln>
-                <a:solidFill>
-                  <a:schemeClr val="tx1"/>
-                </a:solidFill>
-                <a:effectLst/>
-                <a:latin typeface="Arial" panose="020B0604020202020204" pitchFamily="34" charset="0"/>
-                <a:cs typeface="Arial" panose="020B0604020202020204" pitchFamily="34" charset="0"/>
-              </a:rPr>
-              <a:t>[id].</a:t>
-            </a:r>
-            <a:r>
-              <a:rPr kumimoji="0" lang="en-US" altLang="en-US" sz="2400" b="0" i="0" u="none" strike="noStrike" cap="none" normalizeH="0" baseline="0" dirty="0" err="1">
-                <a:ln>
-                  <a:noFill/>
-                </a:ln>
-                <a:solidFill>
-                  <a:schemeClr val="tx1"/>
-                </a:solidFill>
-                <a:effectLst/>
-                <a:latin typeface="Arial" panose="020B0604020202020204" pitchFamily="34" charset="0"/>
-                <a:cs typeface="Arial" panose="020B0604020202020204" pitchFamily="34" charset="0"/>
-              </a:rPr>
-              <a:t>astro</a:t>
-            </a:r>
-            <a:r>
-              <a:rPr kumimoji="0" lang="en-US" altLang="en-US" sz="2400" b="0" i="0" u="none" strike="noStrike" cap="none" normalizeH="0" baseline="0" dirty="0">
-                <a:ln>
-                  <a:noFill/>
-                </a:ln>
-                <a:solidFill>
-                  <a:schemeClr val="tx1"/>
-                </a:solidFill>
-                <a:effectLst/>
-                <a:latin typeface="Arial" panose="020B0604020202020204" pitchFamily="34" charset="0"/>
-                <a:cs typeface="Arial" panose="020B0604020202020204" pitchFamily="34" charset="0"/>
-              </a:rPr>
-              <a:t> </a:t>
-            </a:r>
-            <a:endParaRPr kumimoji="0" lang="sr-Latn-RS" altLang="en-US" sz="2400" b="0" i="0" u="none" strike="noStrike" cap="none" normalizeH="0" baseline="0" dirty="0">
+            <a:endParaRPr kumimoji="0" lang="en-US" altLang="en-US" b="0" i="0" u="none" strike="noStrike" cap="none" normalizeH="0" baseline="0" dirty="0">
               <a:ln>
                 <a:noFill/>
               </a:ln>
@@ -9151,11 +9546,10 @@
               </a:solidFill>
               <a:effectLst/>
               <a:latin typeface="Arial" panose="020B0604020202020204" pitchFamily="34" charset="0"/>
-              <a:cs typeface="Arial" panose="020B0604020202020204" pitchFamily="34" charset="0"/>
             </a:endParaRPr>
           </a:p>
           <a:p>
-            <a:pPr marL="914400" marR="0" lvl="1" indent="-457200" algn="l" defTabSz="914400" rtl="0" eaLnBrk="0" fontAlgn="base" latinLnBrk="0" hangingPunct="0">
+            <a:pPr marR="0" lvl="0" algn="just" defTabSz="914400" rtl="0" eaLnBrk="0" fontAlgn="base" latinLnBrk="0" hangingPunct="0">
               <a:lnSpc>
                 <a:spcPct val="100000"/>
               </a:lnSpc>
@@ -9167,38 +9561,23 @@
               </a:spcAft>
               <a:buClrTx/>
               <a:buSzTx/>
-              <a:buFont typeface="+mj-lt"/>
-              <a:buAutoNum type="arabicPeriod"/>
-              <a:tabLst/>
             </a:pPr>
             <a:r>
-              <a:rPr kumimoji="0" lang="en-US" altLang="en-US" sz="2400" b="0" i="0" u="none" strike="noStrike" cap="none" normalizeH="0" baseline="0" dirty="0" err="1">
-                <a:ln>
-                  <a:noFill/>
-                </a:ln>
-                <a:solidFill>
-                  <a:schemeClr val="tx1"/>
-                </a:solidFill>
-                <a:effectLst/>
-                <a:latin typeface="Arial" panose="020B0604020202020204" pitchFamily="34" charset="0"/>
-                <a:cs typeface="Arial" panose="020B0604020202020204" pitchFamily="34" charset="0"/>
-              </a:rPr>
-              <a:t>cart.astro</a:t>
-            </a:r>
-            <a:endParaRPr kumimoji="0" lang="en-US" altLang="en-US" sz="2400" b="0" i="0" u="none" strike="noStrike" cap="none" normalizeH="0" baseline="0" dirty="0">
-              <a:ln>
-                <a:noFill/>
-              </a:ln>
-              <a:solidFill>
-                <a:schemeClr val="tx1"/>
-              </a:solidFill>
-              <a:effectLst/>
-              <a:latin typeface="Arial" panose="020B0604020202020204" pitchFamily="34" charset="0"/>
-              <a:cs typeface="Arial" panose="020B0604020202020204" pitchFamily="34" charset="0"/>
-            </a:endParaRPr>
-          </a:p>
-          <a:p>
-            <a:pPr marL="0" marR="0" lvl="0" indent="0" algn="l" defTabSz="914400" rtl="0" eaLnBrk="0" fontAlgn="base" latinLnBrk="0" hangingPunct="0">
+              <a:rPr kumimoji="0" lang="en-US" altLang="en-US" b="0" i="0" u="none" strike="noStrike" cap="none" normalizeH="0" baseline="0" dirty="0">
+                <a:ln>
+                  <a:noFill/>
+                </a:ln>
+                <a:solidFill>
+                  <a:schemeClr val="tx1"/>
+                </a:solidFill>
+                <a:effectLst/>
+                <a:latin typeface="Arial" panose="020B0604020202020204" pitchFamily="34" charset="0"/>
+              </a:rPr>
+              <a:t>pages/ – glavne stranice sajta u Astro formatu: index.astro, cart.astro i </a:t>
+            </a:r>
+          </a:p>
+          <a:p>
+            <a:pPr marL="0" marR="0" lvl="0" indent="0" algn="just" defTabSz="914400" rtl="0" eaLnBrk="0" fontAlgn="base" latinLnBrk="0" hangingPunct="0">
               <a:lnSpc>
                 <a:spcPct val="100000"/>
               </a:lnSpc>
@@ -9210,11 +9589,76 @@
               </a:spcAft>
               <a:buClrTx/>
               <a:buSzTx/>
-              <a:buFontTx/>
-              <a:buNone/>
-              <a:tabLst/>
+              <a:buNone/>
             </a:pPr>
-            <a:endParaRPr kumimoji="0" lang="en-US" altLang="en-US" sz="1800" b="0" i="0" u="none" strike="noStrike" cap="none" normalizeH="0" baseline="0" dirty="0">
+            <a:r>
+              <a:rPr kumimoji="0" lang="sr-Latn-RS" altLang="en-US" b="0" i="0" u="none" strike="noStrike" cap="none" normalizeH="0" baseline="0" dirty="0">
+                <a:ln>
+                  <a:noFill/>
+                </a:ln>
+                <a:solidFill>
+                  <a:schemeClr val="tx1"/>
+                </a:solidFill>
+                <a:effectLst/>
+                <a:latin typeface="Arial" panose="020B0604020202020204" pitchFamily="34" charset="0"/>
+              </a:rPr>
+              <a:t>   </a:t>
+            </a:r>
+            <a:r>
+              <a:rPr kumimoji="0" lang="en-US" altLang="en-US" b="0" i="0" u="none" strike="noStrike" cap="none" normalizeH="0" baseline="0" dirty="0">
+                <a:ln>
+                  <a:noFill/>
+                </a:ln>
+                <a:solidFill>
+                  <a:schemeClr val="tx1"/>
+                </a:solidFill>
+                <a:effectLst/>
+                <a:latin typeface="Arial" panose="020B0604020202020204" pitchFamily="34" charset="0"/>
+              </a:rPr>
+              <a:t>stranica [id].astro za prikaz pojedina</a:t>
+            </a:r>
+            <a:r>
+              <a:rPr kumimoji="0" lang="" altLang="en-US" b="0" i="0" u="none" strike="noStrike" cap="none" normalizeH="0" baseline="0" dirty="0">
+                <a:ln>
+                  <a:noFill/>
+                </a:ln>
+                <a:solidFill>
+                  <a:schemeClr val="tx1"/>
+                </a:solidFill>
+                <a:effectLst/>
+                <a:latin typeface="Arial" panose="020B0604020202020204" pitchFamily="34" charset="0"/>
+              </a:rPr>
+              <a:t>č</a:t>
+            </a:r>
+            <a:r>
+              <a:rPr kumimoji="0" lang="en-US" altLang="en-US" b="0" i="0" u="none" strike="noStrike" cap="none" normalizeH="0" baseline="0" dirty="0">
+                <a:ln>
+                  <a:noFill/>
+                </a:ln>
+                <a:solidFill>
+                  <a:schemeClr val="tx1"/>
+                </a:solidFill>
+                <a:effectLst/>
+                <a:latin typeface="Arial" panose="020B0604020202020204" pitchFamily="34" charset="0"/>
+              </a:rPr>
+              <a:t>nog proizvoda.</a:t>
+            </a:r>
+          </a:p>
+          <a:p>
+            <a:pPr marR="0" lvl="0" algn="just" defTabSz="914400" rtl="0" eaLnBrk="0" fontAlgn="base" latinLnBrk="0" hangingPunct="0">
+              <a:lnSpc>
+                <a:spcPct val="100000"/>
+              </a:lnSpc>
+              <a:spcBef>
+                <a:spcPct val="0"/>
+              </a:spcBef>
+              <a:spcAft>
+                <a:spcPct val="0"/>
+              </a:spcAft>
+              <a:buClrTx/>
+              <a:buSzTx/>
+            </a:pPr>
+            <a:endParaRPr kumimoji="0" lang="en-US" altLang="en-US" b="0" i="0" u="none" strike="noStrike" cap="none" normalizeH="0" baseline="0" dirty="0">
               <a:ln>
                 <a:noFill/>
               </a:ln>
@@ -9225,14 +9669,105 @@
               <a:latin typeface="Arial" panose="020B0604020202020204" pitchFamily="34" charset="0"/>
             </a:endParaRPr>
           </a:p>
+          <a:p>
+            <a:pPr marR="0" lvl="0" algn="just" defTabSz="914400" rtl="0" eaLnBrk="0" fontAlgn="base" latinLnBrk="0" hangingPunct="0">
+              <a:lnSpc>
+                <a:spcPct val="100000"/>
+              </a:lnSpc>
+              <a:spcBef>
+                <a:spcPct val="0"/>
+              </a:spcBef>
+              <a:spcAft>
+                <a:spcPct val="0"/>
+              </a:spcAft>
+              <a:buClrTx/>
+              <a:buSzTx/>
+            </a:pPr>
+            <a:r>
+              <a:rPr kumimoji="0" lang="en-US" altLang="en-US" b="0" i="0" u="none" strike="noStrike" cap="none" normalizeH="0" baseline="0" dirty="0">
+                <a:ln>
+                  <a:noFill/>
+                </a:ln>
+                <a:solidFill>
+                  <a:schemeClr val="tx1"/>
+                </a:solidFill>
+                <a:effectLst/>
+                <a:latin typeface="Arial" panose="020B0604020202020204" pitchFamily="34" charset="0"/>
+              </a:rPr>
+              <a:t>styles/ – posebno se vodi ra</a:t>
+            </a:r>
+            <a:r>
+              <a:rPr kumimoji="0" lang="" altLang="en-US" b="0" i="0" u="none" strike="noStrike" cap="none" normalizeH="0" baseline="0" dirty="0">
+                <a:ln>
+                  <a:noFill/>
+                </a:ln>
+                <a:solidFill>
+                  <a:schemeClr val="tx1"/>
+                </a:solidFill>
+                <a:effectLst/>
+                <a:latin typeface="Arial" panose="020B0604020202020204" pitchFamily="34" charset="0"/>
+              </a:rPr>
+              <a:t>č</a:t>
+            </a:r>
+            <a:r>
+              <a:rPr kumimoji="0" lang="en-US" altLang="en-US" b="0" i="0" u="none" strike="noStrike" cap="none" normalizeH="0" baseline="0" dirty="0">
+                <a:ln>
+                  <a:noFill/>
+                </a:ln>
+                <a:solidFill>
+                  <a:schemeClr val="tx1"/>
+                </a:solidFill>
+                <a:effectLst/>
+                <a:latin typeface="Arial" panose="020B0604020202020204" pitchFamily="34" charset="0"/>
+              </a:rPr>
+              <a:t>una o stilu stranica, kao i o prikazu </a:t>
+            </a:r>
+          </a:p>
+          <a:p>
+            <a:pPr marL="0" marR="0" lvl="0" indent="0" algn="just" defTabSz="914400" rtl="0" eaLnBrk="0" fontAlgn="base" latinLnBrk="0" hangingPunct="0">
+              <a:lnSpc>
+                <a:spcPct val="100000"/>
+              </a:lnSpc>
+              <a:spcBef>
+                <a:spcPct val="0"/>
+              </a:spcBef>
+              <a:spcAft>
+                <a:spcPct val="0"/>
+              </a:spcAft>
+              <a:buClrTx/>
+              <a:buSzTx/>
+              <a:buNone/>
+            </a:pPr>
+            <a:r>
+              <a:rPr kumimoji="0" lang="sr-Latn-RS" altLang="en-US" b="0" i="0" u="none" strike="noStrike" cap="none" normalizeH="0" baseline="0" dirty="0">
+                <a:ln>
+                  <a:noFill/>
+                </a:ln>
+                <a:solidFill>
+                  <a:schemeClr val="tx1"/>
+                </a:solidFill>
+                <a:effectLst/>
+                <a:latin typeface="Arial" panose="020B0604020202020204" pitchFamily="34" charset="0"/>
+              </a:rPr>
+              <a:t>   </a:t>
+            </a:r>
+            <a:r>
+              <a:rPr kumimoji="0" lang="en-US" altLang="en-US" b="0" i="0" u="none" strike="noStrike" cap="none" normalizeH="0" baseline="0" dirty="0">
+                <a:ln>
+                  <a:noFill/>
+                </a:ln>
+                <a:solidFill>
+                  <a:schemeClr val="tx1"/>
+                </a:solidFill>
+                <a:effectLst/>
+                <a:latin typeface="Arial" panose="020B0604020202020204" pitchFamily="34" charset="0"/>
+              </a:rPr>
+              <a:t>proizvoda i responsive dizajnu.</a:t>
+            </a:r>
+          </a:p>
         </p:txBody>
       </p:sp>
     </p:spTree>
-    <p:extLst>
-      <p:ext uri="{BB962C8B-B14F-4D97-AF65-F5344CB8AC3E}">
-        <p14:creationId xmlns:p14="http://schemas.microsoft.com/office/powerpoint/2010/main" val="3221071502"/>
-      </p:ext>
-    </p:extLst>
   </p:cSld>
   <p:clrMapOvr>
     <a:masterClrMapping/>
@@ -9259,13 +9794,7 @@
       </p:grpSpPr>
       <p:sp>
         <p:nvSpPr>
-          <p:cNvPr id="2" name="Title 1">
-            <a:extLst>
-              <a:ext uri="{FF2B5EF4-FFF2-40B4-BE49-F238E27FC236}">
-                <a16:creationId xmlns:a16="http://schemas.microsoft.com/office/drawing/2014/main" id="{C2EB89BD-6CF1-4F2A-81F8-E0E8BD1CDA7A}"/>
-              </a:ext>
-            </a:extLst>
-          </p:cNvPr>
+          <p:cNvPr id="2" name="Title 1"/>
           <p:cNvSpPr>
             <a:spLocks noGrp="1"/>
           </p:cNvSpPr>
@@ -9310,13 +9839,7 @@
       </p:sp>
       <p:sp>
         <p:nvSpPr>
-          <p:cNvPr id="7" name="Rectangle 4">
-            <a:extLst>
-              <a:ext uri="{FF2B5EF4-FFF2-40B4-BE49-F238E27FC236}">
-                <a16:creationId xmlns:a16="http://schemas.microsoft.com/office/drawing/2014/main" id="{20EE013C-3AA7-4E8B-A171-8FA9CC3D9472}"/>
-              </a:ext>
-            </a:extLst>
-          </p:cNvPr>
+          <p:cNvPr id="7" name="Rectangle 4"/>
           <p:cNvSpPr>
             <a:spLocks noGrp="1" noChangeArrowheads="1"/>
           </p:cNvSpPr>
@@ -9326,8 +9849,8 @@
         </p:nvSpPr>
         <p:spPr bwMode="auto">
           <a:xfrm>
-            <a:off x="1484311" y="967666"/>
-            <a:ext cx="10018711" cy="5016758"/>
+            <a:off x="1484311" y="1276088"/>
+            <a:ext cx="10018711" cy="4399915"/>
           </a:xfrm>
           <a:prstGeom prst="rect">
             <a:avLst/>
@@ -9368,12 +9891,40 @@
         </p:spPr>
         <p:txBody>
           <a:bodyPr vert="horz" wrap="square" lIns="91440" tIns="45720" rIns="91440" bIns="45720" numCol="1" anchor="ctr" anchorCtr="0" compatLnSpc="1">
-            <a:prstTxWarp prst="textNoShape">
-              <a:avLst/>
-            </a:prstTxWarp>
             <a:spAutoFit/>
           </a:bodyPr>
           <a:lstStyle/>
+          <a:p>
+            <a:pPr marL="457200" marR="0" lvl="0" indent="-457200" algn="l" defTabSz="914400" rtl="0" eaLnBrk="0" fontAlgn="base" latinLnBrk="0" hangingPunct="0">
+              <a:lnSpc>
+                <a:spcPct val="100000"/>
+              </a:lnSpc>
+              <a:spcBef>
+                <a:spcPct val="0"/>
+              </a:spcBef>
+              <a:spcAft>
+                <a:spcPct val="0"/>
+              </a:spcAft>
+              <a:buClrTx/>
+              <a:buSzTx/>
+              <a:buFontTx/>
+              <a:buAutoNum type="arabicPeriod"/>
+            </a:pPr>
+            <a:r>
+              <a:rPr kumimoji="0" lang="en-US" altLang="en-US" sz="2000" b="1" i="0" u="none" strike="noStrike" cap="none" normalizeH="0" baseline="0" dirty="0">
+                <a:ln>
+                  <a:noFill/>
+                </a:ln>
+                <a:solidFill>
+                  <a:schemeClr val="tx1"/>
+                </a:solidFill>
+                <a:effectLst/>
+                <a:latin typeface="Arial" panose="020B0604020202020204" pitchFamily="34" charset="0"/>
+                <a:cs typeface="Arial" panose="020B0604020202020204" pitchFamily="34" charset="0"/>
+              </a:rPr>
+              <a:t>DefaultLayout.astro i Header.astro**</a:t>
+            </a:r>
+          </a:p>
           <a:p>
             <a:pPr marL="0" marR="0" lvl="0" indent="0" algn="l" defTabSz="914400" rtl="0" eaLnBrk="0" fontAlgn="base" latinLnBrk="0" hangingPunct="0">
               <a:lnSpc>
@@ -9389,47 +9940,21 @@
               <a:buSzTx/>
               <a:buFontTx/>
               <a:buNone/>
-              <a:tabLst/>
             </a:pPr>
             <a:r>
-              <a:rPr kumimoji="0" lang="en-US" altLang="en-US" sz="2000" b="1" i="0" u="none" strike="noStrike" cap="none" normalizeH="0" baseline="0" dirty="0">
-                <a:ln>
-                  <a:noFill/>
-                </a:ln>
-                <a:solidFill>
-                  <a:schemeClr val="tx1"/>
-                </a:solidFill>
-                <a:effectLst/>
-                <a:latin typeface="Arial" panose="020B0604020202020204" pitchFamily="34" charset="0"/>
-                <a:cs typeface="Arial" panose="020B0604020202020204" pitchFamily="34" charset="0"/>
-              </a:rPr>
-              <a:t>1. </a:t>
-            </a:r>
-            <a:r>
-              <a:rPr kumimoji="0" lang="en-US" altLang="en-US" sz="2000" b="1" i="0" u="none" strike="noStrike" cap="none" normalizeH="0" baseline="0" dirty="0" err="1">
-                <a:ln>
-                  <a:noFill/>
-                </a:ln>
-                <a:solidFill>
-                  <a:schemeClr val="tx1"/>
-                </a:solidFill>
-                <a:effectLst/>
-                <a:latin typeface="Arial" panose="020B0604020202020204" pitchFamily="34" charset="0"/>
-                <a:cs typeface="Arial" panose="020B0604020202020204" pitchFamily="34" charset="0"/>
-              </a:rPr>
-              <a:t>DefaultLayout.astro</a:t>
-            </a:r>
-            <a:endParaRPr kumimoji="0" lang="en-US" altLang="en-US" sz="2000" b="1" i="0" u="none" strike="noStrike" cap="none" normalizeH="0" baseline="0" dirty="0">
-              <a:ln>
-                <a:noFill/>
-              </a:ln>
-              <a:solidFill>
-                <a:schemeClr val="tx1"/>
-              </a:solidFill>
-              <a:effectLst/>
-              <a:latin typeface="Arial" panose="020B0604020202020204" pitchFamily="34" charset="0"/>
-              <a:cs typeface="Arial" panose="020B0604020202020204" pitchFamily="34" charset="0"/>
-            </a:endParaRPr>
+              <a:rPr kumimoji="0" lang="en-US" altLang="en-US" sz="2000" i="0" u="none" strike="noStrike" cap="none" normalizeH="0" baseline="0" dirty="0">
+                <a:ln>
+                  <a:noFill/>
+                </a:ln>
+                <a:solidFill>
+                  <a:schemeClr val="tx1"/>
+                </a:solidFill>
+                <a:effectLst/>
+                <a:latin typeface="Arial" panose="020B0604020202020204" pitchFamily="34" charset="0"/>
+                <a:cs typeface="Arial" panose="020B0604020202020204" pitchFamily="34" charset="0"/>
+              </a:rPr>
+              <a:t>Zaglavlje sajta sa logom, imenom sajta i linkom ka korpi.</a:t>
+            </a:r>
           </a:p>
           <a:p>
             <a:pPr marL="0" marR="0" lvl="0" indent="0" algn="l" defTabSz="914400" rtl="0" eaLnBrk="0" fontAlgn="base" latinLnBrk="0" hangingPunct="0">
@@ -9446,271 +9971,49 @@
               <a:buSzTx/>
               <a:buFontTx/>
               <a:buNone/>
-              <a:tabLst/>
             </a:pPr>
             <a:r>
-              <a:rPr kumimoji="0" lang="en-US" altLang="en-US" sz="2000" b="0" i="0" u="none" strike="noStrike" cap="none" normalizeH="0" baseline="0" dirty="0" err="1">
-                <a:ln>
-                  <a:noFill/>
-                </a:ln>
-                <a:solidFill>
-                  <a:schemeClr val="tx1"/>
-                </a:solidFill>
-                <a:effectLst/>
-                <a:latin typeface="Arial" panose="020B0604020202020204" pitchFamily="34" charset="0"/>
-                <a:cs typeface="Arial" panose="020B0604020202020204" pitchFamily="34" charset="0"/>
-              </a:rPr>
-              <a:t>Koristi</a:t>
-            </a:r>
-            <a:r>
-              <a:rPr kumimoji="0" lang="en-US" altLang="en-US" sz="2000" b="0" i="0" u="none" strike="noStrike" cap="none" normalizeH="0" baseline="0" dirty="0">
-                <a:ln>
-                  <a:noFill/>
-                </a:ln>
-                <a:solidFill>
-                  <a:schemeClr val="tx1"/>
-                </a:solidFill>
-                <a:effectLst/>
-                <a:latin typeface="Arial" panose="020B0604020202020204" pitchFamily="34" charset="0"/>
-                <a:cs typeface="Arial" panose="020B0604020202020204" pitchFamily="34" charset="0"/>
-              </a:rPr>
-              <a:t> se </a:t>
-            </a:r>
-            <a:r>
-              <a:rPr kumimoji="0" lang="en-US" altLang="en-US" sz="2000" b="0" i="0" u="none" strike="noStrike" cap="none" normalizeH="0" baseline="0" dirty="0" err="1">
-                <a:ln>
-                  <a:noFill/>
-                </a:ln>
-                <a:solidFill>
-                  <a:schemeClr val="tx1"/>
-                </a:solidFill>
-                <a:effectLst/>
-                <a:latin typeface="Arial" panose="020B0604020202020204" pitchFamily="34" charset="0"/>
-                <a:cs typeface="Arial" panose="020B0604020202020204" pitchFamily="34" charset="0"/>
-              </a:rPr>
-              <a:t>kao</a:t>
-            </a:r>
-            <a:r>
-              <a:rPr kumimoji="0" lang="en-US" altLang="en-US" sz="2000" b="0" i="0" u="none" strike="noStrike" cap="none" normalizeH="0" baseline="0" dirty="0">
-                <a:ln>
-                  <a:noFill/>
-                </a:ln>
-                <a:solidFill>
-                  <a:schemeClr val="tx1"/>
-                </a:solidFill>
-                <a:effectLst/>
-                <a:latin typeface="Arial" panose="020B0604020202020204" pitchFamily="34" charset="0"/>
-                <a:cs typeface="Arial" panose="020B0604020202020204" pitchFamily="34" charset="0"/>
-              </a:rPr>
-              <a:t> </a:t>
-            </a:r>
-            <a:r>
-              <a:rPr kumimoji="0" lang="en-US" altLang="en-US" sz="2000" b="0" i="0" u="none" strike="noStrike" cap="none" normalizeH="0" baseline="0" dirty="0" err="1">
-                <a:ln>
-                  <a:noFill/>
-                </a:ln>
-                <a:solidFill>
-                  <a:schemeClr val="tx1"/>
-                </a:solidFill>
-                <a:effectLst/>
-                <a:latin typeface="Arial" panose="020B0604020202020204" pitchFamily="34" charset="0"/>
-                <a:cs typeface="Arial" panose="020B0604020202020204" pitchFamily="34" charset="0"/>
-              </a:rPr>
-              <a:t>šablon</a:t>
-            </a:r>
-            <a:r>
-              <a:rPr kumimoji="0" lang="en-US" altLang="en-US" sz="2000" b="0" i="0" u="none" strike="noStrike" cap="none" normalizeH="0" baseline="0" dirty="0">
-                <a:ln>
-                  <a:noFill/>
-                </a:ln>
-                <a:solidFill>
-                  <a:schemeClr val="tx1"/>
-                </a:solidFill>
-                <a:effectLst/>
-                <a:latin typeface="Arial" panose="020B0604020202020204" pitchFamily="34" charset="0"/>
-                <a:cs typeface="Arial" panose="020B0604020202020204" pitchFamily="34" charset="0"/>
-              </a:rPr>
-              <a:t> za </a:t>
-            </a:r>
-            <a:r>
-              <a:rPr kumimoji="0" lang="en-US" altLang="en-US" sz="2000" b="0" i="0" u="none" strike="noStrike" cap="none" normalizeH="0" baseline="0" dirty="0" err="1">
-                <a:ln>
-                  <a:noFill/>
-                </a:ln>
-                <a:solidFill>
-                  <a:schemeClr val="tx1"/>
-                </a:solidFill>
-                <a:effectLst/>
-                <a:latin typeface="Arial" panose="020B0604020202020204" pitchFamily="34" charset="0"/>
-                <a:cs typeface="Arial" panose="020B0604020202020204" pitchFamily="34" charset="0"/>
-              </a:rPr>
-              <a:t>sve</a:t>
-            </a:r>
-            <a:r>
-              <a:rPr kumimoji="0" lang="en-US" altLang="en-US" sz="2000" b="0" i="0" u="none" strike="noStrike" cap="none" normalizeH="0" baseline="0" dirty="0">
-                <a:ln>
-                  <a:noFill/>
-                </a:ln>
-                <a:solidFill>
-                  <a:schemeClr val="tx1"/>
-                </a:solidFill>
-                <a:effectLst/>
-                <a:latin typeface="Arial" panose="020B0604020202020204" pitchFamily="34" charset="0"/>
-                <a:cs typeface="Arial" panose="020B0604020202020204" pitchFamily="34" charset="0"/>
-              </a:rPr>
-              <a:t> </a:t>
-            </a:r>
-            <a:r>
-              <a:rPr kumimoji="0" lang="en-US" altLang="en-US" sz="2000" b="0" i="0" u="none" strike="noStrike" cap="none" normalizeH="0" baseline="0" dirty="0" err="1">
-                <a:ln>
-                  <a:noFill/>
-                </a:ln>
-                <a:solidFill>
-                  <a:schemeClr val="tx1"/>
-                </a:solidFill>
-                <a:effectLst/>
-                <a:latin typeface="Arial" panose="020B0604020202020204" pitchFamily="34" charset="0"/>
-                <a:cs typeface="Arial" panose="020B0604020202020204" pitchFamily="34" charset="0"/>
-              </a:rPr>
-              <a:t>stranice</a:t>
-            </a:r>
-            <a:r>
-              <a:rPr kumimoji="0" lang="en-US" altLang="en-US" sz="2000" b="0" i="0" u="none" strike="noStrike" cap="none" normalizeH="0" baseline="0" dirty="0">
-                <a:ln>
-                  <a:noFill/>
-                </a:ln>
-                <a:solidFill>
-                  <a:schemeClr val="tx1"/>
-                </a:solidFill>
-                <a:effectLst/>
-                <a:latin typeface="Arial" panose="020B0604020202020204" pitchFamily="34" charset="0"/>
-                <a:cs typeface="Arial" panose="020B0604020202020204" pitchFamily="34" charset="0"/>
-              </a:rPr>
-              <a:t>. </a:t>
-            </a:r>
-            <a:r>
-              <a:rPr kumimoji="0" lang="en-US" altLang="en-US" sz="2000" b="0" i="0" u="none" strike="noStrike" cap="none" normalizeH="0" baseline="0" dirty="0" err="1">
-                <a:ln>
-                  <a:noFill/>
-                </a:ln>
-                <a:solidFill>
-                  <a:schemeClr val="tx1"/>
-                </a:solidFill>
-                <a:effectLst/>
-                <a:latin typeface="Arial" panose="020B0604020202020204" pitchFamily="34" charset="0"/>
-                <a:cs typeface="Arial" panose="020B0604020202020204" pitchFamily="34" charset="0"/>
-              </a:rPr>
-              <a:t>Sadrži</a:t>
-            </a:r>
-            <a:r>
-              <a:rPr kumimoji="0" lang="en-US" altLang="en-US" sz="2000" b="0" i="0" u="none" strike="noStrike" cap="none" normalizeH="0" baseline="0" dirty="0">
-                <a:ln>
-                  <a:noFill/>
-                </a:ln>
-                <a:solidFill>
-                  <a:schemeClr val="tx1"/>
-                </a:solidFill>
-                <a:effectLst/>
-                <a:latin typeface="Arial" panose="020B0604020202020204" pitchFamily="34" charset="0"/>
-                <a:cs typeface="Arial" panose="020B0604020202020204" pitchFamily="34" charset="0"/>
-              </a:rPr>
-              <a:t> </a:t>
-            </a:r>
-            <a:r>
-              <a:rPr kumimoji="0" lang="en-US" altLang="en-US" sz="2000" b="0" i="0" u="none" strike="noStrike" cap="none" normalizeH="0" baseline="0" dirty="0" err="1">
-                <a:ln>
-                  <a:noFill/>
-                </a:ln>
-                <a:solidFill>
-                  <a:schemeClr val="tx1"/>
-                </a:solidFill>
-                <a:effectLst/>
-                <a:latin typeface="Arial" panose="020B0604020202020204" pitchFamily="34" charset="0"/>
-                <a:cs typeface="Arial" panose="020B0604020202020204" pitchFamily="34" charset="0"/>
-              </a:rPr>
-              <a:t>zaglavlje</a:t>
-            </a:r>
-            <a:r>
-              <a:rPr kumimoji="0" lang="en-US" altLang="en-US" sz="2000" b="0" i="0" u="none" strike="noStrike" cap="none" normalizeH="0" baseline="0" dirty="0">
-                <a:ln>
-                  <a:noFill/>
-                </a:ln>
-                <a:solidFill>
-                  <a:schemeClr val="tx1"/>
-                </a:solidFill>
-                <a:effectLst/>
-                <a:latin typeface="Arial" panose="020B0604020202020204" pitchFamily="34" charset="0"/>
-                <a:cs typeface="Arial" panose="020B0604020202020204" pitchFamily="34" charset="0"/>
-              </a:rPr>
-              <a:t> (Header) </a:t>
-            </a:r>
-            <a:r>
-              <a:rPr kumimoji="0" lang="en-US" altLang="en-US" sz="2000" b="0" i="0" u="none" strike="noStrike" cap="none" normalizeH="0" baseline="0" dirty="0" err="1">
-                <a:ln>
-                  <a:noFill/>
-                </a:ln>
-                <a:solidFill>
-                  <a:schemeClr val="tx1"/>
-                </a:solidFill>
-                <a:effectLst/>
-                <a:latin typeface="Arial" panose="020B0604020202020204" pitchFamily="34" charset="0"/>
-                <a:cs typeface="Arial" panose="020B0604020202020204" pitchFamily="34" charset="0"/>
-              </a:rPr>
-              <a:t>i</a:t>
-            </a:r>
-            <a:r>
-              <a:rPr kumimoji="0" lang="en-US" altLang="en-US" sz="2000" b="0" i="0" u="none" strike="noStrike" cap="none" normalizeH="0" baseline="0" dirty="0">
-                <a:ln>
-                  <a:noFill/>
-                </a:ln>
-                <a:solidFill>
-                  <a:schemeClr val="tx1"/>
-                </a:solidFill>
-                <a:effectLst/>
-                <a:latin typeface="Arial" panose="020B0604020202020204" pitchFamily="34" charset="0"/>
-                <a:cs typeface="Arial" panose="020B0604020202020204" pitchFamily="34" charset="0"/>
-              </a:rPr>
-              <a:t> </a:t>
-            </a:r>
-            <a:r>
-              <a:rPr kumimoji="0" lang="en-US" altLang="en-US" sz="2000" b="0" i="0" u="none" strike="noStrike" cap="none" normalizeH="0" baseline="0" dirty="0" err="1">
-                <a:ln>
-                  <a:noFill/>
-                </a:ln>
-                <a:solidFill>
-                  <a:schemeClr val="tx1"/>
-                </a:solidFill>
-                <a:effectLst/>
-                <a:latin typeface="Arial" panose="020B0604020202020204" pitchFamily="34" charset="0"/>
-                <a:cs typeface="Arial" panose="020B0604020202020204" pitchFamily="34" charset="0"/>
-              </a:rPr>
-              <a:t>glavni</a:t>
-            </a:r>
-            <a:r>
-              <a:rPr kumimoji="0" lang="en-US" altLang="en-US" sz="2000" b="0" i="0" u="none" strike="noStrike" cap="none" normalizeH="0" baseline="0" dirty="0">
-                <a:ln>
-                  <a:noFill/>
-                </a:ln>
-                <a:solidFill>
-                  <a:schemeClr val="tx1"/>
-                </a:solidFill>
-                <a:effectLst/>
-                <a:latin typeface="Arial" panose="020B0604020202020204" pitchFamily="34" charset="0"/>
-                <a:cs typeface="Arial" panose="020B0604020202020204" pitchFamily="34" charset="0"/>
-              </a:rPr>
-              <a:t> deo (&lt;main&gt;).</a:t>
-            </a:r>
-            <a:endParaRPr kumimoji="0" lang="sr-Latn-RS" altLang="en-US" sz="2000" b="0" i="0" u="none" strike="noStrike" cap="none" normalizeH="0" baseline="0" dirty="0">
-              <a:ln>
-                <a:noFill/>
-              </a:ln>
-              <a:solidFill>
-                <a:schemeClr val="tx1"/>
-              </a:solidFill>
-              <a:effectLst/>
-              <a:latin typeface="Arial" panose="020B0604020202020204" pitchFamily="34" charset="0"/>
-              <a:cs typeface="Arial" panose="020B0604020202020204" pitchFamily="34" charset="0"/>
-            </a:endParaRPr>
+              <a:rPr kumimoji="0" lang="en-US" altLang="en-US" sz="2000" i="0" u="none" strike="noStrike" cap="none" normalizeH="0" baseline="0" dirty="0">
+                <a:ln>
+                  <a:noFill/>
+                </a:ln>
+                <a:solidFill>
+                  <a:schemeClr val="tx1"/>
+                </a:solidFill>
+                <a:effectLst/>
+                <a:latin typeface="Arial" panose="020B0604020202020204" pitchFamily="34" charset="0"/>
+                <a:cs typeface="Arial" panose="020B0604020202020204" pitchFamily="34" charset="0"/>
+              </a:rPr>
+              <a:t>Omogu</a:t>
+            </a:r>
+            <a:r>
+              <a:rPr kumimoji="0" lang="" altLang="en-US" sz="2000" i="0" u="none" strike="noStrike" cap="none" normalizeH="0" baseline="0" dirty="0">
+                <a:ln>
+                  <a:noFill/>
+                </a:ln>
+                <a:solidFill>
+                  <a:schemeClr val="tx1"/>
+                </a:solidFill>
+                <a:effectLst/>
+                <a:latin typeface="Arial" panose="020B0604020202020204" pitchFamily="34" charset="0"/>
+                <a:cs typeface="Arial" panose="020B0604020202020204" pitchFamily="34" charset="0"/>
+              </a:rPr>
+              <a:t>ć</a:t>
+            </a:r>
+            <a:r>
+              <a:rPr kumimoji="0" lang="en-US" altLang="en-US" sz="2000" i="0" u="none" strike="noStrike" cap="none" normalizeH="0" baseline="0" dirty="0">
+                <a:ln>
+                  <a:noFill/>
+                </a:ln>
+                <a:solidFill>
+                  <a:schemeClr val="tx1"/>
+                </a:solidFill>
+                <a:effectLst/>
+                <a:latin typeface="Arial" panose="020B0604020202020204" pitchFamily="34" charset="0"/>
+                <a:cs typeface="Arial" panose="020B0604020202020204" pitchFamily="34" charset="0"/>
+              </a:rPr>
+              <a:t>ava dosledan prikaz i dizajn na svim stranicama.”</a:t>
+            </a:r>
           </a:p>
           <a:p>
             <a:pPr marL="0" marR="0" lvl="0" indent="0" algn="l" defTabSz="914400" rtl="0" eaLnBrk="0" fontAlgn="base" latinLnBrk="0" hangingPunct="0">
@@ -9727,9 +10030,74 @@
               <a:buSzTx/>
               <a:buFontTx/>
               <a:buNone/>
-              <a:tabLst/>
             </a:pPr>
             <a:r>
+              <a:rPr kumimoji="0" lang="sr-Latn-RS" altLang="pl-PL" sz="2000" b="1" i="0" u="none" strike="noStrike" cap="none" normalizeH="0" baseline="0" dirty="0">
+                <a:ln>
+                  <a:noFill/>
+                </a:ln>
+                <a:solidFill>
+                  <a:schemeClr val="tx1"/>
+                </a:solidFill>
+                <a:effectLst/>
+                <a:latin typeface="Arial" panose="020B0604020202020204" pitchFamily="34" charset="0"/>
+                <a:cs typeface="Arial" panose="020B0604020202020204" pitchFamily="34" charset="0"/>
+              </a:rPr>
+              <a:t>2.</a:t>
+            </a:r>
+            <a:r>
+              <a:rPr kumimoji="0" lang="pl-PL" altLang="en-US" sz="2000" b="1" i="0" u="none" strike="noStrike" cap="none" normalizeH="0" baseline="0" dirty="0">
+                <a:ln>
+                  <a:noFill/>
+                </a:ln>
+                <a:solidFill>
+                  <a:schemeClr val="tx1"/>
+                </a:solidFill>
+                <a:effectLst/>
+                <a:latin typeface="Arial" panose="020B0604020202020204" pitchFamily="34" charset="0"/>
+                <a:cs typeface="Arial" panose="020B0604020202020204" pitchFamily="34" charset="0"/>
+              </a:rPr>
+              <a:t> </a:t>
+            </a:r>
+            <a:r>
+              <a:rPr kumimoji="0" lang="sr-Latn-RS" altLang="en-US" sz="2000" b="1" i="0" u="none" strike="noStrike" cap="none" normalizeH="0" baseline="0" dirty="0">
+                <a:ln>
+                  <a:noFill/>
+                </a:ln>
+                <a:solidFill>
+                  <a:schemeClr val="tx1"/>
+                </a:solidFill>
+                <a:effectLst/>
+                <a:latin typeface="Arial" panose="020B0604020202020204" pitchFamily="34" charset="0"/>
+                <a:cs typeface="Arial" panose="020B0604020202020204" pitchFamily="34" charset="0"/>
+              </a:rPr>
+              <a:t>I</a:t>
+            </a:r>
+            <a:r>
+              <a:rPr lang="en-US" sz="2000" b="1" dirty="0" err="1">
+                <a:latin typeface="Arial" panose="020B0604020202020204" pitchFamily="34" charset="0"/>
+                <a:cs typeface="Arial" panose="020B0604020202020204" pitchFamily="34" charset="0"/>
+              </a:rPr>
+              <a:t>ndex.astro</a:t>
+            </a:r>
+            <a:endParaRPr lang="pl-PL" sz="2000" b="1" dirty="0">
+              <a:latin typeface="Arial" panose="020B0604020202020204" pitchFamily="34" charset="0"/>
+              <a:cs typeface="Arial" panose="020B0604020202020204" pitchFamily="34" charset="0"/>
+            </a:endParaRPr>
+          </a:p>
+          <a:p>
+            <a:pPr marL="0" indent="0" defTabSz="914400" eaLnBrk="0" fontAlgn="base" hangingPunct="0">
+              <a:spcBef>
+                <a:spcPct val="0"/>
+              </a:spcBef>
+              <a:spcAft>
+                <a:spcPct val="0"/>
+              </a:spcAft>
+              <a:buClrTx/>
+              <a:buSzTx/>
+              <a:buNone/>
+            </a:pPr>
+            <a:r>
               <a:rPr kumimoji="0" lang="sr-Latn-RS" altLang="en-US" sz="2000" b="0" i="0" u="none" strike="noStrike" cap="none" normalizeH="0" baseline="0" dirty="0">
                 <a:ln>
                   <a:noFill/>
@@ -9741,8 +10109,87 @@
                 <a:latin typeface="Arial" panose="020B0604020202020204" pitchFamily="34" charset="0"/>
                 <a:cs typeface="Arial" panose="020B0604020202020204" pitchFamily="34" charset="0"/>
               </a:rPr>
-              <a:t>Header se koristi svuda i &lt;slot /&gt; ubacuje sadržaj iz drugih astro fajlova</a:t>
-            </a:r>
+              <a:t>Početna stranica, generiše sve proizvode kao card komponente. </a:t>
+            </a:r>
+          </a:p>
+          <a:p>
+            <a:pPr marL="0" indent="0" defTabSz="914400" eaLnBrk="0" fontAlgn="base" hangingPunct="0">
+              <a:spcBef>
+                <a:spcPct val="0"/>
+              </a:spcBef>
+              <a:spcAft>
+                <a:spcPct val="0"/>
+              </a:spcAft>
+              <a:buClrTx/>
+              <a:buSzTx/>
+              <a:buNone/>
+            </a:pPr>
+            <a:r>
+              <a:rPr lang="sr-Latn-RS" altLang="en-US" sz="2000" dirty="0">
+                <a:latin typeface="Arial" panose="020B0604020202020204" pitchFamily="34" charset="0"/>
+                <a:cs typeface="Arial" panose="020B0604020202020204" pitchFamily="34" charset="0"/>
+              </a:rPr>
+              <a:t>&lt;App client:load /&gt; jer se učitava u pregledaču i koristi App.jsx react komponentu za sve proizvode</a:t>
+            </a:r>
+          </a:p>
+          <a:p>
+            <a:pPr marL="0" indent="0" defTabSz="914400" eaLnBrk="0" fontAlgn="base" hangingPunct="0">
+              <a:spcBef>
+                <a:spcPct val="0"/>
+              </a:spcBef>
+              <a:spcAft>
+                <a:spcPct val="0"/>
+              </a:spcAft>
+              <a:buClrTx/>
+              <a:buSzTx/>
+              <a:buNone/>
+            </a:pPr>
+            <a:r>
+              <a:rPr kumimoji="0" lang="sr-Latn-RS" altLang="en-US" sz="2000" b="1" i="0" u="none" strike="noStrike" cap="none" normalizeH="0" baseline="0" dirty="0">
+                <a:ln>
+                  <a:noFill/>
+                </a:ln>
+                <a:solidFill>
+                  <a:schemeClr val="tx1"/>
+                </a:solidFill>
+                <a:effectLst/>
+                <a:latin typeface="Arial" panose="020B0604020202020204" pitchFamily="34" charset="0"/>
+                <a:cs typeface="Arial" panose="020B0604020202020204" pitchFamily="34" charset="0"/>
+              </a:rPr>
+              <a:t>3.</a:t>
+            </a:r>
+            <a:r>
+              <a:rPr lang="en-US" sz="2000" b="1" dirty="0">
+                <a:latin typeface="Arial" panose="020B0604020202020204" pitchFamily="34" charset="0"/>
+                <a:cs typeface="Arial" panose="020B0604020202020204" pitchFamily="34" charset="0"/>
+              </a:rPr>
+              <a:t> </a:t>
+            </a:r>
+            <a:r>
+              <a:rPr lang="sr-Latn-RS" sz="2000" b="1" dirty="0">
+                <a:latin typeface="Arial" panose="020B0604020202020204" pitchFamily="34" charset="0"/>
+                <a:cs typeface="Arial" panose="020B0604020202020204" pitchFamily="34" charset="0"/>
+              </a:rPr>
+              <a:t>C</a:t>
+            </a:r>
+            <a:r>
+              <a:rPr lang="en-US" sz="2000" b="1" dirty="0" err="1">
+                <a:latin typeface="Arial" panose="020B0604020202020204" pitchFamily="34" charset="0"/>
+                <a:cs typeface="Arial" panose="020B0604020202020204" pitchFamily="34" charset="0"/>
+              </a:rPr>
+              <a:t>art.astro</a:t>
+            </a:r>
+            <a:endParaRPr kumimoji="0" lang="en-US" altLang="en-US" sz="2000" b="1" i="0" u="none" strike="noStrike" cap="none" normalizeH="0" baseline="0" dirty="0">
+              <a:ln>
+                <a:noFill/>
+              </a:ln>
+              <a:solidFill>
+                <a:schemeClr val="tx1"/>
+              </a:solidFill>
+              <a:effectLst/>
+              <a:latin typeface="Arial" panose="020B0604020202020204" pitchFamily="34" charset="0"/>
+              <a:cs typeface="Arial" panose="020B0604020202020204" pitchFamily="34" charset="0"/>
+            </a:endParaRPr>
           </a:p>
           <a:p>
             <a:pPr marL="0" marR="0" lvl="0" indent="0" algn="l" defTabSz="914400" rtl="0" eaLnBrk="0" fontAlgn="base" latinLnBrk="0" hangingPunct="0">
@@ -9759,190 +10206,23 @@
               <a:buSzTx/>
               <a:buFontTx/>
               <a:buNone/>
-              <a:tabLst/>
             </a:pPr>
             <a:r>
-              <a:rPr lang="sr-Latn-RS" altLang="en-US" sz="2000" b="1" dirty="0">
-                <a:latin typeface="Arial" panose="020B0604020202020204" pitchFamily="34" charset="0"/>
-                <a:cs typeface="Arial" panose="020B0604020202020204" pitchFamily="34" charset="0"/>
-              </a:rPr>
-              <a:t>2. Header.astro</a:t>
-            </a:r>
-          </a:p>
-          <a:p>
-            <a:pPr marL="0" indent="0" defTabSz="914400" eaLnBrk="0" fontAlgn="base" hangingPunct="0">
-              <a:spcBef>
-                <a:spcPct val="0"/>
-              </a:spcBef>
-              <a:spcAft>
-                <a:spcPct val="0"/>
-              </a:spcAft>
-              <a:buClrTx/>
-              <a:buSzTx/>
-              <a:buNone/>
-            </a:pPr>
-            <a:r>
-              <a:rPr lang="pl-PL" sz="2000" dirty="0">
-                <a:latin typeface="Arial" panose="020B0604020202020204" pitchFamily="34" charset="0"/>
-                <a:cs typeface="Arial" panose="020B0604020202020204" pitchFamily="34" charset="0"/>
-              </a:rPr>
-              <a:t>Prikazuje logo i naziv sajta u gornjem delu i link ka korpi /cart.</a:t>
-            </a:r>
-          </a:p>
-          <a:p>
-            <a:pPr marL="0" indent="0" defTabSz="914400" eaLnBrk="0" fontAlgn="base" hangingPunct="0">
-              <a:spcBef>
-                <a:spcPct val="0"/>
-              </a:spcBef>
-              <a:spcAft>
-                <a:spcPct val="0"/>
-              </a:spcAft>
-              <a:buClrTx/>
-              <a:buSzTx/>
-              <a:buNone/>
-            </a:pPr>
-            <a:r>
-              <a:rPr kumimoji="0" lang="pl-PL" altLang="en-US" sz="2000" b="1" i="0" u="none" strike="noStrike" cap="none" normalizeH="0" baseline="0" dirty="0">
-                <a:ln>
-                  <a:noFill/>
-                </a:ln>
-                <a:solidFill>
-                  <a:schemeClr val="tx1"/>
-                </a:solidFill>
-                <a:effectLst/>
-                <a:latin typeface="Arial" panose="020B0604020202020204" pitchFamily="34" charset="0"/>
-                <a:cs typeface="Arial" panose="020B0604020202020204" pitchFamily="34" charset="0"/>
-              </a:rPr>
-              <a:t>3. </a:t>
-            </a:r>
-            <a:r>
-              <a:rPr kumimoji="0" lang="sr-Latn-RS" altLang="en-US" sz="2000" b="1" i="0" u="none" strike="noStrike" cap="none" normalizeH="0" baseline="0" dirty="0">
-                <a:ln>
-                  <a:noFill/>
-                </a:ln>
-                <a:solidFill>
-                  <a:schemeClr val="tx1"/>
-                </a:solidFill>
-                <a:effectLst/>
-                <a:latin typeface="Arial" panose="020B0604020202020204" pitchFamily="34" charset="0"/>
-                <a:cs typeface="Arial" panose="020B0604020202020204" pitchFamily="34" charset="0"/>
-              </a:rPr>
-              <a:t>I</a:t>
-            </a:r>
-            <a:r>
-              <a:rPr lang="en-US" sz="2000" b="1" dirty="0" err="1">
-                <a:latin typeface="Arial" panose="020B0604020202020204" pitchFamily="34" charset="0"/>
-                <a:cs typeface="Arial" panose="020B0604020202020204" pitchFamily="34" charset="0"/>
-              </a:rPr>
-              <a:t>ndex.astro</a:t>
-            </a:r>
-            <a:endParaRPr lang="pl-PL" sz="2000" b="1" dirty="0">
-              <a:latin typeface="Arial" panose="020B0604020202020204" pitchFamily="34" charset="0"/>
-              <a:cs typeface="Arial" panose="020B0604020202020204" pitchFamily="34" charset="0"/>
-            </a:endParaRPr>
-          </a:p>
-          <a:p>
-            <a:pPr marL="0" indent="0" defTabSz="914400" eaLnBrk="0" fontAlgn="base" hangingPunct="0">
-              <a:spcBef>
-                <a:spcPct val="0"/>
-              </a:spcBef>
-              <a:spcAft>
-                <a:spcPct val="0"/>
-              </a:spcAft>
-              <a:buClrTx/>
-              <a:buSzTx/>
-              <a:buNone/>
-            </a:pPr>
-            <a:r>
-              <a:rPr kumimoji="0" lang="sr-Latn-RS" altLang="en-US" sz="2000" b="0" i="0" u="none" strike="noStrike" cap="none" normalizeH="0" baseline="0" dirty="0">
-                <a:ln>
-                  <a:noFill/>
-                </a:ln>
-                <a:solidFill>
-                  <a:schemeClr val="tx1"/>
-                </a:solidFill>
-                <a:effectLst/>
-                <a:latin typeface="Arial" panose="020B0604020202020204" pitchFamily="34" charset="0"/>
-                <a:cs typeface="Arial" panose="020B0604020202020204" pitchFamily="34" charset="0"/>
-              </a:rPr>
-              <a:t>Početna stranica, generiše sve proizvode kao card komponente. </a:t>
-            </a:r>
-          </a:p>
-          <a:p>
-            <a:pPr marL="0" indent="0" defTabSz="914400" eaLnBrk="0" fontAlgn="base" hangingPunct="0">
-              <a:spcBef>
-                <a:spcPct val="0"/>
-              </a:spcBef>
-              <a:spcAft>
-                <a:spcPct val="0"/>
-              </a:spcAft>
-              <a:buClrTx/>
-              <a:buSzTx/>
-              <a:buNone/>
-            </a:pPr>
-            <a:r>
               <a:rPr lang="sr-Latn-RS" altLang="en-US" sz="2000" dirty="0">
                 <a:latin typeface="Arial" panose="020B0604020202020204" pitchFamily="34" charset="0"/>
                 <a:cs typeface="Arial" panose="020B0604020202020204" pitchFamily="34" charset="0"/>
               </a:rPr>
-              <a:t>Client:load jer se učitava u pregledaču i koristi App.jsx react komponentu za sve proizvode</a:t>
-            </a:r>
-          </a:p>
-          <a:p>
-            <a:pPr marL="0" indent="0" defTabSz="914400" eaLnBrk="0" fontAlgn="base" hangingPunct="0">
-              <a:spcBef>
-                <a:spcPct val="0"/>
-              </a:spcBef>
-              <a:spcAft>
-                <a:spcPct val="0"/>
-              </a:spcAft>
-              <a:buClrTx/>
-              <a:buSzTx/>
-              <a:buNone/>
-            </a:pPr>
-            <a:r>
-              <a:rPr kumimoji="0" lang="sr-Latn-RS" altLang="en-US" sz="2000" b="1" i="0" u="none" strike="noStrike" cap="none" normalizeH="0" baseline="0" dirty="0">
-                <a:ln>
-                  <a:noFill/>
-                </a:ln>
-                <a:solidFill>
-                  <a:schemeClr val="tx1"/>
-                </a:solidFill>
-                <a:effectLst/>
-                <a:latin typeface="Arial" panose="020B0604020202020204" pitchFamily="34" charset="0"/>
-                <a:cs typeface="Arial" panose="020B0604020202020204" pitchFamily="34" charset="0"/>
-              </a:rPr>
-              <a:t>4.</a:t>
-            </a:r>
-            <a:r>
-              <a:rPr lang="en-US" sz="2000" b="1" dirty="0">
-                <a:latin typeface="Arial" panose="020B0604020202020204" pitchFamily="34" charset="0"/>
-                <a:cs typeface="Arial" panose="020B0604020202020204" pitchFamily="34" charset="0"/>
-              </a:rPr>
-              <a:t> </a:t>
-            </a:r>
-            <a:r>
-              <a:rPr lang="sr-Latn-RS" sz="2000" b="1" dirty="0">
-                <a:latin typeface="Arial" panose="020B0604020202020204" pitchFamily="34" charset="0"/>
-                <a:cs typeface="Arial" panose="020B0604020202020204" pitchFamily="34" charset="0"/>
-              </a:rPr>
-              <a:t>C</a:t>
-            </a:r>
-            <a:r>
-              <a:rPr lang="en-US" sz="2000" b="1" dirty="0" err="1">
-                <a:latin typeface="Arial" panose="020B0604020202020204" pitchFamily="34" charset="0"/>
-                <a:cs typeface="Arial" panose="020B0604020202020204" pitchFamily="34" charset="0"/>
-              </a:rPr>
-              <a:t>art.astro</a:t>
-            </a:r>
-            <a:endParaRPr kumimoji="0" lang="en-US" altLang="en-US" sz="2000" b="1" i="0" u="none" strike="noStrike" cap="none" normalizeH="0" baseline="0" dirty="0">
-              <a:ln>
-                <a:noFill/>
-              </a:ln>
-              <a:solidFill>
-                <a:schemeClr val="tx1"/>
-              </a:solidFill>
-              <a:effectLst/>
+              <a:t>Stranica korpe, koristi </a:t>
+            </a:r>
+            <a:r>
+              <a:rPr lang="sr-Latn-RS" altLang="en-US" sz="2000" dirty="0">
+                <a:latin typeface="Arial" panose="020B0604020202020204" pitchFamily="34" charset="0"/>
+                <a:cs typeface="Arial" panose="020B0604020202020204" pitchFamily="34" charset="0"/>
+                <a:sym typeface="+mn-ea"/>
+              </a:rPr>
+              <a:t>&lt;CartApp client:load /&gt;</a:t>
+            </a:r>
+            <a:endParaRPr lang="sr-Latn-RS" altLang="en-US" sz="2000" dirty="0">
               <a:latin typeface="Arial" panose="020B0604020202020204" pitchFamily="34" charset="0"/>
               <a:cs typeface="Arial" panose="020B0604020202020204" pitchFamily="34" charset="0"/>
             </a:endParaRPr>
@@ -9962,14 +10242,27 @@
               <a:buSzTx/>
               <a:buFontTx/>
               <a:buNone/>
-              <a:tabLst/>
             </a:pPr>
             <a:r>
+              <a:rPr kumimoji="0" lang="sr-Latn-RS" altLang="en-US" sz="2000" b="0" i="0" u="none" strike="noStrike" cap="none" normalizeH="0" baseline="0" dirty="0">
+                <a:ln>
+                  <a:noFill/>
+                </a:ln>
+                <a:solidFill>
+                  <a:schemeClr val="tx1"/>
+                </a:solidFill>
+                <a:effectLst/>
+                <a:latin typeface="Arial" panose="020B0604020202020204" pitchFamily="34" charset="0"/>
+                <a:cs typeface="Arial" panose="020B0604020202020204" pitchFamily="34" charset="0"/>
+              </a:rPr>
+              <a:t>Uči</a:t>
+            </a:r>
+            <a:r>
               <a:rPr lang="sr-Latn-RS" altLang="en-US" sz="2000" dirty="0">
                 <a:latin typeface="Arial" panose="020B0604020202020204" pitchFamily="34" charset="0"/>
                 <a:cs typeface="Arial" panose="020B0604020202020204" pitchFamily="34" charset="0"/>
               </a:rPr>
-              <a:t>Stranica korpe, takođe koristi client:load </a:t>
+              <a:t>tava CartApp.jsx koja koristi localStorage za prikaz korpe i svih artikala iz nje</a:t>
             </a:r>
           </a:p>
           <a:p>
@@ -9987,28 +10280,41 @@
               <a:buSzTx/>
               <a:buFontTx/>
               <a:buNone/>
-              <a:tabLst/>
             </a:pPr>
             <a:r>
-              <a:rPr kumimoji="0" lang="sr-Latn-RS" altLang="en-US" sz="2000" b="0" i="0" u="none" strike="noStrike" cap="none" normalizeH="0" baseline="0" dirty="0">
-                <a:ln>
-                  <a:noFill/>
-                </a:ln>
-                <a:solidFill>
-                  <a:schemeClr val="tx1"/>
-                </a:solidFill>
-                <a:effectLst/>
-                <a:latin typeface="Arial" panose="020B0604020202020204" pitchFamily="34" charset="0"/>
-                <a:cs typeface="Arial" panose="020B0604020202020204" pitchFamily="34" charset="0"/>
-              </a:rPr>
-              <a:t>Uči</a:t>
-            </a:r>
-            <a:r>
-              <a:rPr lang="sr-Latn-RS" altLang="en-US" sz="2000" dirty="0">
-                <a:latin typeface="Arial" panose="020B0604020202020204" pitchFamily="34" charset="0"/>
-                <a:cs typeface="Arial" panose="020B0604020202020204" pitchFamily="34" charset="0"/>
-              </a:rPr>
-              <a:t>tava CartApp.jsx koja koristi localStorage za prikaz korpe. </a:t>
+              <a:rPr kumimoji="0" lang="sr-Latn-RS" altLang="en-US" sz="2000" b="1" i="0" u="none" strike="noStrike" cap="none" normalizeH="0" baseline="0" dirty="0">
+                <a:ln>
+                  <a:noFill/>
+                </a:ln>
+                <a:solidFill>
+                  <a:schemeClr val="tx1"/>
+                </a:solidFill>
+                <a:effectLst/>
+                <a:latin typeface="Arial" panose="020B0604020202020204" pitchFamily="34" charset="0"/>
+                <a:cs typeface="Arial" panose="020B0604020202020204" pitchFamily="34" charset="0"/>
+              </a:rPr>
+              <a:t>4. </a:t>
+            </a:r>
+            <a:r>
+              <a:rPr lang="en-US" sz="2000" b="1" dirty="0">
+                <a:latin typeface="Arial" panose="020B0604020202020204" pitchFamily="34" charset="0"/>
+                <a:cs typeface="Arial" panose="020B0604020202020204" pitchFamily="34" charset="0"/>
+              </a:rPr>
+              <a:t>[id].</a:t>
+            </a:r>
+            <a:r>
+              <a:rPr lang="en-US" sz="2000" b="1" dirty="0" err="1">
+                <a:latin typeface="Arial" panose="020B0604020202020204" pitchFamily="34" charset="0"/>
+                <a:cs typeface="Arial" panose="020B0604020202020204" pitchFamily="34" charset="0"/>
+              </a:rPr>
+              <a:t>astro</a:t>
+            </a:r>
+            <a:r>
+              <a:rPr lang="sr-Latn-RS" sz="2000" b="1" dirty="0">
+                <a:latin typeface="Arial" panose="020B0604020202020204" pitchFamily="34" charset="0"/>
+                <a:cs typeface="Arial" panose="020B0604020202020204" pitchFamily="34" charset="0"/>
+              </a:rPr>
+              <a:t> </a:t>
             </a:r>
           </a:p>
           <a:p>
@@ -10026,38 +10332,16 @@
               <a:buSzTx/>
               <a:buFontTx/>
               <a:buNone/>
-              <a:tabLst/>
             </a:pPr>
             <a:r>
-              <a:rPr kumimoji="0" lang="sr-Latn-RS" altLang="en-US" sz="2000" b="1" i="0" u="none" strike="noStrike" cap="none" normalizeH="0" baseline="0" dirty="0">
-                <a:ln>
-                  <a:noFill/>
-                </a:ln>
-                <a:solidFill>
-                  <a:schemeClr val="tx1"/>
-                </a:solidFill>
-                <a:effectLst/>
-                <a:latin typeface="Arial" panose="020B0604020202020204" pitchFamily="34" charset="0"/>
-                <a:cs typeface="Arial" panose="020B0604020202020204" pitchFamily="34" charset="0"/>
-              </a:rPr>
-              <a:t>5. </a:t>
-            </a:r>
-            <a:r>
-              <a:rPr lang="en-US" sz="2000" b="1" dirty="0">
-                <a:latin typeface="Arial" panose="020B0604020202020204" pitchFamily="34" charset="0"/>
-                <a:cs typeface="Arial" panose="020B0604020202020204" pitchFamily="34" charset="0"/>
-              </a:rPr>
-              <a:t>[id].</a:t>
-            </a:r>
-            <a:r>
-              <a:rPr lang="en-US" sz="2000" b="1" dirty="0" err="1">
-                <a:latin typeface="Arial" panose="020B0604020202020204" pitchFamily="34" charset="0"/>
-                <a:cs typeface="Arial" panose="020B0604020202020204" pitchFamily="34" charset="0"/>
-              </a:rPr>
-              <a:t>astro</a:t>
-            </a:r>
-            <a:r>
-              <a:rPr lang="sr-Latn-RS" sz="2000" b="1" dirty="0">
+              <a:rPr lang="pl-PL" sz="2000" dirty="0">
+                <a:latin typeface="Arial" panose="020B0604020202020204" pitchFamily="34" charset="0"/>
+                <a:cs typeface="Arial" panose="020B0604020202020204" pitchFamily="34" charset="0"/>
+              </a:rPr>
+              <a:t>Dinamička stranica za svaki proizvod. Prikazuje detalje proizvoda po ID-u</a:t>
+            </a:r>
+            <a:r>
+              <a:rPr lang="sr-Latn-RS" sz="2000" dirty="0">
                 <a:latin typeface="Arial" panose="020B0604020202020204" pitchFamily="34" charset="0"/>
                 <a:cs typeface="Arial" panose="020B0604020202020204" pitchFamily="34" charset="0"/>
               </a:rPr>
@@ -10079,22 +10363,39 @@
               <a:buSzTx/>
               <a:buFontTx/>
               <a:buNone/>
-              <a:tabLst/>
             </a:pPr>
             <a:r>
-              <a:rPr lang="pl-PL" sz="2000" dirty="0">
-                <a:latin typeface="Arial" panose="020B0604020202020204" pitchFamily="34" charset="0"/>
-                <a:cs typeface="Arial" panose="020B0604020202020204" pitchFamily="34" charset="0"/>
-              </a:rPr>
-              <a:t>Dinamička stranica za svaki proizvod. Prikazuje detalje proizvoda po ID-u</a:t>
-            </a:r>
-            <a:r>
-              <a:rPr lang="sr-Latn-RS" sz="2000" dirty="0">
-                <a:latin typeface="Arial" panose="020B0604020202020204" pitchFamily="34" charset="0"/>
-                <a:cs typeface="Arial" panose="020B0604020202020204" pitchFamily="34" charset="0"/>
-              </a:rPr>
-              <a:t> </a:t>
-            </a:r>
+              <a:rPr kumimoji="0" lang="sr-Latn-RS" altLang="en-US" sz="2000" b="0" i="0" u="none" strike="noStrike" cap="none" normalizeH="0" baseline="0" dirty="0">
+                <a:ln>
+                  <a:noFill/>
+                </a:ln>
+                <a:solidFill>
+                  <a:schemeClr val="tx1"/>
+                </a:solidFill>
+                <a:effectLst/>
+                <a:latin typeface="Arial" panose="020B0604020202020204" pitchFamily="34" charset="0"/>
+                <a:cs typeface="Arial" panose="020B0604020202020204" pitchFamily="34" charset="0"/>
+              </a:rPr>
+              <a:t>Prikazuje ime, sliku, cen</a:t>
+            </a:r>
+            <a:r>
+              <a:rPr lang="sr-Latn-RS" altLang="en-US" sz="2000" dirty="0">
+                <a:latin typeface="Arial" panose="020B0604020202020204" pitchFamily="34" charset="0"/>
+                <a:cs typeface="Arial" panose="020B0604020202020204" pitchFamily="34" charset="0"/>
+              </a:rPr>
+              <a:t>u i opis proizvoda i slika se može uvećati klikom.</a:t>
+            </a:r>
+            <a:endParaRPr kumimoji="0" lang="sr-Latn-RS" altLang="en-US" sz="2000" b="0" i="0" u="none" strike="noStrike" cap="none" normalizeH="0" baseline="0" dirty="0">
+              <a:ln>
+                <a:noFill/>
+              </a:ln>
+              <a:solidFill>
+                <a:schemeClr val="tx1"/>
+              </a:solidFill>
+              <a:effectLst/>
+              <a:latin typeface="Arial" panose="020B0604020202020204" pitchFamily="34" charset="0"/>
+              <a:cs typeface="Arial" panose="020B0604020202020204" pitchFamily="34" charset="0"/>
+            </a:endParaRPr>
           </a:p>
           <a:p>
             <a:pPr marL="0" marR="0" lvl="0" indent="0" algn="l" defTabSz="914400" rtl="0" eaLnBrk="0" fontAlgn="base" latinLnBrk="0" hangingPunct="0">
@@ -10111,57 +10412,6 @@
               <a:buSzTx/>
               <a:buFontTx/>
               <a:buNone/>
-              <a:tabLst/>
-            </a:pPr>
-            <a:r>
-              <a:rPr kumimoji="0" lang="sr-Latn-RS" altLang="en-US" sz="2000" b="0" i="0" u="none" strike="noStrike" cap="none" normalizeH="0" baseline="0" dirty="0">
-                <a:ln>
-                  <a:noFill/>
-                </a:ln>
-                <a:solidFill>
-                  <a:schemeClr val="tx1"/>
-                </a:solidFill>
-                <a:effectLst/>
-                <a:latin typeface="Arial" panose="020B0604020202020204" pitchFamily="34" charset="0"/>
-                <a:cs typeface="Arial" panose="020B0604020202020204" pitchFamily="34" charset="0"/>
-              </a:rPr>
-              <a:t>Prikazuje ime, sliku, cen</a:t>
-            </a:r>
-            <a:r>
-              <a:rPr lang="sr-Latn-RS" altLang="en-US" sz="2000" dirty="0">
-                <a:latin typeface="Arial" panose="020B0604020202020204" pitchFamily="34" charset="0"/>
-                <a:cs typeface="Arial" panose="020B0604020202020204" pitchFamily="34" charset="0"/>
-              </a:rPr>
-              <a:t>u i opis proizvoda i slika se može uvećati klikom.</a:t>
-            </a:r>
-            <a:endParaRPr kumimoji="0" lang="sr-Latn-RS" altLang="en-US" sz="2000" b="0" i="0" u="none" strike="noStrike" cap="none" normalizeH="0" baseline="0" dirty="0">
-              <a:ln>
-                <a:noFill/>
-              </a:ln>
-              <a:solidFill>
-                <a:schemeClr val="tx1"/>
-              </a:solidFill>
-              <a:effectLst/>
-              <a:latin typeface="Arial" panose="020B0604020202020204" pitchFamily="34" charset="0"/>
-              <a:cs typeface="Arial" panose="020B0604020202020204" pitchFamily="34" charset="0"/>
-            </a:endParaRPr>
-          </a:p>
-          <a:p>
-            <a:pPr marL="0" marR="0" lvl="0" indent="0" algn="l" defTabSz="914400" rtl="0" eaLnBrk="0" fontAlgn="base" latinLnBrk="0" hangingPunct="0">
-              <a:lnSpc>
-                <a:spcPct val="100000"/>
-              </a:lnSpc>
-              <a:spcBef>
-                <a:spcPct val="0"/>
-              </a:spcBef>
-              <a:spcAft>
-                <a:spcPct val="0"/>
-              </a:spcAft>
-              <a:buClrTx/>
-              <a:buSzTx/>
-              <a:buFontTx/>
-              <a:buNone/>
-              <a:tabLst/>
             </a:pPr>
             <a:endParaRPr kumimoji="0" lang="en-US" altLang="en-US" sz="2000" b="0" i="0" u="none" strike="noStrike" cap="none" normalizeH="0" baseline="0" dirty="0">
               <a:ln>
@@ -10178,11 +10428,6 @@
         </p:txBody>
       </p:sp>
     </p:spTree>
-    <p:extLst>
-      <p:ext uri="{BB962C8B-B14F-4D97-AF65-F5344CB8AC3E}">
-        <p14:creationId xmlns:p14="http://schemas.microsoft.com/office/powerpoint/2010/main" val="3377710792"/>
-      </p:ext>
-    </p:extLst>
   </p:cSld>
   <p:clrMapOvr>
     <a:masterClrMapping/>
@@ -10209,13 +10454,7 @@
       </p:grpSpPr>
       <p:sp>
         <p:nvSpPr>
-          <p:cNvPr id="2" name="Title 1">
-            <a:extLst>
-              <a:ext uri="{FF2B5EF4-FFF2-40B4-BE49-F238E27FC236}">
-                <a16:creationId xmlns:a16="http://schemas.microsoft.com/office/drawing/2014/main" id="{67A8EACC-804A-4E64-8AA0-0ADE2B98F107}"/>
-              </a:ext>
-            </a:extLst>
-          </p:cNvPr>
+          <p:cNvPr id="2" name="Title 1"/>
           <p:cNvSpPr>
             <a:spLocks noGrp="1"/>
           </p:cNvSpPr>
@@ -10256,13 +10495,7 @@
       </p:sp>
       <p:sp>
         <p:nvSpPr>
-          <p:cNvPr id="4" name="Rectangle 1">
-            <a:extLst>
-              <a:ext uri="{FF2B5EF4-FFF2-40B4-BE49-F238E27FC236}">
-                <a16:creationId xmlns:a16="http://schemas.microsoft.com/office/drawing/2014/main" id="{137F1C67-A1ED-497F-BEAE-D70EA7DF998E}"/>
-              </a:ext>
-            </a:extLst>
-          </p:cNvPr>
+          <p:cNvPr id="4" name="Rectangle 1"/>
           <p:cNvSpPr>
             <a:spLocks noGrp="1" noChangeArrowheads="1"/>
           </p:cNvSpPr>
@@ -10314,9 +10547,6 @@
         </p:spPr>
         <p:txBody>
           <a:bodyPr vert="horz" wrap="none" lIns="91440" tIns="45720" rIns="91440" bIns="45720" numCol="1" anchor="ctr" anchorCtr="0" compatLnSpc="1">
-            <a:prstTxWarp prst="textNoShape">
-              <a:avLst/>
-            </a:prstTxWarp>
             <a:spAutoFit/>
           </a:bodyPr>
           <a:lstStyle/>
@@ -11605,11 +11835,6 @@
         </p:txBody>
       </p:sp>
     </p:spTree>
-    <p:extLst>
-      <p:ext uri="{BB962C8B-B14F-4D97-AF65-F5344CB8AC3E}">
-        <p14:creationId xmlns:p14="http://schemas.microsoft.com/office/powerpoint/2010/main" val="3751391898"/>
-      </p:ext>
-    </p:extLst>
   </p:cSld>
   <p:clrMapOvr>
     <a:masterClrMapping/>
@@ -11636,13 +11861,7 @@
       </p:grpSpPr>
       <p:sp>
         <p:nvSpPr>
-          <p:cNvPr id="2" name="Title 1">
-            <a:extLst>
-              <a:ext uri="{FF2B5EF4-FFF2-40B4-BE49-F238E27FC236}">
-                <a16:creationId xmlns:a16="http://schemas.microsoft.com/office/drawing/2014/main" id="{D0E01CB0-E521-49A2-BE74-0C05D3218FEE}"/>
-              </a:ext>
-            </a:extLst>
-          </p:cNvPr>
+          <p:cNvPr id="2" name="Title 1"/>
           <p:cNvSpPr>
             <a:spLocks noGrp="1"/>
           </p:cNvSpPr>
@@ -11652,8 +11871,8 @@
         </p:nvSpPr>
         <p:spPr>
           <a:xfrm>
-            <a:off x="1484310" y="357327"/>
-            <a:ext cx="10018713" cy="832282"/>
+            <a:off x="1483995" y="62230"/>
+            <a:ext cx="10019030" cy="1068705"/>
           </a:xfrm>
         </p:spPr>
         <p:txBody>
@@ -11663,8 +11882,28 @@
           <a:lstStyle/>
           <a:p>
             <a:r>
-              <a:rPr lang="en-US" sz="3600" b="1" i="1" dirty="0" err="1"/>
-              <a:t>Zaključak</a:t>
+              <a:rPr lang="en-US" altLang="en-US" dirty="0">
+                <a:sym typeface="+mn-ea"/>
+              </a:rPr>
+              <a:t> </a:t>
+            </a:r>
+            <a:r>
+              <a:rPr lang="en-US" altLang="en-US" sz="3600" b="1" i="1" dirty="0" err="1">
+                <a:sym typeface="+mn-ea"/>
+              </a:rPr>
+              <a:t>Funkcionalnosti</a:t>
+            </a:r>
+            <a:r>
+              <a:rPr lang="en-US" altLang="en-US" sz="3600" b="1" i="1" dirty="0">
+                <a:sym typeface="+mn-ea"/>
+              </a:rPr>
+              <a:t> </a:t>
+            </a:r>
+            <a:r>
+              <a:rPr lang="sr-Latn-RS" altLang="en-US" sz="3600" b="1" i="1" dirty="0">
+                <a:sym typeface="+mn-ea"/>
+              </a:rPr>
+              <a:t>sajta </a:t>
             </a:r>
             <a:endParaRPr lang="en-US" sz="3600" b="1" i="1" dirty="0"/>
           </a:p>
@@ -11672,704 +11911,201 @@
       </p:sp>
       <p:sp>
         <p:nvSpPr>
-          <p:cNvPr id="4" name="Rectangle 1">
-            <a:extLst>
-              <a:ext uri="{FF2B5EF4-FFF2-40B4-BE49-F238E27FC236}">
-                <a16:creationId xmlns:a16="http://schemas.microsoft.com/office/drawing/2014/main" id="{F4864953-8BA4-4153-BA45-7EC438BEA0F4}"/>
-              </a:ext>
-            </a:extLst>
-          </p:cNvPr>
+          <p:cNvPr id="3" name="Content Placeholder 2"/>
           <p:cNvSpPr>
-            <a:spLocks noGrp="1" noChangeArrowheads="1"/>
+            <a:spLocks noGrp="1"/>
           </p:cNvSpPr>
           <p:nvPr>
             <p:ph idx="1"/>
           </p:nvPr>
         </p:nvSpPr>
-        <p:spPr bwMode="auto">
+        <p:spPr>
           <a:xfrm>
-            <a:off x="1271873" y="1911689"/>
-            <a:ext cx="10809291" cy="3200876"/>
+            <a:off x="1484310" y="1639569"/>
+            <a:ext cx="10018713" cy="3124201"/>
           </a:xfrm>
-          <a:prstGeom prst="rect">
-            <a:avLst/>
+        </p:spPr>
+        <p:txBody>
+          <a:bodyPr>
+            <a:normAutofit fontScale="25000" lnSpcReduction="20000"/>
+          </a:bodyPr>
+          <a:lstStyle/>
+          <a:p>
+            <a:r>
+              <a:rPr lang="en-US" altLang="en-US" sz="9600"/>
+              <a:t>Prikaz svih proizvoda iz baze</a:t>
+            </a:r>
+          </a:p>
+          <a:p>
+            <a:r>
+              <a:rPr lang="sr-Latn-RS" altLang="en-US" sz="9600"/>
+              <a:t>Filtriranje proizvoda po kategorijama i pretraga</a:t>
+            </a:r>
+            <a:endParaRPr lang="en-US" altLang="en-US" sz="9600"/>
+          </a:p>
+          <a:p>
+            <a:r>
+              <a:rPr lang="en-US" altLang="en-US" sz="9600"/>
+              <a:t>Klikom na proizvod – otvara se stranica sa detaljima</a:t>
+            </a:r>
+          </a:p>
+          <a:p>
+            <a:r>
+              <a:rPr lang="en-US" altLang="en-US" sz="9600"/>
+              <a:t>Dodavanje proizvoda u korpu (memorija u LocalStorage-u)</a:t>
+            </a:r>
+          </a:p>
+          <a:p>
+            <a:r>
+              <a:rPr lang="sr-Latn-RS" sz="9600"/>
+              <a:t>Rad sa korpom</a:t>
+            </a:r>
+          </a:p>
+          <a:p>
+            <a:r>
+              <a:rPr lang="en-US" altLang="en-US" sz="9600"/>
+              <a:t>Klikom na „Poru</a:t>
+            </a:r>
+            <a:r>
+              <a:rPr lang="" altLang="en-US" sz="9600"/>
+              <a:t>č</a:t>
+            </a:r>
+            <a:r>
+              <a:rPr lang="en-US" altLang="en-US" sz="9600"/>
+              <a:t>i“ simulira se narud</a:t>
+            </a:r>
+            <a:r>
+              <a:rPr lang="" altLang="en-US" sz="9600"/>
+              <a:t>ž</a:t>
+            </a:r>
+            <a:r>
+              <a:rPr lang="en-US" altLang="en-US" sz="9600"/>
+              <a:t>bina i prazni se korpa</a:t>
+            </a:r>
+          </a:p>
+          <a:p>
+            <a:r>
+              <a:rPr lang="en-US" altLang="en-US" sz="9600"/>
+              <a:t>Navigacija izme</a:t>
+            </a:r>
+            <a:r>
+              <a:rPr lang="" altLang="en-US" sz="9600"/>
+              <a:t>đ</a:t>
+            </a:r>
+            <a:r>
+              <a:rPr lang="en-US" altLang="en-US" sz="9600"/>
+              <a:t>u po</a:t>
+            </a:r>
+            <a:r>
+              <a:rPr lang="" altLang="en-US" sz="9600"/>
+              <a:t>č</a:t>
+            </a:r>
+            <a:r>
+              <a:rPr lang="en-US" altLang="en-US" sz="9600"/>
+              <a:t>etne i korpe uvek dostupna</a:t>
+            </a:r>
+          </a:p>
+        </p:txBody>
+      </p:sp>
+      <p:pic>
+        <p:nvPicPr>
+          <p:cNvPr id="5" name="Picture 4">
+            <a:extLst>
+              <a:ext uri="{FF2B5EF4-FFF2-40B4-BE49-F238E27FC236}">
+                <a16:creationId xmlns:a16="http://schemas.microsoft.com/office/drawing/2014/main" id="{BCAC767A-B3A0-4619-A949-1C39ED530A52}"/>
+              </a:ext>
+            </a:extLst>
+          </p:cNvPr>
+          <p:cNvPicPr>
+            <a:picLocks noChangeAspect="1"/>
+          </p:cNvPicPr>
+          <p:nvPr/>
+        </p:nvPicPr>
+        <p:blipFill>
+          <a:blip r:embed="rId2" cstate="print">
+            <a:extLst>
+              <a:ext uri="{28A0092B-C50C-407E-A947-70E740481C1C}">
+                <a14:useLocalDpi xmlns:a14="http://schemas.microsoft.com/office/drawing/2010/main" val="0"/>
+              </a:ext>
+            </a:extLst>
+          </a:blip>
+          <a:stretch>
+            <a:fillRect/>
+          </a:stretch>
+        </p:blipFill>
+        <p:spPr>
+          <a:xfrm>
+            <a:off x="2841148" y="4884759"/>
+            <a:ext cx="3426487" cy="1589775"/>
+          </a:xfrm>
+          <a:prstGeom prst="roundRect">
+            <a:avLst>
+              <a:gd name="adj" fmla="val 8594"/>
+            </a:avLst>
           </a:prstGeom>
-          <a:noFill/>
+          <a:solidFill>
+            <a:srgbClr val="FFFFFF">
+              <a:shade val="85000"/>
+            </a:srgbClr>
+          </a:solidFill>
           <a:ln>
             <a:noFill/>
           </a:ln>
-          <a:effectLst/>
-          <a:extLst>
-            <a:ext uri="{909E8E84-426E-40DD-AFC4-6F175D3DCCD1}">
-              <a14:hiddenFill xmlns:a14="http://schemas.microsoft.com/office/drawing/2010/main">
-                <a:solidFill>
-                  <a:schemeClr val="accent1"/>
-                </a:solidFill>
-              </a14:hiddenFill>
-            </a:ext>
-            <a:ext uri="{91240B29-F687-4F45-9708-019B960494DF}">
-              <a14:hiddenLine xmlns:a14="http://schemas.microsoft.com/office/drawing/2010/main" w="9525">
-                <a:solidFill>
-                  <a:schemeClr val="tx1"/>
-                </a:solidFill>
-                <a:miter lim="800000"/>
-                <a:headEnd/>
-                <a:tailEnd/>
-              </a14:hiddenLine>
-            </a:ext>
-            <a:ext uri="{AF507438-7753-43E0-B8FC-AC1667EBCBE1}">
-              <a14:hiddenEffects xmlns:a14="http://schemas.microsoft.com/office/drawing/2010/main">
-                <a:effectLst>
-                  <a:outerShdw dist="35921" dir="2700000" algn="ctr" rotWithShape="0">
-                    <a:schemeClr val="bg2"/>
-                  </a:outerShdw>
-                </a:effectLst>
-              </a14:hiddenEffects>
-            </a:ext>
-          </a:extLst>
+          <a:effectLst>
+            <a:reflection blurRad="12700" stA="38000" endPos="28000" dist="5000" dir="5400000" sy="-100000" algn="bl" rotWithShape="0"/>
+          </a:effectLst>
         </p:spPr>
-        <p:txBody>
-          <a:bodyPr vert="horz" wrap="square" lIns="91440" tIns="45720" rIns="91440" bIns="45720" numCol="1" anchor="ctr" anchorCtr="0" compatLnSpc="1">
-            <a:prstTxWarp prst="textNoShape">
-              <a:avLst/>
-            </a:prstTxWarp>
-            <a:spAutoFit/>
-          </a:bodyPr>
-          <a:lstStyle/>
-          <a:p>
-            <a:pPr defTabSz="914400" eaLnBrk="0" fontAlgn="base" hangingPunct="0">
-              <a:spcBef>
-                <a:spcPts val="130"/>
-              </a:spcBef>
-              <a:spcAft>
-                <a:spcPts val="130"/>
-              </a:spcAft>
-              <a:buClrTx/>
-              <a:buSzTx/>
-            </a:pPr>
-            <a:r>
-              <a:rPr lang="en-US" b="1" dirty="0">
-                <a:latin typeface="Arial" panose="020B0604020202020204" pitchFamily="34" charset="0"/>
-                <a:cs typeface="Arial" panose="020B0604020202020204" pitchFamily="34" charset="0"/>
-              </a:rPr>
-              <a:t>Astro je </a:t>
-            </a:r>
-            <a:r>
-              <a:rPr lang="en-US" b="1" dirty="0" err="1">
-                <a:latin typeface="Arial" panose="020B0604020202020204" pitchFamily="34" charset="0"/>
-                <a:cs typeface="Arial" panose="020B0604020202020204" pitchFamily="34" charset="0"/>
-              </a:rPr>
-              <a:t>savršen</a:t>
-            </a:r>
-            <a:r>
-              <a:rPr lang="en-US" b="1" dirty="0">
-                <a:latin typeface="Arial" panose="020B0604020202020204" pitchFamily="34" charset="0"/>
-                <a:cs typeface="Arial" panose="020B0604020202020204" pitchFamily="34" charset="0"/>
-              </a:rPr>
-              <a:t> za </a:t>
-            </a:r>
-            <a:r>
-              <a:rPr lang="en-US" b="1" dirty="0" err="1">
-                <a:latin typeface="Arial" panose="020B0604020202020204" pitchFamily="34" charset="0"/>
-                <a:cs typeface="Arial" panose="020B0604020202020204" pitchFamily="34" charset="0"/>
-              </a:rPr>
-              <a:t>brze</a:t>
-            </a:r>
-            <a:r>
-              <a:rPr lang="en-US" b="1" dirty="0">
-                <a:latin typeface="Arial" panose="020B0604020202020204" pitchFamily="34" charset="0"/>
-                <a:cs typeface="Arial" panose="020B0604020202020204" pitchFamily="34" charset="0"/>
-              </a:rPr>
-              <a:t>, </a:t>
-            </a:r>
-            <a:r>
-              <a:rPr lang="en-US" b="1" dirty="0" err="1">
-                <a:latin typeface="Arial" panose="020B0604020202020204" pitchFamily="34" charset="0"/>
-                <a:cs typeface="Arial" panose="020B0604020202020204" pitchFamily="34" charset="0"/>
-              </a:rPr>
-              <a:t>moderne</a:t>
-            </a:r>
-            <a:r>
-              <a:rPr lang="en-US" b="1" dirty="0">
-                <a:latin typeface="Arial" panose="020B0604020202020204" pitchFamily="34" charset="0"/>
-                <a:cs typeface="Arial" panose="020B0604020202020204" pitchFamily="34" charset="0"/>
-              </a:rPr>
-              <a:t> </a:t>
-            </a:r>
-            <a:r>
-              <a:rPr lang="en-US" b="1" dirty="0" err="1">
-                <a:latin typeface="Arial" panose="020B0604020202020204" pitchFamily="34" charset="0"/>
-                <a:cs typeface="Arial" panose="020B0604020202020204" pitchFamily="34" charset="0"/>
-              </a:rPr>
-              <a:t>i</a:t>
-            </a:r>
-            <a:r>
-              <a:rPr lang="en-US" b="1" dirty="0">
-                <a:latin typeface="Arial" panose="020B0604020202020204" pitchFamily="34" charset="0"/>
-                <a:cs typeface="Arial" panose="020B0604020202020204" pitchFamily="34" charset="0"/>
-              </a:rPr>
-              <a:t> SEO-</a:t>
-            </a:r>
-            <a:r>
-              <a:rPr lang="en-US" b="1" dirty="0" err="1">
-                <a:latin typeface="Arial" panose="020B0604020202020204" pitchFamily="34" charset="0"/>
-                <a:cs typeface="Arial" panose="020B0604020202020204" pitchFamily="34" charset="0"/>
-              </a:rPr>
-              <a:t>optimizovane</a:t>
-            </a:r>
-            <a:r>
-              <a:rPr lang="en-US" b="1" dirty="0">
-                <a:latin typeface="Arial" panose="020B0604020202020204" pitchFamily="34" charset="0"/>
-                <a:cs typeface="Arial" panose="020B0604020202020204" pitchFamily="34" charset="0"/>
-              </a:rPr>
-              <a:t> </a:t>
-            </a:r>
-            <a:r>
-              <a:rPr lang="en-US" b="1" dirty="0" err="1">
-                <a:latin typeface="Arial" panose="020B0604020202020204" pitchFamily="34" charset="0"/>
-                <a:cs typeface="Arial" panose="020B0604020202020204" pitchFamily="34" charset="0"/>
-              </a:rPr>
-              <a:t>sajtove</a:t>
-            </a:r>
-            <a:endParaRPr lang="sr-Latn-RS" b="1" dirty="0">
-              <a:latin typeface="Arial" panose="020B0604020202020204" pitchFamily="34" charset="0"/>
-              <a:cs typeface="Arial" panose="020B0604020202020204" pitchFamily="34" charset="0"/>
-            </a:endParaRPr>
-          </a:p>
-          <a:p>
-            <a:pPr defTabSz="914400" eaLnBrk="0" fontAlgn="base" hangingPunct="0">
-              <a:spcBef>
-                <a:spcPts val="130"/>
-              </a:spcBef>
-              <a:spcAft>
-                <a:spcPts val="130"/>
-              </a:spcAft>
-              <a:buClrTx/>
-              <a:buSzTx/>
-            </a:pPr>
-            <a:r>
-              <a:rPr lang="en-US" dirty="0" err="1">
-                <a:latin typeface="Arial" panose="020B0604020202020204" pitchFamily="34" charset="0"/>
-                <a:cs typeface="Arial" panose="020B0604020202020204" pitchFamily="34" charset="0"/>
-              </a:rPr>
-              <a:t>Kombinovanjem</a:t>
-            </a:r>
-            <a:r>
-              <a:rPr lang="en-US" dirty="0">
-                <a:latin typeface="Arial" panose="020B0604020202020204" pitchFamily="34" charset="0"/>
-                <a:cs typeface="Arial" panose="020B0604020202020204" pitchFamily="34" charset="0"/>
-              </a:rPr>
-              <a:t> </a:t>
-            </a:r>
-            <a:r>
-              <a:rPr lang="en-US" dirty="0" err="1">
-                <a:latin typeface="Arial" panose="020B0604020202020204" pitchFamily="34" charset="0"/>
-                <a:cs typeface="Arial" panose="020B0604020202020204" pitchFamily="34" charset="0"/>
-              </a:rPr>
-              <a:t>statičkog</a:t>
-            </a:r>
-            <a:r>
-              <a:rPr lang="en-US" dirty="0">
-                <a:latin typeface="Arial" panose="020B0604020202020204" pitchFamily="34" charset="0"/>
-                <a:cs typeface="Arial" panose="020B0604020202020204" pitchFamily="34" charset="0"/>
-              </a:rPr>
-              <a:t> </a:t>
-            </a:r>
-            <a:r>
-              <a:rPr lang="en-US" dirty="0" err="1">
-                <a:latin typeface="Arial" panose="020B0604020202020204" pitchFamily="34" charset="0"/>
-                <a:cs typeface="Arial" panose="020B0604020202020204" pitchFamily="34" charset="0"/>
-              </a:rPr>
-              <a:t>sadržaja</a:t>
-            </a:r>
-            <a:r>
-              <a:rPr lang="en-US" dirty="0">
-                <a:latin typeface="Arial" panose="020B0604020202020204" pitchFamily="34" charset="0"/>
-                <a:cs typeface="Arial" panose="020B0604020202020204" pitchFamily="34" charset="0"/>
-              </a:rPr>
-              <a:t> </a:t>
-            </a:r>
-            <a:r>
-              <a:rPr lang="en-US" dirty="0" err="1">
-                <a:latin typeface="Arial" panose="020B0604020202020204" pitchFamily="34" charset="0"/>
-                <a:cs typeface="Arial" panose="020B0604020202020204" pitchFamily="34" charset="0"/>
-              </a:rPr>
-              <a:t>i</a:t>
-            </a:r>
-            <a:r>
-              <a:rPr lang="en-US" dirty="0">
-                <a:latin typeface="Arial" panose="020B0604020202020204" pitchFamily="34" charset="0"/>
-                <a:cs typeface="Arial" panose="020B0604020202020204" pitchFamily="34" charset="0"/>
-              </a:rPr>
-              <a:t> </a:t>
-            </a:r>
-            <a:r>
-              <a:rPr lang="en-US" dirty="0" err="1">
-                <a:latin typeface="Arial" panose="020B0604020202020204" pitchFamily="34" charset="0"/>
-                <a:cs typeface="Arial" panose="020B0604020202020204" pitchFamily="34" charset="0"/>
-              </a:rPr>
-              <a:t>dinamičkih</a:t>
-            </a:r>
-            <a:r>
-              <a:rPr lang="en-US" dirty="0">
-                <a:latin typeface="Arial" panose="020B0604020202020204" pitchFamily="34" charset="0"/>
-                <a:cs typeface="Arial" panose="020B0604020202020204" pitchFamily="34" charset="0"/>
-              </a:rPr>
-              <a:t> </a:t>
-            </a:r>
-            <a:r>
-              <a:rPr lang="en-US" dirty="0" err="1">
-                <a:latin typeface="Arial" panose="020B0604020202020204" pitchFamily="34" charset="0"/>
-                <a:cs typeface="Arial" panose="020B0604020202020204" pitchFamily="34" charset="0"/>
-              </a:rPr>
-              <a:t>komponenti</a:t>
-            </a:r>
-            <a:r>
-              <a:rPr lang="en-US" dirty="0">
-                <a:latin typeface="Arial" panose="020B0604020202020204" pitchFamily="34" charset="0"/>
-                <a:cs typeface="Arial" panose="020B0604020202020204" pitchFamily="34" charset="0"/>
-              </a:rPr>
-              <a:t> </a:t>
-            </a:r>
-            <a:r>
-              <a:rPr lang="en-US" dirty="0" err="1">
-                <a:latin typeface="Arial" panose="020B0604020202020204" pitchFamily="34" charset="0"/>
-                <a:cs typeface="Arial" panose="020B0604020202020204" pitchFamily="34" charset="0"/>
-              </a:rPr>
-              <a:t>omogućava</a:t>
-            </a:r>
-            <a:r>
-              <a:rPr lang="sr-Latn-RS" dirty="0">
-                <a:latin typeface="Arial" panose="020B0604020202020204" pitchFamily="34" charset="0"/>
-                <a:cs typeface="Arial" panose="020B0604020202020204" pitchFamily="34" charset="0"/>
-              </a:rPr>
-              <a:t> </a:t>
-            </a:r>
-            <a:r>
-              <a:rPr lang="en-US" dirty="0" err="1">
-                <a:latin typeface="Arial" panose="020B0604020202020204" pitchFamily="34" charset="0"/>
-                <a:cs typeface="Arial" panose="020B0604020202020204" pitchFamily="34" charset="0"/>
-              </a:rPr>
-              <a:t>maksimalne</a:t>
-            </a:r>
-            <a:r>
-              <a:rPr lang="en-US" dirty="0">
-                <a:latin typeface="Arial" panose="020B0604020202020204" pitchFamily="34" charset="0"/>
-                <a:cs typeface="Arial" panose="020B0604020202020204" pitchFamily="34" charset="0"/>
-              </a:rPr>
-              <a:t> performance</a:t>
-            </a:r>
-            <a:endParaRPr lang="sr-Latn-RS" dirty="0">
-              <a:latin typeface="Arial" panose="020B0604020202020204" pitchFamily="34" charset="0"/>
-              <a:cs typeface="Arial" panose="020B0604020202020204" pitchFamily="34" charset="0"/>
-            </a:endParaRPr>
-          </a:p>
-          <a:p>
-            <a:pPr defTabSz="914400" eaLnBrk="0" fontAlgn="base" hangingPunct="0">
-              <a:spcBef>
-                <a:spcPts val="130"/>
-              </a:spcBef>
-              <a:spcAft>
-                <a:spcPts val="130"/>
-              </a:spcAft>
-              <a:buClrTx/>
-              <a:buSzTx/>
-            </a:pPr>
-            <a:r>
-              <a:rPr lang="en-US" dirty="0" err="1">
-                <a:latin typeface="Arial" panose="020B0604020202020204" pitchFamily="34" charset="0"/>
-                <a:cs typeface="Arial" panose="020B0604020202020204" pitchFamily="34" charset="0"/>
-              </a:rPr>
-              <a:t>Projekat</a:t>
-            </a:r>
-            <a:r>
-              <a:rPr lang="en-US" dirty="0">
-                <a:latin typeface="Arial" panose="020B0604020202020204" pitchFamily="34" charset="0"/>
-                <a:cs typeface="Arial" panose="020B0604020202020204" pitchFamily="34" charset="0"/>
-              </a:rPr>
-              <a:t> je </a:t>
-            </a:r>
-            <a:r>
-              <a:rPr lang="en-US" dirty="0" err="1">
-                <a:latin typeface="Arial" panose="020B0604020202020204" pitchFamily="34" charset="0"/>
-                <a:cs typeface="Arial" panose="020B0604020202020204" pitchFamily="34" charset="0"/>
-              </a:rPr>
-              <a:t>pokazao</a:t>
-            </a:r>
-            <a:r>
-              <a:rPr lang="en-US" dirty="0">
-                <a:latin typeface="Arial" panose="020B0604020202020204" pitchFamily="34" charset="0"/>
-                <a:cs typeface="Arial" panose="020B0604020202020204" pitchFamily="34" charset="0"/>
-              </a:rPr>
-              <a:t> </a:t>
-            </a:r>
-            <a:r>
-              <a:rPr lang="en-US" b="1" dirty="0" err="1">
-                <a:latin typeface="Arial" panose="020B0604020202020204" pitchFamily="34" charset="0"/>
-                <a:cs typeface="Arial" panose="020B0604020202020204" pitchFamily="34" charset="0"/>
-              </a:rPr>
-              <a:t>efikasnu</a:t>
-            </a:r>
-            <a:r>
-              <a:rPr lang="en-US" b="1" dirty="0">
-                <a:latin typeface="Arial" panose="020B0604020202020204" pitchFamily="34" charset="0"/>
-                <a:cs typeface="Arial" panose="020B0604020202020204" pitchFamily="34" charset="0"/>
-              </a:rPr>
-              <a:t> </a:t>
-            </a:r>
-            <a:r>
-              <a:rPr lang="en-US" b="1" dirty="0" err="1">
-                <a:latin typeface="Arial" panose="020B0604020202020204" pitchFamily="34" charset="0"/>
-                <a:cs typeface="Arial" panose="020B0604020202020204" pitchFamily="34" charset="0"/>
-              </a:rPr>
-              <a:t>upotrebu</a:t>
-            </a:r>
-            <a:r>
-              <a:rPr lang="en-US" b="1" dirty="0">
-                <a:latin typeface="Arial" panose="020B0604020202020204" pitchFamily="34" charset="0"/>
-                <a:cs typeface="Arial" panose="020B0604020202020204" pitchFamily="34" charset="0"/>
-              </a:rPr>
-              <a:t> React </a:t>
-            </a:r>
-            <a:r>
-              <a:rPr lang="en-US" b="1" dirty="0" err="1">
-                <a:latin typeface="Arial" panose="020B0604020202020204" pitchFamily="34" charset="0"/>
-                <a:cs typeface="Arial" panose="020B0604020202020204" pitchFamily="34" charset="0"/>
-              </a:rPr>
-              <a:t>komponenti</a:t>
-            </a:r>
-            <a:r>
-              <a:rPr lang="en-US" b="1" dirty="0">
-                <a:latin typeface="Arial" panose="020B0604020202020204" pitchFamily="34" charset="0"/>
-                <a:cs typeface="Arial" panose="020B0604020202020204" pitchFamily="34" charset="0"/>
-              </a:rPr>
-              <a:t> </a:t>
-            </a:r>
-            <a:r>
-              <a:rPr lang="en-US" b="1" dirty="0" err="1">
-                <a:latin typeface="Arial" panose="020B0604020202020204" pitchFamily="34" charset="0"/>
-                <a:cs typeface="Arial" panose="020B0604020202020204" pitchFamily="34" charset="0"/>
-              </a:rPr>
-              <a:t>unutar</a:t>
-            </a:r>
-            <a:r>
-              <a:rPr lang="en-US" b="1" dirty="0">
-                <a:latin typeface="Arial" panose="020B0604020202020204" pitchFamily="34" charset="0"/>
-                <a:cs typeface="Arial" panose="020B0604020202020204" pitchFamily="34" charset="0"/>
-              </a:rPr>
-              <a:t> Astro </a:t>
-            </a:r>
-            <a:r>
-              <a:rPr lang="en-US" b="1" dirty="0" err="1">
-                <a:latin typeface="Arial" panose="020B0604020202020204" pitchFamily="34" charset="0"/>
-                <a:cs typeface="Arial" panose="020B0604020202020204" pitchFamily="34" charset="0"/>
-              </a:rPr>
-              <a:t>okruženja</a:t>
-            </a:r>
-            <a:endParaRPr lang="sr-Latn-RS" b="1" dirty="0">
-              <a:latin typeface="Arial" panose="020B0604020202020204" pitchFamily="34" charset="0"/>
-              <a:cs typeface="Arial" panose="020B0604020202020204" pitchFamily="34" charset="0"/>
-            </a:endParaRPr>
-          </a:p>
-          <a:p>
-            <a:pPr defTabSz="914400" eaLnBrk="0" fontAlgn="base" hangingPunct="0">
-              <a:spcBef>
-                <a:spcPts val="130"/>
-              </a:spcBef>
-              <a:spcAft>
-                <a:spcPts val="130"/>
-              </a:spcAft>
-              <a:buClrTx/>
-              <a:buSzTx/>
-            </a:pPr>
-            <a:r>
-              <a:rPr lang="en-US" dirty="0" err="1">
-                <a:latin typeface="Arial" panose="020B0604020202020204" pitchFamily="34" charset="0"/>
-                <a:cs typeface="Arial" panose="020B0604020202020204" pitchFamily="34" charset="0"/>
-              </a:rPr>
-              <a:t>Primenjene</a:t>
-            </a:r>
-            <a:r>
-              <a:rPr lang="en-US" dirty="0">
-                <a:latin typeface="Arial" panose="020B0604020202020204" pitchFamily="34" charset="0"/>
-                <a:cs typeface="Arial" panose="020B0604020202020204" pitchFamily="34" charset="0"/>
-              </a:rPr>
-              <a:t> </a:t>
-            </a:r>
-            <a:r>
-              <a:rPr lang="en-US" dirty="0" err="1">
-                <a:latin typeface="Arial" panose="020B0604020202020204" pitchFamily="34" charset="0"/>
-                <a:cs typeface="Arial" panose="020B0604020202020204" pitchFamily="34" charset="0"/>
-              </a:rPr>
-              <a:t>su</a:t>
-            </a:r>
-            <a:r>
-              <a:rPr lang="en-US" dirty="0">
-                <a:latin typeface="Arial" panose="020B0604020202020204" pitchFamily="34" charset="0"/>
-                <a:cs typeface="Arial" panose="020B0604020202020204" pitchFamily="34" charset="0"/>
-              </a:rPr>
-              <a:t> </a:t>
-            </a:r>
-            <a:r>
-              <a:rPr lang="en-US" dirty="0" err="1">
-                <a:latin typeface="Arial" panose="020B0604020202020204" pitchFamily="34" charset="0"/>
-                <a:cs typeface="Arial" panose="020B0604020202020204" pitchFamily="34" charset="0"/>
-              </a:rPr>
-              <a:t>dobre</a:t>
-            </a:r>
-            <a:r>
-              <a:rPr lang="en-US" dirty="0">
-                <a:latin typeface="Arial" panose="020B0604020202020204" pitchFamily="34" charset="0"/>
-                <a:cs typeface="Arial" panose="020B0604020202020204" pitchFamily="34" charset="0"/>
-              </a:rPr>
-              <a:t> </a:t>
-            </a:r>
-            <a:r>
-              <a:rPr lang="en-US" dirty="0" err="1">
-                <a:latin typeface="Arial" panose="020B0604020202020204" pitchFamily="34" charset="0"/>
-                <a:cs typeface="Arial" panose="020B0604020202020204" pitchFamily="34" charset="0"/>
-              </a:rPr>
-              <a:t>prakse</a:t>
-            </a:r>
-            <a:r>
-              <a:rPr lang="en-US" dirty="0">
-                <a:latin typeface="Arial" panose="020B0604020202020204" pitchFamily="34" charset="0"/>
-                <a:cs typeface="Arial" panose="020B0604020202020204" pitchFamily="34" charset="0"/>
-              </a:rPr>
-              <a:t> –</a:t>
-            </a:r>
-            <a:r>
-              <a:rPr lang="sr-Latn-RS" dirty="0">
-                <a:latin typeface="Arial" panose="020B0604020202020204" pitchFamily="34" charset="0"/>
-                <a:cs typeface="Arial" panose="020B0604020202020204" pitchFamily="34" charset="0"/>
-              </a:rPr>
-              <a:t> </a:t>
-            </a:r>
-            <a:r>
-              <a:rPr lang="en-US" dirty="0">
-                <a:latin typeface="Arial" panose="020B0604020202020204" pitchFamily="34" charset="0"/>
-                <a:cs typeface="Arial" panose="020B0604020202020204" pitchFamily="34" charset="0"/>
-              </a:rPr>
-              <a:t>reusable </a:t>
-            </a:r>
-            <a:r>
-              <a:rPr lang="en-US" dirty="0" err="1">
-                <a:latin typeface="Arial" panose="020B0604020202020204" pitchFamily="34" charset="0"/>
-                <a:cs typeface="Arial" panose="020B0604020202020204" pitchFamily="34" charset="0"/>
-              </a:rPr>
-              <a:t>komponente</a:t>
-            </a:r>
-            <a:r>
-              <a:rPr lang="en-US" dirty="0">
-                <a:latin typeface="Arial" panose="020B0604020202020204" pitchFamily="34" charset="0"/>
-                <a:cs typeface="Arial" panose="020B0604020202020204" pitchFamily="34" charset="0"/>
-              </a:rPr>
-              <a:t>, </a:t>
-            </a:r>
-            <a:r>
-              <a:rPr lang="en-US" dirty="0" err="1">
-                <a:latin typeface="Arial" panose="020B0604020202020204" pitchFamily="34" charset="0"/>
-                <a:cs typeface="Arial" panose="020B0604020202020204" pitchFamily="34" charset="0"/>
-              </a:rPr>
-              <a:t>lokalna</a:t>
-            </a:r>
-            <a:r>
-              <a:rPr lang="en-US" dirty="0">
-                <a:latin typeface="Arial" panose="020B0604020202020204" pitchFamily="34" charset="0"/>
-                <a:cs typeface="Arial" panose="020B0604020202020204" pitchFamily="34" charset="0"/>
-              </a:rPr>
-              <a:t> </a:t>
-            </a:r>
-            <a:r>
-              <a:rPr lang="en-US" dirty="0" err="1">
-                <a:latin typeface="Arial" panose="020B0604020202020204" pitchFamily="34" charset="0"/>
-                <a:cs typeface="Arial" panose="020B0604020202020204" pitchFamily="34" charset="0"/>
-              </a:rPr>
-              <a:t>korpa</a:t>
-            </a:r>
-            <a:endParaRPr lang="sr-Latn-RS" dirty="0">
-              <a:latin typeface="Arial" panose="020B0604020202020204" pitchFamily="34" charset="0"/>
-              <a:cs typeface="Arial" panose="020B0604020202020204" pitchFamily="34" charset="0"/>
-            </a:endParaRPr>
-          </a:p>
-          <a:p>
-            <a:pPr defTabSz="914400" eaLnBrk="0" fontAlgn="base" hangingPunct="0">
-              <a:spcBef>
-                <a:spcPts val="130"/>
-              </a:spcBef>
-              <a:spcAft>
-                <a:spcPts val="130"/>
-              </a:spcAft>
-              <a:buClrTx/>
-              <a:buSzTx/>
-            </a:pPr>
-            <a:r>
-              <a:rPr lang="en-US" dirty="0" err="1">
-                <a:latin typeface="Arial" panose="020B0604020202020204" pitchFamily="34" charset="0"/>
-                <a:cs typeface="Arial" panose="020B0604020202020204" pitchFamily="34" charset="0"/>
-              </a:rPr>
-              <a:t>Ovaj</a:t>
-            </a:r>
-            <a:r>
-              <a:rPr lang="en-US" dirty="0">
-                <a:latin typeface="Arial" panose="020B0604020202020204" pitchFamily="34" charset="0"/>
-                <a:cs typeface="Arial" panose="020B0604020202020204" pitchFamily="34" charset="0"/>
-              </a:rPr>
-              <a:t> </a:t>
-            </a:r>
-            <a:r>
-              <a:rPr lang="en-US" dirty="0" err="1">
-                <a:latin typeface="Arial" panose="020B0604020202020204" pitchFamily="34" charset="0"/>
-                <a:cs typeface="Arial" panose="020B0604020202020204" pitchFamily="34" charset="0"/>
-              </a:rPr>
-              <a:t>pristup</a:t>
-            </a:r>
-            <a:r>
-              <a:rPr lang="en-US" dirty="0">
-                <a:latin typeface="Arial" panose="020B0604020202020204" pitchFamily="34" charset="0"/>
-                <a:cs typeface="Arial" panose="020B0604020202020204" pitchFamily="34" charset="0"/>
-              </a:rPr>
-              <a:t> </a:t>
-            </a:r>
-            <a:r>
-              <a:rPr lang="en-US" dirty="0" err="1">
-                <a:latin typeface="Arial" panose="020B0604020202020204" pitchFamily="34" charset="0"/>
-                <a:cs typeface="Arial" panose="020B0604020202020204" pitchFamily="34" charset="0"/>
-              </a:rPr>
-              <a:t>omogućava</a:t>
-            </a:r>
-            <a:r>
-              <a:rPr lang="en-US" dirty="0">
-                <a:latin typeface="Arial" panose="020B0604020202020204" pitchFamily="34" charset="0"/>
-                <a:cs typeface="Arial" panose="020B0604020202020204" pitchFamily="34" charset="0"/>
-              </a:rPr>
-              <a:t> </a:t>
-            </a:r>
-            <a:r>
-              <a:rPr lang="en-US" b="1" dirty="0" err="1">
-                <a:latin typeface="Arial" panose="020B0604020202020204" pitchFamily="34" charset="0"/>
-                <a:cs typeface="Arial" panose="020B0604020202020204" pitchFamily="34" charset="0"/>
-              </a:rPr>
-              <a:t>brz</a:t>
-            </a:r>
-            <a:r>
-              <a:rPr lang="en-US" b="1" dirty="0">
-                <a:latin typeface="Arial" panose="020B0604020202020204" pitchFamily="34" charset="0"/>
-                <a:cs typeface="Arial" panose="020B0604020202020204" pitchFamily="34" charset="0"/>
-              </a:rPr>
-              <a:t> </a:t>
-            </a:r>
-            <a:r>
-              <a:rPr lang="en-US" b="1" dirty="0" err="1">
-                <a:latin typeface="Arial" panose="020B0604020202020204" pitchFamily="34" charset="0"/>
-                <a:cs typeface="Arial" panose="020B0604020202020204" pitchFamily="34" charset="0"/>
-              </a:rPr>
-              <a:t>razvoj</a:t>
-            </a:r>
-            <a:r>
-              <a:rPr lang="en-US" dirty="0">
-                <a:latin typeface="Arial" panose="020B0604020202020204" pitchFamily="34" charset="0"/>
-                <a:cs typeface="Arial" panose="020B0604020202020204" pitchFamily="34" charset="0"/>
-              </a:rPr>
-              <a:t>, </a:t>
-            </a:r>
-            <a:r>
-              <a:rPr lang="en-US" dirty="0" err="1">
-                <a:latin typeface="Arial" panose="020B0604020202020204" pitchFamily="34" charset="0"/>
-                <a:cs typeface="Arial" panose="020B0604020202020204" pitchFamily="34" charset="0"/>
-              </a:rPr>
-              <a:t>lakšu</a:t>
-            </a:r>
-            <a:r>
-              <a:rPr lang="en-US" dirty="0">
-                <a:latin typeface="Arial" panose="020B0604020202020204" pitchFamily="34" charset="0"/>
-                <a:cs typeface="Arial" panose="020B0604020202020204" pitchFamily="34" charset="0"/>
-              </a:rPr>
-              <a:t> </a:t>
-            </a:r>
-            <a:r>
-              <a:rPr lang="en-US" dirty="0" err="1">
-                <a:latin typeface="Arial" panose="020B0604020202020204" pitchFamily="34" charset="0"/>
-                <a:cs typeface="Arial" panose="020B0604020202020204" pitchFamily="34" charset="0"/>
-              </a:rPr>
-              <a:t>organizaciju</a:t>
-            </a:r>
-            <a:r>
-              <a:rPr lang="en-US" dirty="0">
-                <a:latin typeface="Arial" panose="020B0604020202020204" pitchFamily="34" charset="0"/>
-                <a:cs typeface="Arial" panose="020B0604020202020204" pitchFamily="34" charset="0"/>
-              </a:rPr>
-              <a:t> </a:t>
-            </a:r>
-            <a:r>
-              <a:rPr lang="en-US" dirty="0" err="1">
-                <a:latin typeface="Arial" panose="020B0604020202020204" pitchFamily="34" charset="0"/>
-                <a:cs typeface="Arial" panose="020B0604020202020204" pitchFamily="34" charset="0"/>
-              </a:rPr>
-              <a:t>i</a:t>
-            </a:r>
-            <a:r>
-              <a:rPr lang="en-US" dirty="0">
-                <a:latin typeface="Arial" panose="020B0604020202020204" pitchFamily="34" charset="0"/>
-                <a:cs typeface="Arial" panose="020B0604020202020204" pitchFamily="34" charset="0"/>
-              </a:rPr>
-              <a:t> </a:t>
-            </a:r>
-            <a:r>
-              <a:rPr lang="en-US" dirty="0" err="1">
-                <a:latin typeface="Arial" panose="020B0604020202020204" pitchFamily="34" charset="0"/>
-                <a:cs typeface="Arial" panose="020B0604020202020204" pitchFamily="34" charset="0"/>
-              </a:rPr>
-              <a:t>odličan</a:t>
-            </a:r>
-            <a:r>
-              <a:rPr lang="en-US" dirty="0">
-                <a:latin typeface="Arial" panose="020B0604020202020204" pitchFamily="34" charset="0"/>
-                <a:cs typeface="Arial" panose="020B0604020202020204" pitchFamily="34" charset="0"/>
-              </a:rPr>
-              <a:t> </a:t>
-            </a:r>
-            <a:r>
-              <a:rPr lang="en-US" dirty="0" err="1">
-                <a:latin typeface="Arial" panose="020B0604020202020204" pitchFamily="34" charset="0"/>
-                <a:cs typeface="Arial" panose="020B0604020202020204" pitchFamily="34" charset="0"/>
-              </a:rPr>
-              <a:t>korisnički</a:t>
-            </a:r>
-            <a:r>
-              <a:rPr lang="en-US" dirty="0">
-                <a:latin typeface="Arial" panose="020B0604020202020204" pitchFamily="34" charset="0"/>
-                <a:cs typeface="Arial" panose="020B0604020202020204" pitchFamily="34" charset="0"/>
-              </a:rPr>
-              <a:t> </a:t>
-            </a:r>
-            <a:r>
-              <a:rPr lang="en-US" dirty="0" err="1">
-                <a:latin typeface="Arial" panose="020B0604020202020204" pitchFamily="34" charset="0"/>
-                <a:cs typeface="Arial" panose="020B0604020202020204" pitchFamily="34" charset="0"/>
-              </a:rPr>
-              <a:t>doživljaj</a:t>
-            </a:r>
-            <a:endParaRPr kumimoji="0" lang="en-US" altLang="en-US" b="0" i="0" u="none" strike="noStrike" cap="none" normalizeH="0" baseline="0" dirty="0">
-              <a:ln>
-                <a:noFill/>
-              </a:ln>
-              <a:solidFill>
-                <a:schemeClr val="tx1"/>
-              </a:solidFill>
-              <a:effectLst/>
-              <a:latin typeface="Arial" panose="020B0604020202020204" pitchFamily="34" charset="0"/>
-              <a:cs typeface="Arial" panose="020B0604020202020204" pitchFamily="34" charset="0"/>
-            </a:endParaRPr>
-          </a:p>
-        </p:txBody>
-      </p:sp>
+      </p:pic>
+      <p:pic>
+        <p:nvPicPr>
+          <p:cNvPr id="7" name="Picture 6">
+            <a:extLst>
+              <a:ext uri="{FF2B5EF4-FFF2-40B4-BE49-F238E27FC236}">
+                <a16:creationId xmlns:a16="http://schemas.microsoft.com/office/drawing/2014/main" id="{E5E93F84-2684-4765-8FEB-EF81900DBFDC}"/>
+              </a:ext>
+            </a:extLst>
+          </p:cNvPr>
+          <p:cNvPicPr>
+            <a:picLocks noChangeAspect="1"/>
+          </p:cNvPicPr>
+          <p:nvPr/>
+        </p:nvPicPr>
+        <p:blipFill>
+          <a:blip r:embed="rId3" cstate="print">
+            <a:extLst>
+              <a:ext uri="{28A0092B-C50C-407E-A947-70E740481C1C}">
+                <a14:useLocalDpi xmlns:a14="http://schemas.microsoft.com/office/drawing/2010/main" val="0"/>
+              </a:ext>
+            </a:extLst>
+          </a:blip>
+          <a:stretch>
+            <a:fillRect/>
+          </a:stretch>
+        </p:blipFill>
+        <p:spPr>
+          <a:xfrm>
+            <a:off x="7235301" y="4860524"/>
+            <a:ext cx="3586578" cy="1638244"/>
+          </a:xfrm>
+          <a:prstGeom prst="roundRect">
+            <a:avLst>
+              <a:gd name="adj" fmla="val 8594"/>
+            </a:avLst>
+          </a:prstGeom>
+          <a:solidFill>
+            <a:srgbClr val="FFFFFF">
+              <a:shade val="85000"/>
+            </a:srgbClr>
+          </a:solidFill>
+          <a:ln>
+            <a:noFill/>
+          </a:ln>
+          <a:effectLst>
+            <a:reflection blurRad="12700" stA="38000" endPos="28000" dist="5000" dir="5400000" sy="-100000" algn="bl" rotWithShape="0"/>
+          </a:effectLst>
+        </p:spPr>
+      </p:pic>
     </p:spTree>
-    <p:extLst>
-      <p:ext uri="{BB962C8B-B14F-4D97-AF65-F5344CB8AC3E}">
-        <p14:creationId xmlns:p14="http://schemas.microsoft.com/office/powerpoint/2010/main" val="3090741524"/>
-      </p:ext>
-    </p:extLst>
   </p:cSld>
   <p:clrMapOvr>
     <a:masterClrMapping/>
@@ -12399,7 +12135,7 @@
           <p:cNvPr id="2" name="Title 1">
             <a:extLst>
               <a:ext uri="{FF2B5EF4-FFF2-40B4-BE49-F238E27FC236}">
-                <a16:creationId xmlns:a16="http://schemas.microsoft.com/office/drawing/2014/main" id="{25AF122D-C689-4EB3-8B44-A0DBAA330D8A}"/>
+                <a16:creationId xmlns:a16="http://schemas.microsoft.com/office/drawing/2014/main" id="{2B2C08E5-EBBC-4663-AF4D-A063751D53B7}"/>
               </a:ext>
             </a:extLst>
           </p:cNvPr>
@@ -12412,8 +12148,8 @@
         </p:nvSpPr>
         <p:spPr>
           <a:xfrm>
-            <a:off x="1484309" y="2226816"/>
-            <a:ext cx="10018713" cy="1752599"/>
+            <a:off x="1484310" y="541572"/>
+            <a:ext cx="10018713" cy="654728"/>
           </a:xfrm>
         </p:spPr>
         <p:txBody>
@@ -12423,72 +12159,1022 @@
           <a:lstStyle/>
           <a:p>
             <a:r>
-              <a:rPr lang="en-US" sz="4800" b="1" i="1" dirty="0" err="1"/>
-              <a:t>Hvala</a:t>
-            </a:r>
-            <a:r>
-              <a:rPr lang="en-US" sz="4800" b="1" i="1" dirty="0"/>
+              <a:rPr lang="en-US" sz="3600" b="1" i="1" dirty="0" err="1"/>
+              <a:t>Kodovi</a:t>
+            </a:r>
+            <a:r>
+              <a:rPr lang="en-US" sz="3600" b="1" i="1" dirty="0"/>
               <a:t> </a:t>
             </a:r>
             <a:r>
-              <a:rPr lang="en-US" sz="4800" b="1" i="1" dirty="0" err="1"/>
-              <a:t>na</a:t>
-            </a:r>
-            <a:r>
-              <a:rPr lang="en-US" sz="4800" b="1" i="1" dirty="0"/>
+              <a:rPr lang="en-US" sz="3600" b="1" i="1" dirty="0" err="1"/>
+              <a:t>kao</a:t>
+            </a:r>
+            <a:r>
+              <a:rPr lang="en-US" sz="3600" b="1" i="1" dirty="0"/>
               <a:t> </a:t>
             </a:r>
             <a:r>
-              <a:rPr lang="en-US" sz="4800" b="1" i="1" dirty="0" err="1"/>
-              <a:t>pažnji</a:t>
-            </a:r>
-            <a:r>
-              <a:rPr lang="en-US" sz="4800" b="1" i="1" dirty="0"/>
-              <a:t>!</a:t>
-            </a:r>
+              <a:rPr lang="en-US" sz="3600" b="1" i="1" dirty="0" err="1"/>
+              <a:t>primeri</a:t>
+            </a:r>
+            <a:endParaRPr lang="en-US" sz="3600" i="1" dirty="0"/>
           </a:p>
         </p:txBody>
       </p:sp>
       <p:sp>
         <p:nvSpPr>
-          <p:cNvPr id="3" name="Content Placeholder 2">
+          <p:cNvPr id="4" name="Rectangle 1">
             <a:extLst>
               <a:ext uri="{FF2B5EF4-FFF2-40B4-BE49-F238E27FC236}">
-                <a16:creationId xmlns:a16="http://schemas.microsoft.com/office/drawing/2014/main" id="{F814E139-4DE4-40A4-A2C2-92CAB6969939}"/>
+                <a16:creationId xmlns:a16="http://schemas.microsoft.com/office/drawing/2014/main" id="{7257EA15-CD09-4249-8939-555A4514B8D1}"/>
               </a:ext>
             </a:extLst>
           </p:cNvPr>
           <p:cNvSpPr>
-            <a:spLocks noGrp="1"/>
+            <a:spLocks noGrp="1" noChangeArrowheads="1"/>
           </p:cNvSpPr>
           <p:nvPr>
             <p:ph idx="1"/>
           </p:nvPr>
         </p:nvSpPr>
+        <p:spPr bwMode="auto">
+          <a:xfrm>
+            <a:off x="1484310" y="1669002"/>
+            <a:ext cx="3754735" cy="4647426"/>
+          </a:xfrm>
+          <a:prstGeom prst="rect">
+            <a:avLst/>
+          </a:prstGeom>
+          <a:noFill/>
+          <a:ln>
+            <a:noFill/>
+          </a:ln>
+          <a:effectLst/>
+          <a:extLst>
+            <a:ext uri="{909E8E84-426E-40DD-AFC4-6F175D3DCCD1}">
+              <a14:hiddenFill xmlns:a14="http://schemas.microsoft.com/office/drawing/2010/main">
+                <a:solidFill>
+                  <a:schemeClr val="accent1"/>
+                </a:solidFill>
+              </a14:hiddenFill>
+            </a:ext>
+            <a:ext uri="{91240B29-F687-4F45-9708-019B960494DF}">
+              <a14:hiddenLine xmlns:a14="http://schemas.microsoft.com/office/drawing/2010/main" w="9525">
+                <a:solidFill>
+                  <a:schemeClr val="tx1"/>
+                </a:solidFill>
+                <a:miter lim="800000"/>
+                <a:headEnd/>
+                <a:tailEnd/>
+              </a14:hiddenLine>
+            </a:ext>
+            <a:ext uri="{AF507438-7753-43E0-B8FC-AC1667EBCBE1}">
+              <a14:hiddenEffects xmlns:a14="http://schemas.microsoft.com/office/drawing/2010/main">
+                <a:effectLst>
+                  <a:outerShdw dist="35921" dir="2700000" algn="ctr" rotWithShape="0">
+                    <a:schemeClr val="bg2"/>
+                  </a:outerShdw>
+                </a:effectLst>
+              </a14:hiddenEffects>
+            </a:ext>
+          </a:extLst>
+        </p:spPr>
+        <p:txBody>
+          <a:bodyPr vert="horz" wrap="square" lIns="91440" tIns="45720" rIns="91440" bIns="45720" numCol="1" anchor="ctr" anchorCtr="0" compatLnSpc="1">
+            <a:prstTxWarp prst="textNoShape">
+              <a:avLst/>
+            </a:prstTxWarp>
+            <a:spAutoFit/>
+          </a:bodyPr>
+          <a:lstStyle/>
+          <a:p>
+            <a:pPr marL="0" marR="0" lvl="0" indent="0" algn="l" defTabSz="914400" rtl="0" eaLnBrk="0" fontAlgn="base" latinLnBrk="0" hangingPunct="0">
+              <a:lnSpc>
+                <a:spcPct val="100000"/>
+              </a:lnSpc>
+              <a:spcBef>
+                <a:spcPct val="0"/>
+              </a:spcBef>
+              <a:spcAft>
+                <a:spcPct val="0"/>
+              </a:spcAft>
+              <a:buClrTx/>
+              <a:buSzTx/>
+              <a:buFontTx/>
+              <a:buNone/>
+              <a:tabLst/>
+            </a:pPr>
+            <a:r>
+              <a:rPr kumimoji="0" lang="en-US" altLang="en-US" i="0" u="none" strike="noStrike" cap="none" normalizeH="0" baseline="0" dirty="0">
+                <a:ln>
+                  <a:noFill/>
+                </a:ln>
+                <a:solidFill>
+                  <a:schemeClr val="tx1"/>
+                </a:solidFill>
+                <a:effectLst/>
+                <a:latin typeface="Arial" panose="020B0604020202020204" pitchFamily="34" charset="0"/>
+                <a:cs typeface="Arial" panose="020B0604020202020204" pitchFamily="34" charset="0"/>
+              </a:rPr>
+              <a:t>U </a:t>
+            </a:r>
+            <a:r>
+              <a:rPr kumimoji="0" lang="en-US" altLang="en-US" i="0" u="none" strike="noStrike" cap="none" normalizeH="0" baseline="0" dirty="0" err="1">
+                <a:ln>
+                  <a:noFill/>
+                </a:ln>
+                <a:solidFill>
+                  <a:schemeClr val="tx1"/>
+                </a:solidFill>
+                <a:effectLst/>
+                <a:latin typeface="Arial" panose="020B0604020202020204" pitchFamily="34" charset="0"/>
+                <a:cs typeface="Arial" panose="020B0604020202020204" pitchFamily="34" charset="0"/>
+              </a:rPr>
+              <a:t>index.astro</a:t>
+            </a:r>
+            <a:r>
+              <a:rPr kumimoji="0" lang="en-US" altLang="en-US" i="0" u="none" strike="noStrike" cap="none" normalizeH="0" baseline="0" dirty="0">
+                <a:ln>
+                  <a:noFill/>
+                </a:ln>
+                <a:solidFill>
+                  <a:schemeClr val="tx1"/>
+                </a:solidFill>
+                <a:effectLst/>
+                <a:latin typeface="Arial" panose="020B0604020202020204" pitchFamily="34" charset="0"/>
+                <a:cs typeface="Arial" panose="020B0604020202020204" pitchFamily="34" charset="0"/>
+              </a:rPr>
+              <a:t>:</a:t>
+            </a:r>
+            <a:endParaRPr kumimoji="0" lang="sr-Latn-RS" altLang="en-US" i="0" u="none" strike="noStrike" cap="none" normalizeH="0" baseline="0" dirty="0">
+              <a:ln>
+                <a:noFill/>
+              </a:ln>
+              <a:solidFill>
+                <a:schemeClr val="tx1"/>
+              </a:solidFill>
+              <a:effectLst/>
+              <a:latin typeface="Arial" panose="020B0604020202020204" pitchFamily="34" charset="0"/>
+              <a:cs typeface="Arial" panose="020B0604020202020204" pitchFamily="34" charset="0"/>
+            </a:endParaRPr>
+          </a:p>
+          <a:p>
+            <a:pPr marL="0" marR="0" lvl="0" indent="0" algn="l" defTabSz="914400" rtl="0" eaLnBrk="0" fontAlgn="base" latinLnBrk="0" hangingPunct="0">
+              <a:lnSpc>
+                <a:spcPct val="100000"/>
+              </a:lnSpc>
+              <a:spcBef>
+                <a:spcPct val="0"/>
+              </a:spcBef>
+              <a:spcAft>
+                <a:spcPct val="0"/>
+              </a:spcAft>
+              <a:buClrTx/>
+              <a:buSzTx/>
+              <a:buFontTx/>
+              <a:buNone/>
+              <a:tabLst/>
+            </a:pPr>
+            <a:r>
+              <a:rPr kumimoji="0" lang="en-US" altLang="en-US" sz="2000" b="0" i="0" u="none" strike="noStrike" cap="none" normalizeH="0" baseline="0" dirty="0">
+                <a:ln>
+                  <a:noFill/>
+                </a:ln>
+                <a:solidFill>
+                  <a:schemeClr val="tx1"/>
+                </a:solidFill>
+                <a:effectLst/>
+              </a:rPr>
+              <a:t>&lt;</a:t>
+            </a:r>
+            <a:r>
+              <a:rPr kumimoji="0" lang="en-US" altLang="en-US" sz="2000" b="0" i="0" u="none" strike="noStrike" cap="none" normalizeH="0" baseline="0" dirty="0" err="1">
+                <a:ln>
+                  <a:noFill/>
+                </a:ln>
+                <a:solidFill>
+                  <a:schemeClr val="tx1"/>
+                </a:solidFill>
+                <a:effectLst/>
+              </a:rPr>
+              <a:t>DefaultLayout</a:t>
+            </a:r>
+            <a:r>
+              <a:rPr kumimoji="0" lang="en-US" altLang="en-US" sz="2000" b="0" i="0" u="none" strike="noStrike" cap="none" normalizeH="0" baseline="0" dirty="0">
+                <a:ln>
+                  <a:noFill/>
+                </a:ln>
+                <a:solidFill>
+                  <a:schemeClr val="tx1"/>
+                </a:solidFill>
+                <a:effectLst/>
+              </a:rPr>
+              <a:t>&gt;</a:t>
+            </a:r>
+          </a:p>
+          <a:p>
+            <a:pPr marL="0" marR="0" lvl="0" indent="0" algn="l" defTabSz="914400" rtl="0" eaLnBrk="0" fontAlgn="base" latinLnBrk="0" hangingPunct="0">
+              <a:lnSpc>
+                <a:spcPct val="100000"/>
+              </a:lnSpc>
+              <a:spcBef>
+                <a:spcPct val="0"/>
+              </a:spcBef>
+              <a:spcAft>
+                <a:spcPct val="0"/>
+              </a:spcAft>
+              <a:buClrTx/>
+              <a:buSzTx/>
+              <a:buFontTx/>
+              <a:buNone/>
+              <a:tabLst/>
+            </a:pPr>
+            <a:r>
+              <a:rPr kumimoji="0" lang="en-US" altLang="en-US" sz="2000" b="0" i="0" u="none" strike="noStrike" cap="none" normalizeH="0" baseline="0" dirty="0">
+                <a:ln>
+                  <a:noFill/>
+                </a:ln>
+                <a:solidFill>
+                  <a:schemeClr val="tx1"/>
+                </a:solidFill>
+                <a:effectLst/>
+              </a:rPr>
+              <a:t>  &lt;App </a:t>
+            </a:r>
+            <a:r>
+              <a:rPr kumimoji="0" lang="en-US" altLang="en-US" sz="2000" b="0" i="0" u="none" strike="noStrike" cap="none" normalizeH="0" baseline="0" dirty="0" err="1">
+                <a:ln>
+                  <a:noFill/>
+                </a:ln>
+                <a:solidFill>
+                  <a:schemeClr val="tx1"/>
+                </a:solidFill>
+                <a:effectLst/>
+              </a:rPr>
+              <a:t>client:load</a:t>
+            </a:r>
+            <a:r>
+              <a:rPr kumimoji="0" lang="en-US" altLang="en-US" sz="2000" b="0" i="0" u="none" strike="noStrike" cap="none" normalizeH="0" baseline="0" dirty="0">
+                <a:ln>
+                  <a:noFill/>
+                </a:ln>
+                <a:solidFill>
+                  <a:schemeClr val="tx1"/>
+                </a:solidFill>
+                <a:effectLst/>
+              </a:rPr>
+              <a:t> /&gt;</a:t>
+            </a:r>
+          </a:p>
+          <a:p>
+            <a:pPr marL="0" marR="0" lvl="0" indent="0" algn="l" defTabSz="914400" rtl="0" eaLnBrk="0" fontAlgn="base" latinLnBrk="0" hangingPunct="0">
+              <a:lnSpc>
+                <a:spcPct val="100000"/>
+              </a:lnSpc>
+              <a:spcBef>
+                <a:spcPct val="0"/>
+              </a:spcBef>
+              <a:spcAft>
+                <a:spcPct val="0"/>
+              </a:spcAft>
+              <a:buClrTx/>
+              <a:buSzTx/>
+              <a:buFontTx/>
+              <a:buNone/>
+              <a:tabLst/>
+            </a:pPr>
+            <a:r>
+              <a:rPr kumimoji="0" lang="en-US" altLang="en-US" sz="2000" b="0" i="0" u="none" strike="noStrike" cap="none" normalizeH="0" baseline="0" dirty="0">
+                <a:ln>
+                  <a:noFill/>
+                </a:ln>
+                <a:solidFill>
+                  <a:schemeClr val="tx1"/>
+                </a:solidFill>
+                <a:effectLst/>
+              </a:rPr>
+              <a:t>&lt;/</a:t>
+            </a:r>
+            <a:r>
+              <a:rPr kumimoji="0" lang="en-US" altLang="en-US" sz="2000" b="0" i="0" u="none" strike="noStrike" cap="none" normalizeH="0" baseline="0" dirty="0" err="1">
+                <a:ln>
+                  <a:noFill/>
+                </a:ln>
+                <a:solidFill>
+                  <a:schemeClr val="tx1"/>
+                </a:solidFill>
+                <a:effectLst/>
+              </a:rPr>
+              <a:t>DefaultLayout</a:t>
+            </a:r>
+            <a:r>
+              <a:rPr kumimoji="0" lang="en-US" altLang="en-US" sz="2000" b="0" i="0" u="none" strike="noStrike" cap="none" normalizeH="0" baseline="0" dirty="0">
+                <a:ln>
+                  <a:noFill/>
+                </a:ln>
+                <a:solidFill>
+                  <a:schemeClr val="tx1"/>
+                </a:solidFill>
+                <a:effectLst/>
+              </a:rPr>
+              <a:t>&gt;</a:t>
+            </a:r>
+            <a:endParaRPr kumimoji="0" lang="sr-Latn-RS" altLang="en-US" sz="2000" b="0" i="0" u="none" strike="noStrike" cap="none" normalizeH="0" baseline="0" dirty="0">
+              <a:ln>
+                <a:noFill/>
+              </a:ln>
+              <a:solidFill>
+                <a:schemeClr val="tx1"/>
+              </a:solidFill>
+              <a:effectLst/>
+            </a:endParaRPr>
+          </a:p>
+          <a:p>
+            <a:pPr marL="0" marR="0" lvl="0" indent="0" algn="l" defTabSz="914400" rtl="0" eaLnBrk="0" fontAlgn="base" latinLnBrk="0" hangingPunct="0">
+              <a:lnSpc>
+                <a:spcPct val="100000"/>
+              </a:lnSpc>
+              <a:spcBef>
+                <a:spcPct val="0"/>
+              </a:spcBef>
+              <a:spcAft>
+                <a:spcPct val="0"/>
+              </a:spcAft>
+              <a:buClrTx/>
+              <a:buSzTx/>
+              <a:buFontTx/>
+              <a:buNone/>
+              <a:tabLst/>
+            </a:pPr>
+            <a:endParaRPr lang="sr-Latn-RS" altLang="en-US" dirty="0">
+              <a:latin typeface="Arial" panose="020B0604020202020204" pitchFamily="34" charset="0"/>
+              <a:cs typeface="Arial" panose="020B0604020202020204" pitchFamily="34" charset="0"/>
+            </a:endParaRPr>
+          </a:p>
+          <a:p>
+            <a:pPr marL="0" marR="0" lvl="0" indent="0" algn="l" defTabSz="914400" rtl="0" eaLnBrk="0" fontAlgn="base" latinLnBrk="0" hangingPunct="0">
+              <a:lnSpc>
+                <a:spcPct val="100000"/>
+              </a:lnSpc>
+              <a:spcBef>
+                <a:spcPct val="0"/>
+              </a:spcBef>
+              <a:spcAft>
+                <a:spcPct val="0"/>
+              </a:spcAft>
+              <a:buClrTx/>
+              <a:buSzTx/>
+              <a:buFontTx/>
+              <a:buNone/>
+              <a:tabLst/>
+            </a:pPr>
+            <a:r>
+              <a:rPr kumimoji="0" lang="sr-Latn-RS" altLang="en-US" i="0" u="none" strike="noStrike" cap="none" normalizeH="0" baseline="0" dirty="0">
+                <a:ln>
+                  <a:noFill/>
+                </a:ln>
+                <a:solidFill>
+                  <a:schemeClr val="tx1"/>
+                </a:solidFill>
+                <a:effectLst/>
+                <a:latin typeface="Arial" panose="020B0604020202020204" pitchFamily="34" charset="0"/>
+                <a:cs typeface="Arial" panose="020B0604020202020204" pitchFamily="34" charset="0"/>
+              </a:rPr>
+              <a:t>U cart.astro: </a:t>
+            </a:r>
+          </a:p>
+          <a:p>
+            <a:pPr marL="457200" lvl="1" indent="0" defTabSz="914400" eaLnBrk="0" fontAlgn="base" hangingPunct="0">
+              <a:spcBef>
+                <a:spcPct val="0"/>
+              </a:spcBef>
+              <a:spcAft>
+                <a:spcPct val="0"/>
+              </a:spcAft>
+              <a:buClrTx/>
+              <a:buSzTx/>
+              <a:buNone/>
+            </a:pPr>
+            <a:r>
+              <a:rPr kumimoji="0" lang="en-US" altLang="en-US" b="0" i="0" u="none" strike="noStrike" cap="none" normalizeH="0" baseline="0" dirty="0">
+                <a:ln>
+                  <a:noFill/>
+                </a:ln>
+                <a:solidFill>
+                  <a:schemeClr val="tx1"/>
+                </a:solidFill>
+                <a:effectLst/>
+              </a:rPr>
+              <a:t>&lt;</a:t>
+            </a:r>
+            <a:r>
+              <a:rPr kumimoji="0" lang="en-US" altLang="en-US" b="0" i="0" u="none" strike="noStrike" cap="none" normalizeH="0" baseline="0" dirty="0" err="1">
+                <a:ln>
+                  <a:noFill/>
+                </a:ln>
+                <a:solidFill>
+                  <a:schemeClr val="tx1"/>
+                </a:solidFill>
+                <a:effectLst/>
+              </a:rPr>
+              <a:t>DefaultLayout</a:t>
+            </a:r>
+            <a:r>
+              <a:rPr kumimoji="0" lang="en-US" altLang="en-US" b="0" i="0" u="none" strike="noStrike" cap="none" normalizeH="0" baseline="0" dirty="0">
+                <a:ln>
+                  <a:noFill/>
+                </a:ln>
+                <a:solidFill>
+                  <a:schemeClr val="tx1"/>
+                </a:solidFill>
+                <a:effectLst/>
+              </a:rPr>
+              <a:t>&gt;</a:t>
+            </a:r>
+          </a:p>
+          <a:p>
+            <a:pPr marL="457200" lvl="1" indent="0" defTabSz="914400" eaLnBrk="0" fontAlgn="base" hangingPunct="0">
+              <a:spcBef>
+                <a:spcPct val="0"/>
+              </a:spcBef>
+              <a:spcAft>
+                <a:spcPct val="0"/>
+              </a:spcAft>
+              <a:buClrTx/>
+              <a:buSzTx/>
+              <a:buNone/>
+            </a:pPr>
+            <a:r>
+              <a:rPr kumimoji="0" lang="en-US" altLang="en-US" b="0" i="0" u="none" strike="noStrike" cap="none" normalizeH="0" baseline="0" dirty="0">
+                <a:ln>
+                  <a:noFill/>
+                </a:ln>
+                <a:solidFill>
+                  <a:schemeClr val="tx1"/>
+                </a:solidFill>
+                <a:effectLst/>
+              </a:rPr>
+              <a:t>  &lt;</a:t>
+            </a:r>
+            <a:r>
+              <a:rPr kumimoji="0" lang="en-US" altLang="en-US" b="0" i="0" u="none" strike="noStrike" cap="none" normalizeH="0" baseline="0" dirty="0" err="1">
+                <a:ln>
+                  <a:noFill/>
+                </a:ln>
+                <a:solidFill>
+                  <a:schemeClr val="tx1"/>
+                </a:solidFill>
+                <a:effectLst/>
+              </a:rPr>
+              <a:t>CartApp</a:t>
+            </a:r>
+            <a:r>
+              <a:rPr kumimoji="0" lang="en-US" altLang="en-US" b="0" i="0" u="none" strike="noStrike" cap="none" normalizeH="0" baseline="0" dirty="0">
+                <a:ln>
+                  <a:noFill/>
+                </a:ln>
+                <a:solidFill>
+                  <a:schemeClr val="tx1"/>
+                </a:solidFill>
+                <a:effectLst/>
+              </a:rPr>
+              <a:t> </a:t>
+            </a:r>
+            <a:r>
+              <a:rPr kumimoji="0" lang="en-US" altLang="en-US" b="0" i="0" u="none" strike="noStrike" cap="none" normalizeH="0" baseline="0" dirty="0" err="1">
+                <a:ln>
+                  <a:noFill/>
+                </a:ln>
+                <a:solidFill>
+                  <a:schemeClr val="tx1"/>
+                </a:solidFill>
+                <a:effectLst/>
+              </a:rPr>
+              <a:t>client:load</a:t>
+            </a:r>
+            <a:r>
+              <a:rPr kumimoji="0" lang="en-US" altLang="en-US" b="0" i="0" u="none" strike="noStrike" cap="none" normalizeH="0" baseline="0" dirty="0">
+                <a:ln>
+                  <a:noFill/>
+                </a:ln>
+                <a:solidFill>
+                  <a:schemeClr val="tx1"/>
+                </a:solidFill>
+                <a:effectLst/>
+              </a:rPr>
+              <a:t> /&gt;</a:t>
+            </a:r>
+          </a:p>
+          <a:p>
+            <a:pPr marL="457200" lvl="1" indent="0" defTabSz="914400" eaLnBrk="0" fontAlgn="base" hangingPunct="0">
+              <a:spcBef>
+                <a:spcPct val="0"/>
+              </a:spcBef>
+              <a:spcAft>
+                <a:spcPct val="0"/>
+              </a:spcAft>
+              <a:buClrTx/>
+              <a:buSzTx/>
+              <a:buNone/>
+            </a:pPr>
+            <a:r>
+              <a:rPr kumimoji="0" lang="en-US" altLang="en-US" b="0" i="0" u="none" strike="noStrike" cap="none" normalizeH="0" baseline="0" dirty="0">
+                <a:ln>
+                  <a:noFill/>
+                </a:ln>
+                <a:solidFill>
+                  <a:schemeClr val="tx1"/>
+                </a:solidFill>
+                <a:effectLst/>
+              </a:rPr>
+              <a:t>&lt;/</a:t>
+            </a:r>
+            <a:r>
+              <a:rPr kumimoji="0" lang="en-US" altLang="en-US" b="0" i="0" u="none" strike="noStrike" cap="none" normalizeH="0" baseline="0" dirty="0" err="1">
+                <a:ln>
+                  <a:noFill/>
+                </a:ln>
+                <a:solidFill>
+                  <a:schemeClr val="tx1"/>
+                </a:solidFill>
+                <a:effectLst/>
+              </a:rPr>
+              <a:t>DefaultLayout</a:t>
+            </a:r>
+            <a:r>
+              <a:rPr kumimoji="0" lang="en-US" altLang="en-US" b="0" i="0" u="none" strike="noStrike" cap="none" normalizeH="0" baseline="0" dirty="0">
+                <a:ln>
+                  <a:noFill/>
+                </a:ln>
+                <a:solidFill>
+                  <a:schemeClr val="tx1"/>
+                </a:solidFill>
+                <a:effectLst/>
+              </a:rPr>
+              <a:t>&gt;</a:t>
+            </a:r>
+            <a:endParaRPr kumimoji="0" lang="sr-Latn-RS" altLang="en-US" b="0" i="0" u="none" strike="noStrike" cap="none" normalizeH="0" baseline="0" dirty="0">
+              <a:ln>
+                <a:noFill/>
+              </a:ln>
+              <a:solidFill>
+                <a:schemeClr val="tx1"/>
+              </a:solidFill>
+              <a:effectLst/>
+            </a:endParaRPr>
+          </a:p>
+          <a:p>
+            <a:pPr marL="0" marR="0" lvl="0" indent="0" algn="l" defTabSz="914400" rtl="0" eaLnBrk="0" fontAlgn="base" latinLnBrk="0" hangingPunct="0">
+              <a:lnSpc>
+                <a:spcPct val="100000"/>
+              </a:lnSpc>
+              <a:spcBef>
+                <a:spcPct val="0"/>
+              </a:spcBef>
+              <a:spcAft>
+                <a:spcPct val="0"/>
+              </a:spcAft>
+              <a:buClrTx/>
+              <a:buSzTx/>
+              <a:buFontTx/>
+              <a:buNone/>
+              <a:tabLst/>
+            </a:pPr>
+            <a:endParaRPr lang="sr-Latn-RS" altLang="en-US" dirty="0"/>
+          </a:p>
+          <a:p>
+            <a:pPr marL="0" marR="0" lvl="0" indent="0" algn="l" defTabSz="914400" rtl="0" eaLnBrk="0" fontAlgn="base" latinLnBrk="0" hangingPunct="0">
+              <a:lnSpc>
+                <a:spcPct val="100000"/>
+              </a:lnSpc>
+              <a:spcBef>
+                <a:spcPct val="0"/>
+              </a:spcBef>
+              <a:spcAft>
+                <a:spcPct val="0"/>
+              </a:spcAft>
+              <a:buClrTx/>
+              <a:buSzTx/>
+              <a:buFontTx/>
+              <a:buNone/>
+              <a:tabLst/>
+            </a:pPr>
+            <a:endParaRPr kumimoji="0" lang="en-US" altLang="en-US" b="0" i="0" u="none" strike="noStrike" cap="none" normalizeH="0" baseline="0" dirty="0">
+              <a:ln>
+                <a:noFill/>
+              </a:ln>
+              <a:solidFill>
+                <a:schemeClr val="tx1"/>
+              </a:solidFill>
+              <a:effectLst/>
+            </a:endParaRPr>
+          </a:p>
+          <a:p>
+            <a:pPr marL="0" marR="0" lvl="0" indent="0" algn="l" defTabSz="914400" rtl="0" eaLnBrk="0" fontAlgn="base" latinLnBrk="0" hangingPunct="0">
+              <a:lnSpc>
+                <a:spcPct val="100000"/>
+              </a:lnSpc>
+              <a:spcBef>
+                <a:spcPct val="0"/>
+              </a:spcBef>
+              <a:spcAft>
+                <a:spcPct val="0"/>
+              </a:spcAft>
+              <a:buClrTx/>
+              <a:buSzTx/>
+              <a:buFontTx/>
+              <a:buNone/>
+              <a:tabLst/>
+            </a:pPr>
+            <a:endParaRPr kumimoji="0" lang="sr-Latn-RS" altLang="en-US" b="0" i="0" u="none" strike="noStrike" cap="none" normalizeH="0" baseline="0" dirty="0">
+              <a:ln>
+                <a:noFill/>
+              </a:ln>
+              <a:solidFill>
+                <a:schemeClr val="tx1"/>
+              </a:solidFill>
+              <a:effectLst/>
+            </a:endParaRPr>
+          </a:p>
+          <a:p>
+            <a:pPr marL="0" marR="0" lvl="0" indent="0" algn="l" defTabSz="914400" rtl="0" eaLnBrk="0" fontAlgn="base" latinLnBrk="0" hangingPunct="0">
+              <a:lnSpc>
+                <a:spcPct val="100000"/>
+              </a:lnSpc>
+              <a:spcBef>
+                <a:spcPct val="0"/>
+              </a:spcBef>
+              <a:spcAft>
+                <a:spcPct val="0"/>
+              </a:spcAft>
+              <a:buClrTx/>
+              <a:buSzTx/>
+              <a:buFontTx/>
+              <a:buNone/>
+              <a:tabLst/>
+            </a:pPr>
+            <a:endParaRPr kumimoji="0" lang="en-US" altLang="en-US" b="0" i="0" u="none" strike="noStrike" cap="none" normalizeH="0" baseline="0" dirty="0">
+              <a:ln>
+                <a:noFill/>
+              </a:ln>
+              <a:solidFill>
+                <a:schemeClr val="tx1"/>
+              </a:solidFill>
+              <a:effectLst/>
+            </a:endParaRPr>
+          </a:p>
+          <a:p>
+            <a:pPr marL="0" marR="0" lvl="0" indent="0" algn="l" defTabSz="914400" rtl="0" eaLnBrk="0" fontAlgn="base" latinLnBrk="0" hangingPunct="0">
+              <a:lnSpc>
+                <a:spcPct val="100000"/>
+              </a:lnSpc>
+              <a:spcBef>
+                <a:spcPct val="0"/>
+              </a:spcBef>
+              <a:spcAft>
+                <a:spcPct val="0"/>
+              </a:spcAft>
+              <a:buClrTx/>
+              <a:buSzTx/>
+              <a:buFontTx/>
+              <a:buNone/>
+              <a:tabLst/>
+            </a:pPr>
+            <a:r>
+              <a:rPr kumimoji="0" lang="en-US" altLang="en-US" sz="800" b="0" i="0" u="none" strike="noStrike" cap="none" normalizeH="0" baseline="0" dirty="0">
+                <a:ln>
+                  <a:noFill/>
+                </a:ln>
+                <a:solidFill>
+                  <a:schemeClr val="tx1"/>
+                </a:solidFill>
+                <a:effectLst/>
+              </a:rPr>
+              <a:t> </a:t>
+            </a:r>
+            <a:endParaRPr kumimoji="0" lang="en-US" altLang="en-US" sz="1800" b="0" i="0" u="none" strike="noStrike" cap="none" normalizeH="0" baseline="0" dirty="0">
+              <a:ln>
+                <a:noFill/>
+              </a:ln>
+              <a:solidFill>
+                <a:schemeClr val="tx1"/>
+              </a:solidFill>
+              <a:effectLst/>
+              <a:latin typeface="Arial" panose="020B0604020202020204" pitchFamily="34" charset="0"/>
+            </a:endParaRPr>
+          </a:p>
+        </p:txBody>
+      </p:sp>
+      <p:sp>
+        <p:nvSpPr>
+          <p:cNvPr id="7" name="TextBox 6">
+            <a:extLst>
+              <a:ext uri="{FF2B5EF4-FFF2-40B4-BE49-F238E27FC236}">
+                <a16:creationId xmlns:a16="http://schemas.microsoft.com/office/drawing/2014/main" id="{1EDB7DE6-1287-4EA1-A8D6-929CA0E9B506}"/>
+              </a:ext>
+            </a:extLst>
+          </p:cNvPr>
+          <p:cNvSpPr txBox="1"/>
+          <p:nvPr/>
+        </p:nvSpPr>
         <p:spPr>
           <a:xfrm>
-            <a:off x="1155836" y="4176203"/>
-            <a:ext cx="10018713" cy="3124201"/>
+            <a:off x="6354673" y="1669002"/>
+            <a:ext cx="4353017" cy="2677656"/>
           </a:xfrm>
+          <a:prstGeom prst="rect">
+            <a:avLst/>
+          </a:prstGeom>
+          <a:noFill/>
         </p:spPr>
         <p:txBody>
-          <a:bodyPr/>
+          <a:bodyPr wrap="square" rtlCol="0">
+            <a:spAutoFit/>
+          </a:bodyPr>
           <a:lstStyle/>
           <a:p>
-            <a:pPr marL="0" indent="0" algn="ctr">
-              <a:buNone/>
+            <a:pPr marL="0" marR="0" lvl="0" indent="0" algn="l" defTabSz="914400" rtl="0" eaLnBrk="0" fontAlgn="base" latinLnBrk="0" hangingPunct="0">
+              <a:lnSpc>
+                <a:spcPct val="100000"/>
+              </a:lnSpc>
+              <a:spcBef>
+                <a:spcPct val="0"/>
+              </a:spcBef>
+              <a:spcAft>
+                <a:spcPct val="0"/>
+              </a:spcAft>
+              <a:buClrTx/>
+              <a:buSzTx/>
+              <a:buFontTx/>
+              <a:buNone/>
+              <a:tabLst/>
             </a:pPr>
-            <a:br>
-              <a:rPr lang="en-US" dirty="0"/>
-            </a:br>
-            <a:endParaRPr lang="en-US" dirty="0"/>
+            <a:r>
+              <a:rPr lang="en-US" sz="2400" dirty="0" err="1">
+                <a:latin typeface="Arial" panose="020B0604020202020204" pitchFamily="34" charset="0"/>
+                <a:cs typeface="Arial" panose="020B0604020202020204" pitchFamily="34" charset="0"/>
+              </a:rPr>
+              <a:t>DefaultLayout</a:t>
+            </a:r>
+            <a:r>
+              <a:rPr lang="sr-Latn-RS" sz="2400" dirty="0">
+                <a:latin typeface="Arial" panose="020B0604020202020204" pitchFamily="34" charset="0"/>
+                <a:cs typeface="Arial" panose="020B0604020202020204" pitchFamily="34" charset="0"/>
+              </a:rPr>
+              <a:t>.astro</a:t>
+            </a:r>
+            <a:r>
+              <a:rPr lang="sr-Latn-RS" sz="2400" dirty="0"/>
+              <a:t>:</a:t>
+            </a:r>
+          </a:p>
+          <a:p>
+            <a:pPr marL="0" marR="0" lvl="0" indent="0" algn="l" defTabSz="914400" rtl="0" eaLnBrk="0" fontAlgn="base" latinLnBrk="0" hangingPunct="0">
+              <a:lnSpc>
+                <a:spcPct val="100000"/>
+              </a:lnSpc>
+              <a:spcBef>
+                <a:spcPct val="0"/>
+              </a:spcBef>
+              <a:spcAft>
+                <a:spcPct val="0"/>
+              </a:spcAft>
+              <a:buClrTx/>
+              <a:buSzTx/>
+              <a:buFontTx/>
+              <a:buNone/>
+              <a:tabLst/>
+            </a:pPr>
+            <a:r>
+              <a:rPr kumimoji="0" lang="en-US" altLang="en-US" sz="1800" b="0" i="0" u="none" strike="noStrike" cap="none" normalizeH="0" baseline="0" dirty="0">
+                <a:ln>
+                  <a:noFill/>
+                </a:ln>
+                <a:solidFill>
+                  <a:schemeClr val="tx1"/>
+                </a:solidFill>
+                <a:effectLst/>
+              </a:rPr>
+              <a:t>&lt;html&gt;</a:t>
+            </a:r>
+          </a:p>
+          <a:p>
+            <a:pPr marL="0" marR="0" lvl="0" indent="0" algn="l" defTabSz="914400" rtl="0" eaLnBrk="0" fontAlgn="base" latinLnBrk="0" hangingPunct="0">
+              <a:lnSpc>
+                <a:spcPct val="100000"/>
+              </a:lnSpc>
+              <a:spcBef>
+                <a:spcPct val="0"/>
+              </a:spcBef>
+              <a:spcAft>
+                <a:spcPct val="0"/>
+              </a:spcAft>
+              <a:buClrTx/>
+              <a:buSzTx/>
+              <a:buFontTx/>
+              <a:buNone/>
+              <a:tabLst/>
+            </a:pPr>
+            <a:r>
+              <a:rPr kumimoji="0" lang="en-US" altLang="en-US" sz="1800" b="0" i="0" u="none" strike="noStrike" cap="none" normalizeH="0" baseline="0" dirty="0">
+                <a:ln>
+                  <a:noFill/>
+                </a:ln>
+                <a:solidFill>
+                  <a:schemeClr val="tx1"/>
+                </a:solidFill>
+                <a:effectLst/>
+              </a:rPr>
+              <a:t>  &lt;body&gt;</a:t>
+            </a:r>
+          </a:p>
+          <a:p>
+            <a:pPr marL="0" marR="0" lvl="0" indent="0" algn="l" defTabSz="914400" rtl="0" eaLnBrk="0" fontAlgn="base" latinLnBrk="0" hangingPunct="0">
+              <a:lnSpc>
+                <a:spcPct val="100000"/>
+              </a:lnSpc>
+              <a:spcBef>
+                <a:spcPct val="0"/>
+              </a:spcBef>
+              <a:spcAft>
+                <a:spcPct val="0"/>
+              </a:spcAft>
+              <a:buClrTx/>
+              <a:buSzTx/>
+              <a:buFontTx/>
+              <a:buNone/>
+              <a:tabLst/>
+            </a:pPr>
+            <a:r>
+              <a:rPr kumimoji="0" lang="en-US" altLang="en-US" sz="1800" b="0" i="0" u="none" strike="noStrike" cap="none" normalizeH="0" baseline="0" dirty="0">
+                <a:ln>
+                  <a:noFill/>
+                </a:ln>
+                <a:solidFill>
+                  <a:schemeClr val="tx1"/>
+                </a:solidFill>
+                <a:effectLst/>
+              </a:rPr>
+              <a:t>    &lt;Header /&gt;</a:t>
+            </a:r>
+          </a:p>
+          <a:p>
+            <a:pPr marL="0" marR="0" lvl="0" indent="0" algn="l" defTabSz="914400" rtl="0" eaLnBrk="0" fontAlgn="base" latinLnBrk="0" hangingPunct="0">
+              <a:lnSpc>
+                <a:spcPct val="100000"/>
+              </a:lnSpc>
+              <a:spcBef>
+                <a:spcPct val="0"/>
+              </a:spcBef>
+              <a:spcAft>
+                <a:spcPct val="0"/>
+              </a:spcAft>
+              <a:buClrTx/>
+              <a:buSzTx/>
+              <a:buFontTx/>
+              <a:buNone/>
+              <a:tabLst/>
+            </a:pPr>
+            <a:r>
+              <a:rPr kumimoji="0" lang="en-US" altLang="en-US" sz="1800" b="0" i="0" u="none" strike="noStrike" cap="none" normalizeH="0" baseline="0" dirty="0">
+                <a:ln>
+                  <a:noFill/>
+                </a:ln>
+                <a:solidFill>
+                  <a:schemeClr val="tx1"/>
+                </a:solidFill>
+                <a:effectLst/>
+              </a:rPr>
+              <a:t>    &lt;main&gt;</a:t>
+            </a:r>
+          </a:p>
+          <a:p>
+            <a:pPr marL="0" marR="0" lvl="0" indent="0" algn="l" defTabSz="914400" rtl="0" eaLnBrk="0" fontAlgn="base" latinLnBrk="0" hangingPunct="0">
+              <a:lnSpc>
+                <a:spcPct val="100000"/>
+              </a:lnSpc>
+              <a:spcBef>
+                <a:spcPct val="0"/>
+              </a:spcBef>
+              <a:spcAft>
+                <a:spcPct val="0"/>
+              </a:spcAft>
+              <a:buClrTx/>
+              <a:buSzTx/>
+              <a:buFontTx/>
+              <a:buNone/>
+              <a:tabLst/>
+            </a:pPr>
+            <a:r>
+              <a:rPr kumimoji="0" lang="en-US" altLang="en-US" sz="1800" b="0" i="0" u="none" strike="noStrike" cap="none" normalizeH="0" baseline="0" dirty="0">
+                <a:ln>
+                  <a:noFill/>
+                </a:ln>
+                <a:solidFill>
+                  <a:schemeClr val="tx1"/>
+                </a:solidFill>
+                <a:effectLst/>
+              </a:rPr>
+              <a:t>      &lt;slot /&gt;</a:t>
+            </a:r>
+          </a:p>
+          <a:p>
+            <a:pPr marL="0" marR="0" lvl="0" indent="0" algn="l" defTabSz="914400" rtl="0" eaLnBrk="0" fontAlgn="base" latinLnBrk="0" hangingPunct="0">
+              <a:lnSpc>
+                <a:spcPct val="100000"/>
+              </a:lnSpc>
+              <a:spcBef>
+                <a:spcPct val="0"/>
+              </a:spcBef>
+              <a:spcAft>
+                <a:spcPct val="0"/>
+              </a:spcAft>
+              <a:buClrTx/>
+              <a:buSzTx/>
+              <a:buFontTx/>
+              <a:buNone/>
+              <a:tabLst/>
+            </a:pPr>
+            <a:r>
+              <a:rPr kumimoji="0" lang="en-US" altLang="en-US" sz="1800" b="0" i="0" u="none" strike="noStrike" cap="none" normalizeH="0" baseline="0" dirty="0">
+                <a:ln>
+                  <a:noFill/>
+                </a:ln>
+                <a:solidFill>
+                  <a:schemeClr val="tx1"/>
+                </a:solidFill>
+                <a:effectLst/>
+              </a:rPr>
+              <a:t>    &lt;/main&gt;</a:t>
+            </a:r>
+          </a:p>
+          <a:p>
+            <a:pPr marL="0" marR="0" lvl="0" indent="0" algn="l" defTabSz="914400" rtl="0" eaLnBrk="0" fontAlgn="base" latinLnBrk="0" hangingPunct="0">
+              <a:lnSpc>
+                <a:spcPct val="100000"/>
+              </a:lnSpc>
+              <a:spcBef>
+                <a:spcPct val="0"/>
+              </a:spcBef>
+              <a:spcAft>
+                <a:spcPct val="0"/>
+              </a:spcAft>
+              <a:buClrTx/>
+              <a:buSzTx/>
+              <a:buFontTx/>
+              <a:buNone/>
+              <a:tabLst/>
+            </a:pPr>
+            <a:r>
+              <a:rPr kumimoji="0" lang="en-US" altLang="en-US" sz="1800" b="0" i="0" u="none" strike="noStrike" cap="none" normalizeH="0" baseline="0" dirty="0">
+                <a:ln>
+                  <a:noFill/>
+                </a:ln>
+                <a:solidFill>
+                  <a:schemeClr val="tx1"/>
+                </a:solidFill>
+                <a:effectLst/>
+              </a:rPr>
+              <a:t>  &lt;/body&gt;</a:t>
+            </a:r>
+          </a:p>
+          <a:p>
+            <a:pPr marL="0" marR="0" lvl="0" indent="0" algn="l" defTabSz="914400" rtl="0" eaLnBrk="0" fontAlgn="base" latinLnBrk="0" hangingPunct="0">
+              <a:lnSpc>
+                <a:spcPct val="100000"/>
+              </a:lnSpc>
+              <a:spcBef>
+                <a:spcPct val="0"/>
+              </a:spcBef>
+              <a:spcAft>
+                <a:spcPct val="0"/>
+              </a:spcAft>
+              <a:buClrTx/>
+              <a:buSzTx/>
+              <a:buFontTx/>
+              <a:buNone/>
+              <a:tabLst/>
+            </a:pPr>
+            <a:r>
+              <a:rPr kumimoji="0" lang="en-US" altLang="en-US" sz="1800" b="0" i="0" u="none" strike="noStrike" cap="none" normalizeH="0" baseline="0" dirty="0">
+                <a:ln>
+                  <a:noFill/>
+                </a:ln>
+                <a:solidFill>
+                  <a:schemeClr val="tx1"/>
+                </a:solidFill>
+                <a:effectLst/>
+              </a:rPr>
+              <a:t>&lt;/html&gt;</a:t>
+            </a:r>
           </a:p>
         </p:txBody>
       </p:sp>
     </p:spTree>
     <p:extLst>
       <p:ext uri="{BB962C8B-B14F-4D97-AF65-F5344CB8AC3E}">
-        <p14:creationId xmlns:p14="http://schemas.microsoft.com/office/powerpoint/2010/main" val="1614780777"/>
+        <p14:creationId xmlns:p14="http://schemas.microsoft.com/office/powerpoint/2010/main" val="1258967934"/>
       </p:ext>
     </p:extLst>
   </p:cSld>
@@ -12541,7 +13227,7 @@
     </a:clrScheme>
     <a:fontScheme name="Parallax">
       <a:majorFont>
-        <a:latin typeface="Corbel" panose="020B0503020204020204"/>
+        <a:latin typeface="Corbel"/>
         <a:ea typeface=""/>
         <a:cs typeface=""/>
         <a:font script="Jpan" typeface="HGｺﾞｼｯｸM"/>
@@ -12576,7 +13262,7 @@
         <a:font script="Geor" typeface="Sylfaen"/>
       </a:majorFont>
       <a:minorFont>
-        <a:latin typeface="Corbel" panose="020B0503020204020204"/>
+        <a:latin typeface="Corbel"/>
         <a:ea typeface=""/>
         <a:cs typeface=""/>
         <a:font script="Jpan" typeface="HGｺﾞｼｯｸM"/>
@@ -12739,7 +13425,9 @@
               </a:schemeClr>
             </a:duotone>
           </a:blip>
-          <a:stretch/>
+          <a:stretch>
+            <a:fillRect/>
+          </a:stretch>
         </a:blipFill>
       </a:bgFillStyleLst>
     </a:fmtScheme>
@@ -12748,7 +13436,7 @@
   <a:extraClrSchemeLst/>
   <a:extLst>
     <a:ext uri="{05A4C25C-085E-4340-85A3-A5531E510DB2}">
-      <thm15:themeFamily xmlns:thm15="http://schemas.microsoft.com/office/thememl/2012/main" name="Parallax" id="{3388167B-A2EB-4685-9635-1831D9AEF8C4}" vid="{4F7A876A-7598-49CA-AFC8-8EDA2551E4A7}"/>
+      <thm15:themeFamily xmlns:thm15="http://schemas.microsoft.com/office/thememl/2012/main" name="Office Theme" id="{62F939B6-93AF-4DB8-9C6B-D6C7DFDC589F}" vid="{4A3C46E8-61CC-4603-A589-7422A47A8E4A}"/>
     </a:ext>
   </a:extLst>
 </a:theme>

--- a/Prezentacija.pptx
+++ b/Prezentacija.pptx
@@ -5,17 +5,17 @@
     <p:sldMasterId id="2147483648" r:id="rId1"/>
   </p:sldMasterIdLst>
   <p:sldIdLst>
-    <p:sldId id="256" r:id="rId2"/>
-    <p:sldId id="257" r:id="rId3"/>
-    <p:sldId id="259" r:id="rId4"/>
-    <p:sldId id="265" r:id="rId5"/>
-    <p:sldId id="266" r:id="rId6"/>
-    <p:sldId id="260" r:id="rId7"/>
-    <p:sldId id="267" r:id="rId8"/>
-    <p:sldId id="268" r:id="rId9"/>
-    <p:sldId id="269" r:id="rId10"/>
-    <p:sldId id="263" r:id="rId11"/>
-    <p:sldId id="264" r:id="rId12"/>
+    <p:sldId id="256" r:id="rId3"/>
+    <p:sldId id="257" r:id="rId4"/>
+    <p:sldId id="259" r:id="rId5"/>
+    <p:sldId id="265" r:id="rId6"/>
+    <p:sldId id="266" r:id="rId7"/>
+    <p:sldId id="260" r:id="rId8"/>
+    <p:sldId id="267" r:id="rId9"/>
+    <p:sldId id="268" r:id="rId10"/>
+    <p:sldId id="269" r:id="rId11"/>
+    <p:sldId id="263" r:id="rId12"/>
+    <p:sldId id="264" r:id="rId13"/>
   </p:sldIdLst>
   <p:sldSz cx="12192000" cy="6858000"/>
   <p:notesSz cx="6858000" cy="9144000"/>
@@ -114,16 +114,11 @@
       </a:defRPr>
     </a:lvl9pPr>
   </p:defaultTextStyle>
-  <p:extLst>
-    <p:ext uri="{EFAFB233-063F-42B5-8137-9DF3F51BA10A}">
-      <p15:sldGuideLst xmlns:p15="http://schemas.microsoft.com/office/powerpoint/2012/main"/>
-    </p:ext>
-  </p:extLst>
 </p:presentation>
 </file>
 
 <file path=ppt/slideLayouts/slideLayout1.xml><?xml version="1.0" encoding="utf-8"?>
-<p:sldLayout xmlns:a="http://schemas.openxmlformats.org/drawingml/2006/main" xmlns:r="http://schemas.openxmlformats.org/officeDocument/2006/relationships" xmlns:p="http://schemas.openxmlformats.org/presentationml/2006/main" showMasterSp="0" type="title" preserve="1">
+<p:sldLayout xmlns:a="http://schemas.openxmlformats.org/drawingml/2006/main" xmlns:r="http://schemas.openxmlformats.org/officeDocument/2006/relationships" xmlns:p="http://schemas.openxmlformats.org/presentationml/2006/main" type="title" preserve="1" showMasterSp="0">
   <p:cSld name="Title Slide">
     <p:spTree>
       <p:nvGrpSpPr>
@@ -624,7 +619,6 @@
           <a:p>
             <a:fld id="{DB4C57F2-EF2B-4B7F-9EDF-9C0C4DA12393}" type="datetimeFigureOut">
               <a:rPr lang="en-US" smtClean="0"/>
-              <a:t>6/10/2025</a:t>
             </a:fld>
             <a:endParaRPr lang="en-US"/>
           </a:p>
@@ -671,7 +665,6 @@
           <a:p>
             <a:fld id="{CFD7A694-76A3-4202-A2B2-E55EACFFB8DF}" type="slidenum">
               <a:rPr lang="en-US" smtClean="0"/>
-              <a:t>‹#›</a:t>
             </a:fld>
             <a:endParaRPr lang="en-US"/>
           </a:p>
@@ -895,6 +888,7 @@
               <a:rPr lang="en-US"/>
               <a:t>Click to edit Master text styles</a:t>
             </a:r>
+            <a:endParaRPr lang="en-US"/>
           </a:p>
         </p:txBody>
       </p:sp>
@@ -915,7 +909,6 @@
           <a:p>
             <a:fld id="{DB4C57F2-EF2B-4B7F-9EDF-9C0C4DA12393}" type="datetimeFigureOut">
               <a:rPr lang="en-US" smtClean="0"/>
-              <a:t>6/10/2025</a:t>
             </a:fld>
             <a:endParaRPr lang="en-US"/>
           </a:p>
@@ -957,7 +950,6 @@
           <a:p>
             <a:fld id="{CFD7A694-76A3-4202-A2B2-E55EACFFB8DF}" type="slidenum">
               <a:rPr lang="en-US" smtClean="0"/>
-              <a:t>‹#›</a:t>
             </a:fld>
             <a:endParaRPr lang="en-US"/>
           </a:p>
@@ -1138,6 +1130,7 @@
               <a:rPr lang="en-US"/>
               <a:t>Click to edit Master text styles</a:t>
             </a:r>
+            <a:endParaRPr lang="en-US"/>
           </a:p>
         </p:txBody>
       </p:sp>
@@ -1158,7 +1151,6 @@
           <a:p>
             <a:fld id="{DB4C57F2-EF2B-4B7F-9EDF-9C0C4DA12393}" type="datetimeFigureOut">
               <a:rPr lang="en-US" smtClean="0"/>
-              <a:t>6/10/2025</a:t>
             </a:fld>
             <a:endParaRPr lang="en-US"/>
           </a:p>
@@ -1200,7 +1192,6 @@
           <a:p>
             <a:fld id="{CFD7A694-76A3-4202-A2B2-E55EACFFB8DF}" type="slidenum">
               <a:rPr lang="en-US" smtClean="0"/>
-              <a:t>‹#›</a:t>
             </a:fld>
             <a:endParaRPr lang="en-US"/>
           </a:p>
@@ -1344,6 +1335,12 @@
               </a:rPr>
               <a:t>“</a:t>
             </a:r>
+            <a:endParaRPr lang="en-US" sz="8000" dirty="0">
+              <a:solidFill>
+                <a:schemeClr val="tx1"/>
+              </a:solidFill>
+              <a:effectLst/>
+            </a:endParaRPr>
           </a:p>
         </p:txBody>
       </p:sp>
@@ -1460,6 +1457,12 @@
               </a:rPr>
               <a:t>”</a:t>
             </a:r>
+            <a:endParaRPr lang="en-US" sz="8000" dirty="0">
+              <a:solidFill>
+                <a:schemeClr val="tx1"/>
+              </a:solidFill>
+              <a:effectLst/>
+            </a:endParaRPr>
           </a:p>
         </p:txBody>
       </p:sp>
@@ -1554,6 +1557,7 @@
               <a:rPr lang="en-US"/>
               <a:t>Click to edit Master text styles</a:t>
             </a:r>
+            <a:endParaRPr lang="en-US"/>
           </a:p>
         </p:txBody>
       </p:sp>
@@ -1673,6 +1677,7 @@
               <a:rPr lang="en-US"/>
               <a:t>Click to edit Master text styles</a:t>
             </a:r>
+            <a:endParaRPr lang="en-US"/>
           </a:p>
         </p:txBody>
       </p:sp>
@@ -1693,7 +1698,6 @@
           <a:p>
             <a:fld id="{DB4C57F2-EF2B-4B7F-9EDF-9C0C4DA12393}" type="datetimeFigureOut">
               <a:rPr lang="en-US" smtClean="0"/>
-              <a:t>6/10/2025</a:t>
             </a:fld>
             <a:endParaRPr lang="en-US"/>
           </a:p>
@@ -1735,7 +1739,6 @@
           <a:p>
             <a:fld id="{CFD7A694-76A3-4202-A2B2-E55EACFFB8DF}" type="slidenum">
               <a:rPr lang="en-US" smtClean="0"/>
-              <a:t>‹#›</a:t>
             </a:fld>
             <a:endParaRPr lang="en-US"/>
           </a:p>
@@ -1916,6 +1919,7 @@
               <a:rPr lang="en-US"/>
               <a:t>Click to edit Master text styles</a:t>
             </a:r>
+            <a:endParaRPr lang="en-US"/>
           </a:p>
         </p:txBody>
       </p:sp>
@@ -1936,7 +1940,6 @@
           <a:p>
             <a:fld id="{DB4C57F2-EF2B-4B7F-9EDF-9C0C4DA12393}" type="datetimeFigureOut">
               <a:rPr lang="en-US" smtClean="0"/>
-              <a:t>6/10/2025</a:t>
             </a:fld>
             <a:endParaRPr lang="en-US"/>
           </a:p>
@@ -1978,7 +1981,6 @@
           <a:p>
             <a:fld id="{CFD7A694-76A3-4202-A2B2-E55EACFFB8DF}" type="slidenum">
               <a:rPr lang="en-US" smtClean="0"/>
-              <a:t>‹#›</a:t>
             </a:fld>
             <a:endParaRPr lang="en-US"/>
           </a:p>
@@ -2122,6 +2124,12 @@
               </a:rPr>
               <a:t>“</a:t>
             </a:r>
+            <a:endParaRPr lang="en-US" sz="8000" dirty="0">
+              <a:solidFill>
+                <a:schemeClr val="tx1"/>
+              </a:solidFill>
+              <a:effectLst/>
+            </a:endParaRPr>
           </a:p>
         </p:txBody>
       </p:sp>
@@ -2238,6 +2246,12 @@
               </a:rPr>
               <a:t>”</a:t>
             </a:r>
+            <a:endParaRPr lang="en-US" sz="8000" dirty="0">
+              <a:solidFill>
+                <a:schemeClr val="tx1"/>
+              </a:solidFill>
+              <a:effectLst/>
+            </a:endParaRPr>
           </a:p>
         </p:txBody>
       </p:sp>
@@ -2324,6 +2338,7 @@
               <a:rPr lang="en-US"/>
               <a:t>Click to edit Master text styles</a:t>
             </a:r>
+            <a:endParaRPr lang="en-US"/>
           </a:p>
         </p:txBody>
       </p:sp>
@@ -2443,6 +2458,7 @@
               <a:rPr lang="en-US"/>
               <a:t>Click to edit Master text styles</a:t>
             </a:r>
+            <a:endParaRPr lang="en-US"/>
           </a:p>
         </p:txBody>
       </p:sp>
@@ -2463,7 +2479,6 @@
           <a:p>
             <a:fld id="{DB4C57F2-EF2B-4B7F-9EDF-9C0C4DA12393}" type="datetimeFigureOut">
               <a:rPr lang="en-US" smtClean="0"/>
-              <a:t>6/10/2025</a:t>
             </a:fld>
             <a:endParaRPr lang="en-US"/>
           </a:p>
@@ -2505,7 +2520,6 @@
           <a:p>
             <a:fld id="{CFD7A694-76A3-4202-A2B2-E55EACFFB8DF}" type="slidenum">
               <a:rPr lang="en-US" smtClean="0"/>
-              <a:t>‹#›</a:t>
             </a:fld>
             <a:endParaRPr lang="en-US"/>
           </a:p>
@@ -2616,6 +2630,7 @@
               <a:rPr lang="en-US"/>
               <a:t>Click to edit Master text styles</a:t>
             </a:r>
+            <a:endParaRPr lang="en-US"/>
           </a:p>
         </p:txBody>
       </p:sp>
@@ -2735,6 +2750,7 @@
               <a:rPr lang="en-US"/>
               <a:t>Click to edit Master text styles</a:t>
             </a:r>
+            <a:endParaRPr lang="en-US"/>
           </a:p>
         </p:txBody>
       </p:sp>
@@ -2755,7 +2771,6 @@
           <a:p>
             <a:fld id="{DB4C57F2-EF2B-4B7F-9EDF-9C0C4DA12393}" type="datetimeFigureOut">
               <a:rPr lang="en-US" smtClean="0"/>
-              <a:t>6/10/2025</a:t>
             </a:fld>
             <a:endParaRPr lang="en-US"/>
           </a:p>
@@ -2797,7 +2812,6 @@
           <a:p>
             <a:fld id="{CFD7A694-76A3-4202-A2B2-E55EACFFB8DF}" type="slidenum">
               <a:rPr lang="en-US" smtClean="0"/>
-              <a:t>‹#›</a:t>
             </a:fld>
             <a:endParaRPr lang="en-US"/>
           </a:p>
@@ -2875,6 +2889,7 @@
               <a:rPr lang="en-US"/>
               <a:t>Click to edit Master text styles</a:t>
             </a:r>
+            <a:endParaRPr lang="en-US"/>
           </a:p>
           <a:p>
             <a:pPr lvl="1"/>
@@ -2882,6 +2897,7 @@
               <a:rPr lang="en-US"/>
               <a:t>Second level</a:t>
             </a:r>
+            <a:endParaRPr lang="en-US"/>
           </a:p>
           <a:p>
             <a:pPr lvl="2"/>
@@ -2889,6 +2905,7 @@
               <a:rPr lang="en-US"/>
               <a:t>Third level</a:t>
             </a:r>
+            <a:endParaRPr lang="en-US"/>
           </a:p>
           <a:p>
             <a:pPr lvl="3"/>
@@ -2896,6 +2913,7 @@
               <a:rPr lang="en-US"/>
               <a:t>Fourth level</a:t>
             </a:r>
+            <a:endParaRPr lang="en-US"/>
           </a:p>
           <a:p>
             <a:pPr lvl="4"/>
@@ -2924,7 +2942,6 @@
           <a:p>
             <a:fld id="{DB4C57F2-EF2B-4B7F-9EDF-9C0C4DA12393}" type="datetimeFigureOut">
               <a:rPr lang="en-US" smtClean="0"/>
-              <a:t>6/10/2025</a:t>
             </a:fld>
             <a:endParaRPr lang="en-US"/>
           </a:p>
@@ -2966,7 +2983,6 @@
           <a:p>
             <a:fld id="{CFD7A694-76A3-4202-A2B2-E55EACFFB8DF}" type="slidenum">
               <a:rPr lang="en-US" smtClean="0"/>
-              <a:t>‹#›</a:t>
             </a:fld>
             <a:endParaRPr lang="en-US"/>
           </a:p>
@@ -3050,6 +3066,7 @@
               <a:rPr lang="en-US"/>
               <a:t>Click to edit Master text styles</a:t>
             </a:r>
+            <a:endParaRPr lang="en-US"/>
           </a:p>
           <a:p>
             <a:pPr lvl="1"/>
@@ -3057,6 +3074,7 @@
               <a:rPr lang="en-US"/>
               <a:t>Second level</a:t>
             </a:r>
+            <a:endParaRPr lang="en-US"/>
           </a:p>
           <a:p>
             <a:pPr lvl="2"/>
@@ -3064,6 +3082,7 @@
               <a:rPr lang="en-US"/>
               <a:t>Third level</a:t>
             </a:r>
+            <a:endParaRPr lang="en-US"/>
           </a:p>
           <a:p>
             <a:pPr lvl="3"/>
@@ -3071,6 +3090,7 @@
               <a:rPr lang="en-US"/>
               <a:t>Fourth level</a:t>
             </a:r>
+            <a:endParaRPr lang="en-US"/>
           </a:p>
           <a:p>
             <a:pPr lvl="4"/>
@@ -3099,7 +3119,6 @@
           <a:p>
             <a:fld id="{DB4C57F2-EF2B-4B7F-9EDF-9C0C4DA12393}" type="datetimeFigureOut">
               <a:rPr lang="en-US" smtClean="0"/>
-              <a:t>6/10/2025</a:t>
             </a:fld>
             <a:endParaRPr lang="en-US"/>
           </a:p>
@@ -3141,7 +3160,6 @@
           <a:p>
             <a:fld id="{CFD7A694-76A3-4202-A2B2-E55EACFFB8DF}" type="slidenum">
               <a:rPr lang="en-US" smtClean="0"/>
-              <a:t>‹#›</a:t>
             </a:fld>
             <a:endParaRPr lang="en-US"/>
           </a:p>
@@ -3215,6 +3233,7 @@
               <a:rPr lang="en-US"/>
               <a:t>Click to edit Master text styles</a:t>
             </a:r>
+            <a:endParaRPr lang="en-US"/>
           </a:p>
           <a:p>
             <a:pPr lvl="1"/>
@@ -3222,6 +3241,7 @@
               <a:rPr lang="en-US"/>
               <a:t>Second level</a:t>
             </a:r>
+            <a:endParaRPr lang="en-US"/>
           </a:p>
           <a:p>
             <a:pPr lvl="2"/>
@@ -3229,6 +3249,7 @@
               <a:rPr lang="en-US"/>
               <a:t>Third level</a:t>
             </a:r>
+            <a:endParaRPr lang="en-US"/>
           </a:p>
           <a:p>
             <a:pPr lvl="3"/>
@@ -3236,6 +3257,7 @@
               <a:rPr lang="en-US"/>
               <a:t>Fourth level</a:t>
             </a:r>
+            <a:endParaRPr lang="en-US"/>
           </a:p>
           <a:p>
             <a:pPr lvl="4"/>
@@ -3264,7 +3286,6 @@
           <a:p>
             <a:fld id="{DB4C57F2-EF2B-4B7F-9EDF-9C0C4DA12393}" type="datetimeFigureOut">
               <a:rPr lang="en-US" smtClean="0"/>
-              <a:t>6/10/2025</a:t>
             </a:fld>
             <a:endParaRPr lang="en-US"/>
           </a:p>
@@ -3311,7 +3332,6 @@
           <a:p>
             <a:fld id="{CFD7A694-76A3-4202-A2B2-E55EACFFB8DF}" type="slidenum">
               <a:rPr lang="en-US" smtClean="0"/>
-              <a:t>‹#›</a:t>
             </a:fld>
             <a:endParaRPr lang="en-US"/>
           </a:p>
@@ -3490,6 +3510,7 @@
               <a:rPr lang="en-US"/>
               <a:t>Click to edit Master text styles</a:t>
             </a:r>
+            <a:endParaRPr lang="en-US"/>
           </a:p>
         </p:txBody>
       </p:sp>
@@ -3510,7 +3531,6 @@
           <a:p>
             <a:fld id="{DB4C57F2-EF2B-4B7F-9EDF-9C0C4DA12393}" type="datetimeFigureOut">
               <a:rPr lang="en-US" smtClean="0"/>
-              <a:t>6/10/2025</a:t>
             </a:fld>
             <a:endParaRPr lang="en-US"/>
           </a:p>
@@ -3552,7 +3572,6 @@
           <a:p>
             <a:fld id="{CFD7A694-76A3-4202-A2B2-E55EACFFB8DF}" type="slidenum">
               <a:rPr lang="en-US" smtClean="0"/>
-              <a:t>‹#›</a:t>
             </a:fld>
             <a:endParaRPr lang="en-US"/>
           </a:p>
@@ -3666,6 +3685,7 @@
               <a:rPr lang="en-US"/>
               <a:t>Click to edit Master text styles</a:t>
             </a:r>
+            <a:endParaRPr lang="en-US"/>
           </a:p>
           <a:p>
             <a:pPr lvl="1"/>
@@ -3673,6 +3693,7 @@
               <a:rPr lang="en-US"/>
               <a:t>Second level</a:t>
             </a:r>
+            <a:endParaRPr lang="en-US"/>
           </a:p>
           <a:p>
             <a:pPr lvl="2"/>
@@ -3680,6 +3701,7 @@
               <a:rPr lang="en-US"/>
               <a:t>Third level</a:t>
             </a:r>
+            <a:endParaRPr lang="en-US"/>
           </a:p>
           <a:p>
             <a:pPr lvl="3"/>
@@ -3687,6 +3709,7 @@
               <a:rPr lang="en-US"/>
               <a:t>Fourth level</a:t>
             </a:r>
+            <a:endParaRPr lang="en-US"/>
           </a:p>
           <a:p>
             <a:pPr lvl="4"/>
@@ -3753,6 +3776,7 @@
               <a:rPr lang="en-US"/>
               <a:t>Click to edit Master text styles</a:t>
             </a:r>
+            <a:endParaRPr lang="en-US"/>
           </a:p>
           <a:p>
             <a:pPr lvl="1"/>
@@ -3760,6 +3784,7 @@
               <a:rPr lang="en-US"/>
               <a:t>Second level</a:t>
             </a:r>
+            <a:endParaRPr lang="en-US"/>
           </a:p>
           <a:p>
             <a:pPr lvl="2"/>
@@ -3767,6 +3792,7 @@
               <a:rPr lang="en-US"/>
               <a:t>Third level</a:t>
             </a:r>
+            <a:endParaRPr lang="en-US"/>
           </a:p>
           <a:p>
             <a:pPr lvl="3"/>
@@ -3774,6 +3800,7 @@
               <a:rPr lang="en-US"/>
               <a:t>Fourth level</a:t>
             </a:r>
+            <a:endParaRPr lang="en-US"/>
           </a:p>
           <a:p>
             <a:pPr lvl="4"/>
@@ -3802,7 +3829,6 @@
           <a:p>
             <a:fld id="{DB4C57F2-EF2B-4B7F-9EDF-9C0C4DA12393}" type="datetimeFigureOut">
               <a:rPr lang="en-US" smtClean="0"/>
-              <a:t>6/10/2025</a:t>
             </a:fld>
             <a:endParaRPr lang="en-US"/>
           </a:p>
@@ -3844,7 +3870,6 @@
           <a:p>
             <a:fld id="{CFD7A694-76A3-4202-A2B2-E55EACFFB8DF}" type="slidenum">
               <a:rPr lang="en-US" smtClean="0"/>
-              <a:t>‹#›</a:t>
             </a:fld>
             <a:endParaRPr lang="en-US"/>
           </a:p>
@@ -3972,6 +3997,7 @@
               <a:rPr lang="en-US"/>
               <a:t>Click to edit Master text styles</a:t>
             </a:r>
+            <a:endParaRPr lang="en-US"/>
           </a:p>
         </p:txBody>
       </p:sp>
@@ -4030,6 +4056,7 @@
               <a:rPr lang="en-US"/>
               <a:t>Click to edit Master text styles</a:t>
             </a:r>
+            <a:endParaRPr lang="en-US"/>
           </a:p>
           <a:p>
             <a:pPr lvl="1"/>
@@ -4037,6 +4064,7 @@
               <a:rPr lang="en-US"/>
               <a:t>Second level</a:t>
             </a:r>
+            <a:endParaRPr lang="en-US"/>
           </a:p>
           <a:p>
             <a:pPr lvl="2"/>
@@ -4044,6 +4072,7 @@
               <a:rPr lang="en-US"/>
               <a:t>Third level</a:t>
             </a:r>
+            <a:endParaRPr lang="en-US"/>
           </a:p>
           <a:p>
             <a:pPr lvl="3"/>
@@ -4051,6 +4080,7 @@
               <a:rPr lang="en-US"/>
               <a:t>Fourth level</a:t>
             </a:r>
+            <a:endParaRPr lang="en-US"/>
           </a:p>
           <a:p>
             <a:pPr lvl="4"/>
@@ -4132,6 +4162,7 @@
               <a:rPr lang="en-US"/>
               <a:t>Click to edit Master text styles</a:t>
             </a:r>
+            <a:endParaRPr lang="en-US"/>
           </a:p>
         </p:txBody>
       </p:sp>
@@ -4190,6 +4221,7 @@
               <a:rPr lang="en-US"/>
               <a:t>Click to edit Master text styles</a:t>
             </a:r>
+            <a:endParaRPr lang="en-US"/>
           </a:p>
           <a:p>
             <a:pPr lvl="1"/>
@@ -4197,6 +4229,7 @@
               <a:rPr lang="en-US"/>
               <a:t>Second level</a:t>
             </a:r>
+            <a:endParaRPr lang="en-US"/>
           </a:p>
           <a:p>
             <a:pPr lvl="2"/>
@@ -4204,6 +4237,7 @@
               <a:rPr lang="en-US"/>
               <a:t>Third level</a:t>
             </a:r>
+            <a:endParaRPr lang="en-US"/>
           </a:p>
           <a:p>
             <a:pPr lvl="3"/>
@@ -4211,6 +4245,7 @@
               <a:rPr lang="en-US"/>
               <a:t>Fourth level</a:t>
             </a:r>
+            <a:endParaRPr lang="en-US"/>
           </a:p>
           <a:p>
             <a:pPr lvl="4"/>
@@ -4239,7 +4274,6 @@
           <a:p>
             <a:fld id="{DB4C57F2-EF2B-4B7F-9EDF-9C0C4DA12393}" type="datetimeFigureOut">
               <a:rPr lang="en-US" smtClean="0"/>
-              <a:t>6/10/2025</a:t>
             </a:fld>
             <a:endParaRPr lang="en-US"/>
           </a:p>
@@ -4281,7 +4315,6 @@
           <a:p>
             <a:fld id="{CFD7A694-76A3-4202-A2B2-E55EACFFB8DF}" type="slidenum">
               <a:rPr lang="en-US" smtClean="0"/>
-              <a:t>‹#›</a:t>
             </a:fld>
             <a:endParaRPr lang="en-US"/>
           </a:p>
@@ -4352,7 +4385,6 @@
           <a:p>
             <a:fld id="{DB4C57F2-EF2B-4B7F-9EDF-9C0C4DA12393}" type="datetimeFigureOut">
               <a:rPr lang="en-US" smtClean="0"/>
-              <a:t>6/10/2025</a:t>
             </a:fld>
             <a:endParaRPr lang="en-US"/>
           </a:p>
@@ -4394,7 +4426,6 @@
           <a:p>
             <a:fld id="{CFD7A694-76A3-4202-A2B2-E55EACFFB8DF}" type="slidenum">
               <a:rPr lang="en-US" smtClean="0"/>
-              <a:t>‹#›</a:t>
             </a:fld>
             <a:endParaRPr lang="en-US"/>
           </a:p>
@@ -4442,7 +4473,6 @@
           <a:p>
             <a:fld id="{DB4C57F2-EF2B-4B7F-9EDF-9C0C4DA12393}" type="datetimeFigureOut">
               <a:rPr lang="en-US" smtClean="0"/>
-              <a:t>6/10/2025</a:t>
             </a:fld>
             <a:endParaRPr lang="en-US"/>
           </a:p>
@@ -4484,7 +4514,6 @@
           <a:p>
             <a:fld id="{CFD7A694-76A3-4202-A2B2-E55EACFFB8DF}" type="slidenum">
               <a:rPr lang="en-US" smtClean="0"/>
-              <a:t>‹#›</a:t>
             </a:fld>
             <a:endParaRPr lang="en-US"/>
           </a:p>
@@ -4604,6 +4633,7 @@
               <a:rPr lang="en-US"/>
               <a:t>Click to edit Master text styles</a:t>
             </a:r>
+            <a:endParaRPr lang="en-US"/>
           </a:p>
           <a:p>
             <a:pPr lvl="1"/>
@@ -4611,6 +4641,7 @@
               <a:rPr lang="en-US"/>
               <a:t>Second level</a:t>
             </a:r>
+            <a:endParaRPr lang="en-US"/>
           </a:p>
           <a:p>
             <a:pPr lvl="2"/>
@@ -4618,6 +4649,7 @@
               <a:rPr lang="en-US"/>
               <a:t>Third level</a:t>
             </a:r>
+            <a:endParaRPr lang="en-US"/>
           </a:p>
           <a:p>
             <a:pPr lvl="3"/>
@@ -4625,6 +4657,7 @@
               <a:rPr lang="en-US"/>
               <a:t>Fourth level</a:t>
             </a:r>
+            <a:endParaRPr lang="en-US"/>
           </a:p>
           <a:p>
             <a:pPr lvl="4"/>
@@ -4700,6 +4733,7 @@
               <a:rPr lang="en-US"/>
               <a:t>Click to edit Master text styles</a:t>
             </a:r>
+            <a:endParaRPr lang="en-US"/>
           </a:p>
         </p:txBody>
       </p:sp>
@@ -4720,7 +4754,6 @@
           <a:p>
             <a:fld id="{DB4C57F2-EF2B-4B7F-9EDF-9C0C4DA12393}" type="datetimeFigureOut">
               <a:rPr lang="en-US" smtClean="0"/>
-              <a:t>6/10/2025</a:t>
             </a:fld>
             <a:endParaRPr lang="en-US"/>
           </a:p>
@@ -4762,7 +4795,6 @@
           <a:p>
             <a:fld id="{CFD7A694-76A3-4202-A2B2-E55EACFFB8DF}" type="slidenum">
               <a:rPr lang="en-US" smtClean="0"/>
-              <a:t>‹#›</a:t>
             </a:fld>
             <a:endParaRPr lang="en-US"/>
           </a:p>
@@ -4986,6 +5018,7 @@
               <a:rPr lang="en-US"/>
               <a:t>Click to edit Master text styles</a:t>
             </a:r>
+            <a:endParaRPr lang="en-US"/>
           </a:p>
         </p:txBody>
       </p:sp>
@@ -5006,7 +5039,6 @@
           <a:p>
             <a:fld id="{DB4C57F2-EF2B-4B7F-9EDF-9C0C4DA12393}" type="datetimeFigureOut">
               <a:rPr lang="en-US" smtClean="0"/>
-              <a:t>6/10/2025</a:t>
             </a:fld>
             <a:endParaRPr lang="en-US"/>
           </a:p>
@@ -5048,7 +5080,6 @@
           <a:p>
             <a:fld id="{CFD7A694-76A3-4202-A2B2-E55EACFFB8DF}" type="slidenum">
               <a:rPr lang="en-US" smtClean="0"/>
-              <a:t>‹#›</a:t>
             </a:fld>
             <a:endParaRPr lang="en-US"/>
           </a:p>
@@ -5464,6 +5495,7 @@
               <a:rPr lang="en-US"/>
               <a:t>Click to edit Master text styles</a:t>
             </a:r>
+            <a:endParaRPr lang="en-US"/>
           </a:p>
           <a:p>
             <a:pPr lvl="1"/>
@@ -5471,6 +5503,7 @@
               <a:rPr lang="en-US"/>
               <a:t>Second level</a:t>
             </a:r>
+            <a:endParaRPr lang="en-US"/>
           </a:p>
           <a:p>
             <a:pPr lvl="2"/>
@@ -5478,6 +5511,7 @@
               <a:rPr lang="en-US"/>
               <a:t>Third level</a:t>
             </a:r>
+            <a:endParaRPr lang="en-US"/>
           </a:p>
           <a:p>
             <a:pPr lvl="3"/>
@@ -5485,6 +5519,7 @@
               <a:rPr lang="en-US"/>
               <a:t>Fourth level</a:t>
             </a:r>
+            <a:endParaRPr lang="en-US"/>
           </a:p>
           <a:p>
             <a:pPr lvl="4"/>
@@ -5531,7 +5566,6 @@
           <a:p>
             <a:fld id="{DB4C57F2-EF2B-4B7F-9EDF-9C0C4DA12393}" type="datetimeFigureOut">
               <a:rPr lang="en-US" smtClean="0"/>
-              <a:t>6/10/2025</a:t>
             </a:fld>
             <a:endParaRPr lang="en-US"/>
           </a:p>
@@ -5609,7 +5643,6 @@
           <a:p>
             <a:fld id="{CFD7A694-76A3-4202-A2B2-E55EACFFB8DF}" type="slidenum">
               <a:rPr lang="en-US" smtClean="0"/>
-              <a:t>‹#›</a:t>
             </a:fld>
             <a:endParaRPr lang="en-US"/>
           </a:p>
@@ -6696,6 +6729,10 @@
               </a:rPr>
               <a:t> jednostavno održavanje</a:t>
             </a:r>
+            <a:endParaRPr lang="sr-Latn-RS" dirty="0">
+              <a:latin typeface="Arial" panose="020B0604020202020204" pitchFamily="34" charset="0"/>
+              <a:cs typeface="Arial" panose="020B0604020202020204" pitchFamily="34" charset="0"/>
+            </a:endParaRPr>
           </a:p>
           <a:p>
             <a:pPr defTabSz="914400" eaLnBrk="0" fontAlgn="base" hangingPunct="0">
@@ -6940,6 +6977,7 @@
               <a:rPr lang="en-US" sz="4800" b="1" i="1" dirty="0"/>
               <a:t>!</a:t>
             </a:r>
+            <a:endParaRPr lang="en-US" sz="4800" b="1" i="1" dirty="0"/>
           </a:p>
         </p:txBody>
       </p:sp>
@@ -7029,6 +7067,7 @@
               <a:rPr lang="en-US" b="1" i="1" dirty="0"/>
               <a:t> je Astro?</a:t>
             </a:r>
+            <a:endParaRPr lang="en-US" b="1" i="1" dirty="0"/>
           </a:p>
         </p:txBody>
       </p:sp>
@@ -7369,6 +7408,16 @@
               </a:rPr>
               <a:t>.</a:t>
             </a:r>
+            <a:endParaRPr kumimoji="0" lang="en-US" altLang="en-US" b="0" i="0" u="none" strike="noStrike" cap="none" normalizeH="0" baseline="0" dirty="0">
+              <a:ln>
+                <a:noFill/>
+              </a:ln>
+              <a:solidFill>
+                <a:schemeClr val="tx1"/>
+              </a:solidFill>
+              <a:effectLst/>
+              <a:latin typeface="Arial" panose="020B0604020202020204" pitchFamily="34" charset="0"/>
+            </a:endParaRPr>
           </a:p>
           <a:p>
             <a:pPr marL="0" marR="0" lvl="0" indent="0" algn="l" defTabSz="914400" rtl="0" eaLnBrk="0" fontAlgn="base" latinLnBrk="0" hangingPunct="0">
@@ -7542,6 +7591,16 @@
               </a:rPr>
               <a:t>.</a:t>
             </a:r>
+            <a:endParaRPr kumimoji="0" lang="en-US" altLang="en-US" b="0" i="0" u="none" strike="noStrike" cap="none" normalizeH="0" baseline="0" dirty="0">
+              <a:ln>
+                <a:noFill/>
+              </a:ln>
+              <a:solidFill>
+                <a:schemeClr val="tx1"/>
+              </a:solidFill>
+              <a:effectLst/>
+              <a:latin typeface="Arial" panose="020B0604020202020204" pitchFamily="34" charset="0"/>
+            </a:endParaRPr>
           </a:p>
           <a:p>
             <a:pPr marL="0" marR="0" lvl="0" indent="0" algn="l" defTabSz="914400" rtl="0" eaLnBrk="0" fontAlgn="base" latinLnBrk="0" hangingPunct="0">
@@ -7689,6 +7748,16 @@
               </a:rPr>
               <a:t>.</a:t>
             </a:r>
+            <a:endParaRPr kumimoji="0" lang="en-US" altLang="en-US" b="0" i="0" u="none" strike="noStrike" cap="none" normalizeH="0" baseline="0" dirty="0">
+              <a:ln>
+                <a:noFill/>
+              </a:ln>
+              <a:solidFill>
+                <a:schemeClr val="tx1"/>
+              </a:solidFill>
+              <a:effectLst/>
+              <a:latin typeface="Arial" panose="020B0604020202020204" pitchFamily="34" charset="0"/>
+            </a:endParaRPr>
           </a:p>
         </p:txBody>
       </p:sp>
@@ -8131,7 +8200,7 @@
           <p:nvPr/>
         </p:nvPicPr>
         <p:blipFill>
-          <a:blip r:embed="rId2" cstate="print">
+          <a:blip r:embed="rId1" cstate="print">
             <a:alphaModFix amt="85000"/>
             <a:extLst>
               <a:ext uri="{28A0092B-C50C-407E-A947-70E740481C1C}">
@@ -8168,7 +8237,7 @@
           <p:nvPr/>
         </p:nvPicPr>
         <p:blipFill>
-          <a:blip r:embed="rId3">
+          <a:blip r:embed="rId2">
             <a:alphaModFix amt="85000"/>
             <a:extLst>
               <a:ext uri="{28A0092B-C50C-407E-A947-70E740481C1C}">
@@ -8251,6 +8320,7 @@
               <a:rPr lang="en-US" sz="3600" b="1" i="1" dirty="0"/>
               <a:t>Tech Store </a:t>
             </a:r>
+            <a:endParaRPr lang="en-US" sz="3600" b="1" i="1" dirty="0"/>
           </a:p>
         </p:txBody>
       </p:sp>
@@ -8672,6 +8742,16 @@
               </a:rPr>
               <a:t> Static Site Generator</a:t>
             </a:r>
+            <a:endParaRPr kumimoji="0" lang="en-US" altLang="en-US" b="0" i="0" u="none" strike="noStrike" cap="none" normalizeH="0" baseline="0" dirty="0">
+              <a:ln>
+                <a:noFill/>
+              </a:ln>
+              <a:solidFill>
+                <a:schemeClr val="tx1"/>
+              </a:solidFill>
+              <a:effectLst/>
+              <a:latin typeface="Arial" panose="020B0604020202020204" pitchFamily="34" charset="0"/>
+            </a:endParaRPr>
           </a:p>
           <a:p>
             <a:pPr marL="0" marR="0" lvl="0" indent="0" algn="l" defTabSz="914400" rtl="0" eaLnBrk="0" fontAlgn="base" latinLnBrk="0" hangingPunct="0">
@@ -8741,6 +8821,16 @@
               </a:rPr>
               <a:t>:</a:t>
             </a:r>
+            <a:endParaRPr kumimoji="0" lang="en-US" altLang="en-US" b="0" i="0" u="none" strike="noStrike" cap="none" normalizeH="0" baseline="0" dirty="0">
+              <a:ln>
+                <a:noFill/>
+              </a:ln>
+              <a:solidFill>
+                <a:schemeClr val="tx1"/>
+              </a:solidFill>
+              <a:effectLst/>
+              <a:latin typeface="Arial" panose="020B0604020202020204" pitchFamily="34" charset="0"/>
+            </a:endParaRPr>
           </a:p>
           <a:p>
             <a:pPr marL="457200" marR="0" lvl="1" indent="0" algn="l" defTabSz="914400" rtl="0" eaLnBrk="0" fontAlgn="base" latinLnBrk="0" hangingPunct="0">
@@ -8797,6 +8887,16 @@
               </a:rPr>
               <a:t> meta-framework)</a:t>
             </a:r>
+            <a:endParaRPr kumimoji="0" lang="en-US" altLang="en-US" sz="2400" b="0" i="0" u="none" strike="noStrike" cap="none" normalizeH="0" baseline="0" dirty="0">
+              <a:ln>
+                <a:noFill/>
+              </a:ln>
+              <a:solidFill>
+                <a:schemeClr val="tx1"/>
+              </a:solidFill>
+              <a:effectLst/>
+              <a:latin typeface="Arial" panose="020B0604020202020204" pitchFamily="34" charset="0"/>
+            </a:endParaRPr>
           </a:p>
           <a:p>
             <a:pPr marL="457200" marR="0" lvl="1" indent="0" algn="l" defTabSz="914400" rtl="0" eaLnBrk="0" fontAlgn="base" latinLnBrk="0" hangingPunct="0">
@@ -8879,6 +8979,16 @@
               </a:rPr>
               <a:t>)</a:t>
             </a:r>
+            <a:endParaRPr kumimoji="0" lang="en-US" altLang="en-US" sz="2400" b="0" i="0" u="none" strike="noStrike" cap="none" normalizeH="0" baseline="0" dirty="0">
+              <a:ln>
+                <a:noFill/>
+              </a:ln>
+              <a:solidFill>
+                <a:schemeClr val="tx1"/>
+              </a:solidFill>
+              <a:effectLst/>
+              <a:latin typeface="Arial" panose="020B0604020202020204" pitchFamily="34" charset="0"/>
+            </a:endParaRPr>
           </a:p>
           <a:p>
             <a:pPr marL="457200" marR="0" lvl="1" indent="0" algn="l" defTabSz="914400" rtl="0" eaLnBrk="0" fontAlgn="base" latinLnBrk="0" hangingPunct="0">
@@ -8909,6 +9019,16 @@
               </a:rPr>
               <a:t>CSS Modules</a:t>
             </a:r>
+            <a:endParaRPr kumimoji="0" lang="en-US" altLang="en-US" sz="2400" b="0" i="0" u="none" strike="noStrike" cap="none" normalizeH="0" baseline="0" dirty="0">
+              <a:ln>
+                <a:noFill/>
+              </a:ln>
+              <a:solidFill>
+                <a:schemeClr val="tx1"/>
+              </a:solidFill>
+              <a:effectLst/>
+              <a:latin typeface="Arial" panose="020B0604020202020204" pitchFamily="34" charset="0"/>
+            </a:endParaRPr>
           </a:p>
           <a:p>
             <a:pPr marL="457200" marR="0" lvl="1" indent="0" algn="l" defTabSz="914400" rtl="0" eaLnBrk="0" fontAlgn="base" latinLnBrk="0" hangingPunct="0">
@@ -9004,6 +9124,16 @@
               </a:rPr>
               <a:t>)</a:t>
             </a:r>
+            <a:endParaRPr kumimoji="0" lang="en-US" altLang="en-US" sz="2400" b="0" i="0" u="none" strike="noStrike" cap="none" normalizeH="0" baseline="0" dirty="0">
+              <a:ln>
+                <a:noFill/>
+              </a:ln>
+              <a:solidFill>
+                <a:schemeClr val="tx1"/>
+              </a:solidFill>
+              <a:effectLst/>
+              <a:latin typeface="Arial" panose="020B0604020202020204" pitchFamily="34" charset="0"/>
+            </a:endParaRPr>
           </a:p>
           <a:p>
             <a:pPr marL="0" marR="0" lvl="0" indent="0" algn="l" defTabSz="914400" rtl="0" eaLnBrk="0" fontAlgn="base" latinLnBrk="0" hangingPunct="0">
@@ -9043,7 +9173,7 @@
           <p:nvPr/>
         </p:nvPicPr>
         <p:blipFill>
-          <a:blip r:embed="rId2" cstate="print">
+          <a:blip r:embed="rId1" cstate="print">
             <a:extLst>
               <a:ext uri="{28A0092B-C50C-407E-A947-70E740481C1C}">
                 <a14:useLocalDpi xmlns:a14="http://schemas.microsoft.com/office/drawing/2010/main" val="0"/>
@@ -9255,7 +9385,7 @@
               <a:t>components/ – sadr</a:t>
             </a:r>
             <a:r>
-              <a:rPr kumimoji="0" lang="" altLang="en-US" b="0" i="0" u="none" strike="noStrike" cap="none" normalizeH="0" baseline="0" dirty="0">
+              <a:rPr kumimoji="0" lang="en-US" altLang="en-US" b="0" i="0" u="none" strike="noStrike" cap="none" normalizeH="0" baseline="0" dirty="0">
                 <a:ln>
                   <a:noFill/>
                 </a:ln>
@@ -9281,7 +9411,7 @@
               <a:t>i React komponente kao </a:t>
             </a:r>
             <a:r>
-              <a:rPr kumimoji="0" lang="" altLang="en-US" b="0" i="0" u="none" strike="noStrike" cap="none" normalizeH="0" baseline="0" dirty="0">
+              <a:rPr kumimoji="0" lang="en-US" altLang="en-US" b="0" i="0" u="none" strike="noStrike" cap="none" normalizeH="0" baseline="0" dirty="0">
                 <a:ln>
                   <a:noFill/>
                 </a:ln>
@@ -9332,6 +9462,16 @@
               </a:rPr>
               <a:t> za prikaz </a:t>
             </a:r>
+            <a:endParaRPr kumimoji="0" lang="en-US" altLang="en-US" b="0" i="0" u="none" strike="noStrike" cap="none" normalizeH="0" baseline="0" dirty="0">
+              <a:ln>
+                <a:noFill/>
+              </a:ln>
+              <a:solidFill>
+                <a:schemeClr val="tx1"/>
+              </a:solidFill>
+              <a:effectLst/>
+              <a:latin typeface="Arial" panose="020B0604020202020204" pitchFamily="34" charset="0"/>
+            </a:endParaRPr>
           </a:p>
           <a:p>
             <a:pPr marL="0" marR="0" lvl="0" indent="0" algn="just" defTabSz="914400" rtl="0" eaLnBrk="0" fontAlgn="base" latinLnBrk="0" hangingPunct="0">
@@ -9374,6 +9514,16 @@
               </a:rPr>
               <a:t>proizvoda i CartApp.jsx za rad sa korpom.</a:t>
             </a:r>
+            <a:endParaRPr kumimoji="0" lang="en-US" altLang="en-US" b="0" i="0" u="none" strike="noStrike" cap="none" normalizeH="0" baseline="0" dirty="0">
+              <a:ln>
+                <a:noFill/>
+              </a:ln>
+              <a:solidFill>
+                <a:schemeClr val="tx1"/>
+              </a:solidFill>
+              <a:effectLst/>
+              <a:latin typeface="Arial" panose="020B0604020202020204" pitchFamily="34" charset="0"/>
+            </a:endParaRPr>
           </a:p>
           <a:p>
             <a:pPr marL="0" marR="0" lvl="0" indent="0" algn="just" defTabSz="914400" rtl="0" eaLnBrk="0" fontAlgn="base" latinLnBrk="0" hangingPunct="0">
@@ -9429,7 +9579,7 @@
               <a:t>layouts/ – koristi se zajedni</a:t>
             </a:r>
             <a:r>
-              <a:rPr kumimoji="0" lang="" altLang="en-US" b="0" i="0" u="none" strike="noStrike" cap="none" normalizeH="0" baseline="0" dirty="0">
+              <a:rPr kumimoji="0" lang="en-US" altLang="en-US" b="0" i="0" u="none" strike="noStrike" cap="none" normalizeH="0" baseline="0" dirty="0">
                 <a:ln>
                   <a:noFill/>
                 </a:ln>
@@ -9454,6 +9604,16 @@
               </a:rPr>
               <a:t>ki layout DefaultLayout.astro koji obuhvata </a:t>
             </a:r>
+            <a:endParaRPr kumimoji="0" lang="en-US" altLang="en-US" b="0" i="0" u="none" strike="noStrike" cap="none" normalizeH="0" baseline="0" dirty="0">
+              <a:ln>
+                <a:noFill/>
+              </a:ln>
+              <a:solidFill>
+                <a:schemeClr val="tx1"/>
+              </a:solidFill>
+              <a:effectLst/>
+              <a:latin typeface="Arial" panose="020B0604020202020204" pitchFamily="34" charset="0"/>
+            </a:endParaRPr>
           </a:p>
           <a:p>
             <a:pPr marL="0" marR="0" lvl="0" indent="0" algn="just" defTabSz="914400" rtl="0" eaLnBrk="0" fontAlgn="base" latinLnBrk="0" hangingPunct="0">
@@ -9497,7 +9657,7 @@
               <a:t>sve stranice i uklju</a:t>
             </a:r>
             <a:r>
-              <a:rPr kumimoji="0" lang="" altLang="en-US" b="0" i="0" u="none" strike="noStrike" cap="none" normalizeH="0" baseline="0" dirty="0">
+              <a:rPr kumimoji="0" lang="en-US" altLang="en-US" b="0" i="0" u="none" strike="noStrike" cap="none" normalizeH="0" baseline="0" dirty="0">
                 <a:ln>
                   <a:noFill/>
                 </a:ln>
@@ -9522,6 +9682,16 @@
               </a:rPr>
               <a:t>uje zaglavlje sajta.</a:t>
             </a:r>
+            <a:endParaRPr kumimoji="0" lang="en-US" altLang="en-US" b="0" i="0" u="none" strike="noStrike" cap="none" normalizeH="0" baseline="0" dirty="0">
+              <a:ln>
+                <a:noFill/>
+              </a:ln>
+              <a:solidFill>
+                <a:schemeClr val="tx1"/>
+              </a:solidFill>
+              <a:effectLst/>
+              <a:latin typeface="Arial" panose="020B0604020202020204" pitchFamily="34" charset="0"/>
+            </a:endParaRPr>
           </a:p>
           <a:p>
             <a:pPr marR="0" lvl="0" algn="just" defTabSz="914400" rtl="0" eaLnBrk="0" fontAlgn="base" latinLnBrk="0" hangingPunct="0">
@@ -9575,6 +9745,16 @@
               </a:rPr>
               <a:t>pages/ – glavne stranice sajta u Astro formatu: index.astro, cart.astro i </a:t>
             </a:r>
+            <a:endParaRPr kumimoji="0" lang="en-US" altLang="en-US" b="0" i="0" u="none" strike="noStrike" cap="none" normalizeH="0" baseline="0" dirty="0">
+              <a:ln>
+                <a:noFill/>
+              </a:ln>
+              <a:solidFill>
+                <a:schemeClr val="tx1"/>
+              </a:solidFill>
+              <a:effectLst/>
+              <a:latin typeface="Arial" panose="020B0604020202020204" pitchFamily="34" charset="0"/>
+            </a:endParaRPr>
           </a:p>
           <a:p>
             <a:pPr marL="0" marR="0" lvl="0" indent="0" algn="just" defTabSz="914400" rtl="0" eaLnBrk="0" fontAlgn="base" latinLnBrk="0" hangingPunct="0">
@@ -9618,7 +9798,7 @@
               <a:t>stranica [id].astro za prikaz pojedina</a:t>
             </a:r>
             <a:r>
-              <a:rPr kumimoji="0" lang="" altLang="en-US" b="0" i="0" u="none" strike="noStrike" cap="none" normalizeH="0" baseline="0" dirty="0">
+              <a:rPr kumimoji="0" lang="en-US" altLang="en-US" b="0" i="0" u="none" strike="noStrike" cap="none" normalizeH="0" baseline="0" dirty="0">
                 <a:ln>
                   <a:noFill/>
                 </a:ln>
@@ -9643,6 +9823,16 @@
               </a:rPr>
               <a:t>nog proizvoda.</a:t>
             </a:r>
+            <a:endParaRPr kumimoji="0" lang="en-US" altLang="en-US" b="0" i="0" u="none" strike="noStrike" cap="none" normalizeH="0" baseline="0" dirty="0">
+              <a:ln>
+                <a:noFill/>
+              </a:ln>
+              <a:solidFill>
+                <a:schemeClr val="tx1"/>
+              </a:solidFill>
+              <a:effectLst/>
+              <a:latin typeface="Arial" panose="020B0604020202020204" pitchFamily="34" charset="0"/>
+            </a:endParaRPr>
           </a:p>
           <a:p>
             <a:pPr marR="0" lvl="0" algn="just" defTabSz="914400" rtl="0" eaLnBrk="0" fontAlgn="base" latinLnBrk="0" hangingPunct="0">
@@ -9697,7 +9887,7 @@
               <a:t>styles/ – posebno se vodi ra</a:t>
             </a:r>
             <a:r>
-              <a:rPr kumimoji="0" lang="" altLang="en-US" b="0" i="0" u="none" strike="noStrike" cap="none" normalizeH="0" baseline="0" dirty="0">
+              <a:rPr kumimoji="0" lang="en-US" altLang="en-US" b="0" i="0" u="none" strike="noStrike" cap="none" normalizeH="0" baseline="0" dirty="0">
                 <a:ln>
                   <a:noFill/>
                 </a:ln>
@@ -9722,6 +9912,16 @@
               </a:rPr>
               <a:t>una o stilu stranica, kao i o prikazu </a:t>
             </a:r>
+            <a:endParaRPr kumimoji="0" lang="en-US" altLang="en-US" b="0" i="0" u="none" strike="noStrike" cap="none" normalizeH="0" baseline="0" dirty="0">
+              <a:ln>
+                <a:noFill/>
+              </a:ln>
+              <a:solidFill>
+                <a:schemeClr val="tx1"/>
+              </a:solidFill>
+              <a:effectLst/>
+              <a:latin typeface="Arial" panose="020B0604020202020204" pitchFamily="34" charset="0"/>
+            </a:endParaRPr>
           </a:p>
           <a:p>
             <a:pPr marL="0" marR="0" lvl="0" indent="0" algn="just" defTabSz="914400" rtl="0" eaLnBrk="0" fontAlgn="base" latinLnBrk="0" hangingPunct="0">
@@ -9764,6 +9964,16 @@
               </a:rPr>
               <a:t>proizvoda i responsive dizajnu.</a:t>
             </a:r>
+            <a:endParaRPr kumimoji="0" lang="en-US" altLang="en-US" b="0" i="0" u="none" strike="noStrike" cap="none" normalizeH="0" baseline="0" dirty="0">
+              <a:ln>
+                <a:noFill/>
+              </a:ln>
+              <a:solidFill>
+                <a:schemeClr val="tx1"/>
+              </a:solidFill>
+              <a:effectLst/>
+              <a:latin typeface="Arial" panose="020B0604020202020204" pitchFamily="34" charset="0"/>
+            </a:endParaRPr>
           </a:p>
         </p:txBody>
       </p:sp>
@@ -9834,6 +10044,7 @@
               <a:rPr lang="en-US" sz="3600" b="1" i="1" dirty="0"/>
               <a:t> Astro?</a:t>
             </a:r>
+            <a:endParaRPr lang="en-US" sz="3600" b="1" i="1" dirty="0"/>
           </a:p>
         </p:txBody>
       </p:sp>
@@ -9924,6 +10135,17 @@
               </a:rPr>
               <a:t>DefaultLayout.astro i Header.astro**</a:t>
             </a:r>
+            <a:endParaRPr kumimoji="0" lang="en-US" altLang="en-US" sz="2000" b="1" i="0" u="none" strike="noStrike" cap="none" normalizeH="0" baseline="0" dirty="0">
+              <a:ln>
+                <a:noFill/>
+              </a:ln>
+              <a:solidFill>
+                <a:schemeClr val="tx1"/>
+              </a:solidFill>
+              <a:effectLst/>
+              <a:latin typeface="Arial" panose="020B0604020202020204" pitchFamily="34" charset="0"/>
+              <a:cs typeface="Arial" panose="020B0604020202020204" pitchFamily="34" charset="0"/>
+            </a:endParaRPr>
           </a:p>
           <a:p>
             <a:pPr marL="0" marR="0" lvl="0" indent="0" algn="l" defTabSz="914400" rtl="0" eaLnBrk="0" fontAlgn="base" latinLnBrk="0" hangingPunct="0">
@@ -9955,6 +10177,17 @@
               </a:rPr>
               <a:t>Zaglavlje sajta sa logom, imenom sajta i linkom ka korpi.</a:t>
             </a:r>
+            <a:endParaRPr kumimoji="0" lang="en-US" altLang="en-US" sz="2000" i="0" u="none" strike="noStrike" cap="none" normalizeH="0" baseline="0" dirty="0">
+              <a:ln>
+                <a:noFill/>
+              </a:ln>
+              <a:solidFill>
+                <a:schemeClr val="tx1"/>
+              </a:solidFill>
+              <a:effectLst/>
+              <a:latin typeface="Arial" panose="020B0604020202020204" pitchFamily="34" charset="0"/>
+              <a:cs typeface="Arial" panose="020B0604020202020204" pitchFamily="34" charset="0"/>
+            </a:endParaRPr>
           </a:p>
           <a:p>
             <a:pPr marL="0" marR="0" lvl="0" indent="0" algn="l" defTabSz="914400" rtl="0" eaLnBrk="0" fontAlgn="base" latinLnBrk="0" hangingPunct="0">
@@ -9987,7 +10220,7 @@
               <a:t>Omogu</a:t>
             </a:r>
             <a:r>
-              <a:rPr kumimoji="0" lang="" altLang="en-US" sz="2000" i="0" u="none" strike="noStrike" cap="none" normalizeH="0" baseline="0" dirty="0">
+              <a:rPr kumimoji="0" lang="en-US" altLang="en-US" sz="2000" i="0" u="none" strike="noStrike" cap="none" normalizeH="0" baseline="0" dirty="0">
                 <a:ln>
                   <a:noFill/>
                 </a:ln>
@@ -10014,6 +10247,17 @@
               </a:rPr>
               <a:t>ava dosledan prikaz i dizajn na svim stranicama.”</a:t>
             </a:r>
+            <a:endParaRPr kumimoji="0" lang="en-US" altLang="en-US" sz="2000" i="0" u="none" strike="noStrike" cap="none" normalizeH="0" baseline="0" dirty="0">
+              <a:ln>
+                <a:noFill/>
+              </a:ln>
+              <a:solidFill>
+                <a:schemeClr val="tx1"/>
+              </a:solidFill>
+              <a:effectLst/>
+              <a:latin typeface="Arial" panose="020B0604020202020204" pitchFamily="34" charset="0"/>
+              <a:cs typeface="Arial" panose="020B0604020202020204" pitchFamily="34" charset="0"/>
+            </a:endParaRPr>
           </a:p>
           <a:p>
             <a:pPr marL="0" marR="0" lvl="0" indent="0" algn="l" defTabSz="914400" rtl="0" eaLnBrk="0" fontAlgn="base" latinLnBrk="0" hangingPunct="0">
@@ -10111,6 +10355,17 @@
               </a:rPr>
               <a:t>Početna stranica, generiše sve proizvode kao card komponente. </a:t>
             </a:r>
+            <a:endParaRPr kumimoji="0" lang="sr-Latn-RS" altLang="en-US" sz="2000" b="0" i="0" u="none" strike="noStrike" cap="none" normalizeH="0" baseline="0" dirty="0">
+              <a:ln>
+                <a:noFill/>
+              </a:ln>
+              <a:solidFill>
+                <a:schemeClr val="tx1"/>
+              </a:solidFill>
+              <a:effectLst/>
+              <a:latin typeface="Arial" panose="020B0604020202020204" pitchFamily="34" charset="0"/>
+              <a:cs typeface="Arial" panose="020B0604020202020204" pitchFamily="34" charset="0"/>
+            </a:endParaRPr>
           </a:p>
           <a:p>
             <a:pPr marL="0" indent="0" defTabSz="914400" eaLnBrk="0" fontAlgn="base" hangingPunct="0">
@@ -10131,6 +10386,10 @@
               </a:rPr>
               <a:t>&lt;App client:load /&gt; jer se učitava u pregledaču i koristi App.jsx react komponentu za sve proizvode</a:t>
             </a:r>
+            <a:endParaRPr lang="sr-Latn-RS" altLang="en-US" sz="2000" dirty="0">
+              <a:latin typeface="Arial" panose="020B0604020202020204" pitchFamily="34" charset="0"/>
+              <a:cs typeface="Arial" panose="020B0604020202020204" pitchFamily="34" charset="0"/>
+            </a:endParaRPr>
           </a:p>
           <a:p>
             <a:pPr marL="0" indent="0" defTabSz="914400" eaLnBrk="0" fontAlgn="base" hangingPunct="0">
@@ -10264,6 +10523,10 @@
               </a:rPr>
               <a:t>tava CartApp.jsx koja koristi localStorage za prikaz korpe i svih artikala iz nje</a:t>
             </a:r>
+            <a:endParaRPr lang="sr-Latn-RS" altLang="en-US" sz="2000" dirty="0">
+              <a:latin typeface="Arial" panose="020B0604020202020204" pitchFamily="34" charset="0"/>
+              <a:cs typeface="Arial" panose="020B0604020202020204" pitchFamily="34" charset="0"/>
+            </a:endParaRPr>
           </a:p>
           <a:p>
             <a:pPr marL="0" marR="0" lvl="0" indent="0" algn="l" defTabSz="914400" rtl="0" eaLnBrk="0" fontAlgn="base" latinLnBrk="0" hangingPunct="0">
@@ -10316,6 +10579,10 @@
               </a:rPr>
               <a:t> </a:t>
             </a:r>
+            <a:endParaRPr lang="sr-Latn-RS" sz="2000" b="1" dirty="0">
+              <a:latin typeface="Arial" panose="020B0604020202020204" pitchFamily="34" charset="0"/>
+              <a:cs typeface="Arial" panose="020B0604020202020204" pitchFamily="34" charset="0"/>
+            </a:endParaRPr>
           </a:p>
           <a:p>
             <a:pPr marL="0" marR="0" lvl="0" indent="0" algn="l" defTabSz="914400" rtl="0" eaLnBrk="0" fontAlgn="base" latinLnBrk="0" hangingPunct="0">
@@ -10347,6 +10614,10 @@
               </a:rPr>
               <a:t> </a:t>
             </a:r>
+            <a:endParaRPr lang="sr-Latn-RS" sz="2000" dirty="0">
+              <a:latin typeface="Arial" panose="020B0604020202020204" pitchFamily="34" charset="0"/>
+              <a:cs typeface="Arial" panose="020B0604020202020204" pitchFamily="34" charset="0"/>
+            </a:endParaRPr>
           </a:p>
           <a:p>
             <a:pPr marL="0" marR="0" lvl="0" indent="0" algn="l" defTabSz="914400" rtl="0" eaLnBrk="0" fontAlgn="base" latinLnBrk="0" hangingPunct="0">
@@ -10490,6 +10761,7 @@
               <a:rPr lang="en-US" sz="3600" b="1" i="1" dirty="0"/>
               <a:t> Astro-a</a:t>
             </a:r>
+            <a:endParaRPr lang="en-US" sz="3600" b="1" i="1" dirty="0"/>
           </a:p>
         </p:txBody>
       </p:sp>
@@ -11831,6 +12103,17 @@
               </a:rPr>
               <a:t> </a:t>
             </a:r>
+            <a:endParaRPr kumimoji="0" lang="en-US" altLang="en-US" b="0" i="0" u="none" strike="noStrike" cap="none" normalizeH="0" baseline="0" dirty="0">
+              <a:ln>
+                <a:noFill/>
+              </a:ln>
+              <a:solidFill>
+                <a:schemeClr val="tx1"/>
+              </a:solidFill>
+              <a:effectLst/>
+              <a:latin typeface="Arial" panose="020B0604020202020204" pitchFamily="34" charset="0"/>
+              <a:cs typeface="Arial" panose="020B0604020202020204" pitchFamily="34" charset="0"/>
+            </a:endParaRPr>
           </a:p>
         </p:txBody>
       </p:sp>
@@ -11935,6 +12218,7 @@
               <a:rPr lang="en-US" altLang="en-US" sz="9600"/>
               <a:t>Prikaz svih proizvoda iz baze</a:t>
             </a:r>
+            <a:endParaRPr lang="en-US" altLang="en-US" sz="9600"/>
           </a:p>
           <a:p>
             <a:r>
@@ -11948,18 +12232,21 @@
               <a:rPr lang="en-US" altLang="en-US" sz="9600"/>
               <a:t>Klikom na proizvod – otvara se stranica sa detaljima</a:t>
             </a:r>
+            <a:endParaRPr lang="en-US" altLang="en-US" sz="9600"/>
           </a:p>
           <a:p>
             <a:r>
               <a:rPr lang="en-US" altLang="en-US" sz="9600"/>
               <a:t>Dodavanje proizvoda u korpu (memorija u LocalStorage-u)</a:t>
             </a:r>
+            <a:endParaRPr lang="en-US" altLang="en-US" sz="9600"/>
           </a:p>
           <a:p>
             <a:r>
               <a:rPr lang="sr-Latn-RS" sz="9600"/>
               <a:t>Rad sa korpom</a:t>
             </a:r>
+            <a:endParaRPr lang="sr-Latn-RS" sz="9600"/>
           </a:p>
           <a:p>
             <a:r>
@@ -11967,7 +12254,7 @@
               <a:t>Klikom na „Poru</a:t>
             </a:r>
             <a:r>
-              <a:rPr lang="" altLang="en-US" sz="9600"/>
+              <a:rPr lang="en-US" altLang="en-US" sz="9600"/>
               <a:t>č</a:t>
             </a:r>
             <a:r>
@@ -11975,13 +12262,14 @@
               <a:t>i“ simulira se narud</a:t>
             </a:r>
             <a:r>
-              <a:rPr lang="" altLang="en-US" sz="9600"/>
+              <a:rPr lang="en-US" altLang="en-US" sz="9600"/>
               <a:t>ž</a:t>
             </a:r>
             <a:r>
               <a:rPr lang="en-US" altLang="en-US" sz="9600"/>
               <a:t>bina i prazni se korpa</a:t>
             </a:r>
+            <a:endParaRPr lang="en-US" altLang="en-US" sz="9600"/>
           </a:p>
           <a:p>
             <a:r>
@@ -11989,7 +12277,7 @@
               <a:t>Navigacija izme</a:t>
             </a:r>
             <a:r>
-              <a:rPr lang="" altLang="en-US" sz="9600"/>
+              <a:rPr lang="en-US" altLang="en-US" sz="9600"/>
               <a:t>đ</a:t>
             </a:r>
             <a:r>
@@ -11997,32 +12285,27 @@
               <a:t>u po</a:t>
             </a:r>
             <a:r>
-              <a:rPr lang="" altLang="en-US" sz="9600"/>
+              <a:rPr lang="en-US" altLang="en-US" sz="9600"/>
               <a:t>č</a:t>
             </a:r>
             <a:r>
               <a:rPr lang="en-US" altLang="en-US" sz="9600"/>
               <a:t>etne i korpe uvek dostupna</a:t>
             </a:r>
+            <a:endParaRPr lang="en-US" altLang="en-US" sz="9600"/>
           </a:p>
         </p:txBody>
       </p:sp>
       <p:pic>
         <p:nvPicPr>
-          <p:cNvPr id="5" name="Picture 4">
-            <a:extLst>
-              <a:ext uri="{FF2B5EF4-FFF2-40B4-BE49-F238E27FC236}">
-                <a16:creationId xmlns:a16="http://schemas.microsoft.com/office/drawing/2014/main" id="{BCAC767A-B3A0-4619-A949-1C39ED530A52}"/>
-              </a:ext>
-            </a:extLst>
-          </p:cNvPr>
+          <p:cNvPr id="5" name="Picture 4"/>
           <p:cNvPicPr>
             <a:picLocks noChangeAspect="1"/>
           </p:cNvPicPr>
           <p:nvPr/>
         </p:nvPicPr>
         <p:blipFill>
-          <a:blip r:embed="rId2" cstate="print">
+          <a:blip r:embed="rId1" cstate="print">
             <a:extLst>
               <a:ext uri="{28A0092B-C50C-407E-A947-70E740481C1C}">
                 <a14:useLocalDpi xmlns:a14="http://schemas.microsoft.com/office/drawing/2010/main" val="0"/>
@@ -12058,20 +12341,14 @@
       </p:pic>
       <p:pic>
         <p:nvPicPr>
-          <p:cNvPr id="7" name="Picture 6">
-            <a:extLst>
-              <a:ext uri="{FF2B5EF4-FFF2-40B4-BE49-F238E27FC236}">
-                <a16:creationId xmlns:a16="http://schemas.microsoft.com/office/drawing/2014/main" id="{E5E93F84-2684-4765-8FEB-EF81900DBFDC}"/>
-              </a:ext>
-            </a:extLst>
-          </p:cNvPr>
+          <p:cNvPr id="7" name="Picture 6"/>
           <p:cNvPicPr>
             <a:picLocks noChangeAspect="1"/>
           </p:cNvPicPr>
           <p:nvPr/>
         </p:nvPicPr>
         <p:blipFill>
-          <a:blip r:embed="rId3" cstate="print">
+          <a:blip r:embed="rId2" cstate="print">
             <a:extLst>
               <a:ext uri="{28A0092B-C50C-407E-A947-70E740481C1C}">
                 <a14:useLocalDpi xmlns:a14="http://schemas.microsoft.com/office/drawing/2010/main" val="0"/>
@@ -12132,13 +12409,7 @@
       </p:grpSpPr>
       <p:sp>
         <p:nvSpPr>
-          <p:cNvPr id="2" name="Title 1">
-            <a:extLst>
-              <a:ext uri="{FF2B5EF4-FFF2-40B4-BE49-F238E27FC236}">
-                <a16:creationId xmlns:a16="http://schemas.microsoft.com/office/drawing/2014/main" id="{2B2C08E5-EBBC-4663-AF4D-A063751D53B7}"/>
-              </a:ext>
-            </a:extLst>
-          </p:cNvPr>
+          <p:cNvPr id="2" name="Title 1"/>
           <p:cNvSpPr>
             <a:spLocks noGrp="1"/>
           </p:cNvSpPr>
@@ -12184,13 +12455,7 @@
       </p:sp>
       <p:sp>
         <p:nvSpPr>
-          <p:cNvPr id="4" name="Rectangle 1">
-            <a:extLst>
-              <a:ext uri="{FF2B5EF4-FFF2-40B4-BE49-F238E27FC236}">
-                <a16:creationId xmlns:a16="http://schemas.microsoft.com/office/drawing/2014/main" id="{7257EA15-CD09-4249-8939-555A4514B8D1}"/>
-              </a:ext>
-            </a:extLst>
-          </p:cNvPr>
+          <p:cNvPr id="4" name="Rectangle 1"/>
           <p:cNvSpPr>
             <a:spLocks noGrp="1" noChangeArrowheads="1"/>
           </p:cNvSpPr>
@@ -12242,9 +12507,6 @@
         </p:spPr>
         <p:txBody>
           <a:bodyPr vert="horz" wrap="square" lIns="91440" tIns="45720" rIns="91440" bIns="45720" numCol="1" anchor="ctr" anchorCtr="0" compatLnSpc="1">
-            <a:prstTxWarp prst="textNoShape">
-              <a:avLst/>
-            </a:prstTxWarp>
             <a:spAutoFit/>
           </a:bodyPr>
           <a:lstStyle/>
@@ -12263,7 +12525,6 @@
               <a:buSzTx/>
               <a:buFontTx/>
               <a:buNone/>
-              <a:tabLst/>
             </a:pPr>
             <a:r>
               <a:rPr kumimoji="0" lang="en-US" altLang="en-US" i="0" u="none" strike="noStrike" cap="none" normalizeH="0" baseline="0" dirty="0">
@@ -12334,7 +12595,6 @@
               <a:buSzTx/>
               <a:buFontTx/>
               <a:buNone/>
-              <a:tabLst/>
             </a:pPr>
             <a:r>
               <a:rPr kumimoji="0" lang="en-US" altLang="en-US" sz="2000" b="0" i="0" u="none" strike="noStrike" cap="none" normalizeH="0" baseline="0" dirty="0">
@@ -12372,6 +12632,15 @@
               </a:rPr>
               <a:t>&gt;</a:t>
             </a:r>
+            <a:endParaRPr kumimoji="0" lang="en-US" altLang="en-US" sz="2000" b="0" i="0" u="none" strike="noStrike" cap="none" normalizeH="0" baseline="0" dirty="0">
+              <a:ln>
+                <a:noFill/>
+              </a:ln>
+              <a:solidFill>
+                <a:schemeClr val="tx1"/>
+              </a:solidFill>
+              <a:effectLst/>
+            </a:endParaRPr>
           </a:p>
           <a:p>
             <a:pPr marL="0" marR="0" lvl="0" indent="0" algn="l" defTabSz="914400" rtl="0" eaLnBrk="0" fontAlgn="base" latinLnBrk="0" hangingPunct="0">
@@ -12388,7 +12657,6 @@
               <a:buSzTx/>
               <a:buFontTx/>
               <a:buNone/>
-              <a:tabLst/>
             </a:pPr>
             <a:r>
               <a:rPr kumimoji="0" lang="en-US" altLang="en-US" sz="2000" b="0" i="0" u="none" strike="noStrike" cap="none" normalizeH="0" baseline="0" dirty="0">
@@ -12426,6 +12694,15 @@
               </a:rPr>
               <a:t> /&gt;</a:t>
             </a:r>
+            <a:endParaRPr kumimoji="0" lang="en-US" altLang="en-US" sz="2000" b="0" i="0" u="none" strike="noStrike" cap="none" normalizeH="0" baseline="0" dirty="0">
+              <a:ln>
+                <a:noFill/>
+              </a:ln>
+              <a:solidFill>
+                <a:schemeClr val="tx1"/>
+              </a:solidFill>
+              <a:effectLst/>
+            </a:endParaRPr>
           </a:p>
           <a:p>
             <a:pPr marL="0" marR="0" lvl="0" indent="0" algn="l" defTabSz="914400" rtl="0" eaLnBrk="0" fontAlgn="base" latinLnBrk="0" hangingPunct="0">
@@ -12442,7 +12719,6 @@
               <a:buSzTx/>
               <a:buFontTx/>
               <a:buNone/>
-              <a:tabLst/>
             </a:pPr>
             <a:r>
               <a:rPr kumimoji="0" lang="en-US" altLang="en-US" sz="2000" b="0" i="0" u="none" strike="noStrike" cap="none" normalizeH="0" baseline="0" dirty="0">
@@ -12505,7 +12781,6 @@
               <a:buSzTx/>
               <a:buFontTx/>
               <a:buNone/>
-              <a:tabLst/>
             </a:pPr>
             <a:endParaRPr lang="sr-Latn-RS" altLang="en-US" dirty="0">
               <a:latin typeface="Arial" panose="020B0604020202020204" pitchFamily="34" charset="0"/>
@@ -12527,7 +12802,6 @@
               <a:buSzTx/>
               <a:buFontTx/>
               <a:buNone/>
-              <a:tabLst/>
             </a:pPr>
             <a:r>
               <a:rPr kumimoji="0" lang="sr-Latn-RS" altLang="en-US" i="0" u="none" strike="noStrike" cap="none" normalizeH="0" baseline="0" dirty="0">
@@ -12543,6 +12817,17 @@
               </a:rPr>
               <a:t>U cart.astro: </a:t>
             </a:r>
+            <a:endParaRPr kumimoji="0" lang="sr-Latn-RS" altLang="en-US" i="0" u="none" strike="noStrike" cap="none" normalizeH="0" baseline="0" dirty="0">
+              <a:ln>
+                <a:noFill/>
+              </a:ln>
+              <a:solidFill>
+                <a:schemeClr val="tx1"/>
+              </a:solidFill>
+              <a:effectLst/>
+              <a:latin typeface="Arial" panose="020B0604020202020204" pitchFamily="34" charset="0"/>
+              <a:cs typeface="Arial" panose="020B0604020202020204" pitchFamily="34" charset="0"/>
+            </a:endParaRPr>
           </a:p>
           <a:p>
             <a:pPr marL="457200" lvl="1" indent="0" defTabSz="914400" eaLnBrk="0" fontAlgn="base" hangingPunct="0">
@@ -12592,6 +12877,15 @@
               </a:rPr>
               <a:t>&gt;</a:t>
             </a:r>
+            <a:endParaRPr kumimoji="0" lang="en-US" altLang="en-US" b="0" i="0" u="none" strike="noStrike" cap="none" normalizeH="0" baseline="0" dirty="0">
+              <a:ln>
+                <a:noFill/>
+              </a:ln>
+              <a:solidFill>
+                <a:schemeClr val="tx1"/>
+              </a:solidFill>
+              <a:effectLst/>
+            </a:endParaRPr>
           </a:p>
           <a:p>
             <a:pPr marL="457200" lvl="1" indent="0" defTabSz="914400" eaLnBrk="0" fontAlgn="base" hangingPunct="0">
@@ -12665,6 +12959,15 @@
               </a:rPr>
               <a:t> /&gt;</a:t>
             </a:r>
+            <a:endParaRPr kumimoji="0" lang="en-US" altLang="en-US" b="0" i="0" u="none" strike="noStrike" cap="none" normalizeH="0" baseline="0" dirty="0">
+              <a:ln>
+                <a:noFill/>
+              </a:ln>
+              <a:solidFill>
+                <a:schemeClr val="tx1"/>
+              </a:solidFill>
+              <a:effectLst/>
+            </a:endParaRPr>
           </a:p>
           <a:p>
             <a:pPr marL="457200" lvl="1" indent="0" defTabSz="914400" eaLnBrk="0" fontAlgn="base" hangingPunct="0">
@@ -12739,7 +13042,6 @@
               <a:buSzTx/>
               <a:buFontTx/>
               <a:buNone/>
-              <a:tabLst/>
             </a:pPr>
             <a:endParaRPr lang="sr-Latn-RS" altLang="en-US" dirty="0"/>
           </a:p>
@@ -12758,7 +13060,6 @@
               <a:buSzTx/>
               <a:buFontTx/>
               <a:buNone/>
-              <a:tabLst/>
             </a:pPr>
             <a:endParaRPr kumimoji="0" lang="en-US" altLang="en-US" b="0" i="0" u="none" strike="noStrike" cap="none" normalizeH="0" baseline="0" dirty="0">
               <a:ln>
@@ -12785,7 +13086,6 @@
               <a:buSzTx/>
               <a:buFontTx/>
               <a:buNone/>
-              <a:tabLst/>
             </a:pPr>
             <a:endParaRPr kumimoji="0" lang="sr-Latn-RS" altLang="en-US" b="0" i="0" u="none" strike="noStrike" cap="none" normalizeH="0" baseline="0" dirty="0">
               <a:ln>
@@ -12812,7 +13112,6 @@
               <a:buSzTx/>
               <a:buFontTx/>
               <a:buNone/>
-              <a:tabLst/>
             </a:pPr>
             <a:endParaRPr kumimoji="0" lang="en-US" altLang="en-US" b="0" i="0" u="none" strike="noStrike" cap="none" normalizeH="0" baseline="0" dirty="0">
               <a:ln>
@@ -12839,7 +13138,6 @@
               <a:buSzTx/>
               <a:buFontTx/>
               <a:buNone/>
-              <a:tabLst/>
             </a:pPr>
             <a:r>
               <a:rPr kumimoji="0" lang="en-US" altLang="en-US" sz="800" b="0" i="0" u="none" strike="noStrike" cap="none" normalizeH="0" baseline="0" dirty="0">
@@ -12868,13 +13166,7 @@
       </p:sp>
       <p:sp>
         <p:nvSpPr>
-          <p:cNvPr id="7" name="TextBox 6">
-            <a:extLst>
-              <a:ext uri="{FF2B5EF4-FFF2-40B4-BE49-F238E27FC236}">
-                <a16:creationId xmlns:a16="http://schemas.microsoft.com/office/drawing/2014/main" id="{1EDB7DE6-1287-4EA1-A8D6-929CA0E9B506}"/>
-              </a:ext>
-            </a:extLst>
-          </p:cNvPr>
+          <p:cNvPr id="7" name="TextBox 6"/>
           <p:cNvSpPr txBox="1"/>
           <p:nvPr/>
         </p:nvSpPr>
@@ -12908,7 +13200,6 @@
               <a:buSzTx/>
               <a:buFontTx/>
               <a:buNone/>
-              <a:tabLst/>
             </a:pPr>
             <a:r>
               <a:rPr lang="en-US" sz="2400" dirty="0" err="1">
@@ -12928,6 +13219,7 @@
               <a:rPr lang="sr-Latn-RS" sz="2400" dirty="0"/>
               <a:t>:</a:t>
             </a:r>
+            <a:endParaRPr lang="sr-Latn-RS" sz="2400" dirty="0"/>
           </a:p>
           <a:p>
             <a:pPr marL="0" marR="0" lvl="0" indent="0" algn="l" defTabSz="914400" rtl="0" eaLnBrk="0" fontAlgn="base" latinLnBrk="0" hangingPunct="0">
@@ -12944,7 +13236,6 @@
               <a:buSzTx/>
               <a:buFontTx/>
               <a:buNone/>
-              <a:tabLst/>
             </a:pPr>
             <a:r>
               <a:rPr kumimoji="0" lang="en-US" altLang="en-US" sz="1800" b="0" i="0" u="none" strike="noStrike" cap="none" normalizeH="0" baseline="0" dirty="0">
@@ -12958,6 +13249,15 @@
               </a:rPr>
               <a:t>&lt;html&gt;</a:t>
             </a:r>
+            <a:endParaRPr kumimoji="0" lang="en-US" altLang="en-US" sz="1800" b="0" i="0" u="none" strike="noStrike" cap="none" normalizeH="0" baseline="0" dirty="0">
+              <a:ln>
+                <a:noFill/>
+              </a:ln>
+              <a:solidFill>
+                <a:schemeClr val="tx1"/>
+              </a:solidFill>
+              <a:effectLst/>
+            </a:endParaRPr>
           </a:p>
           <a:p>
             <a:pPr marL="0" marR="0" lvl="0" indent="0" algn="l" defTabSz="914400" rtl="0" eaLnBrk="0" fontAlgn="base" latinLnBrk="0" hangingPunct="0">
@@ -12974,7 +13274,6 @@
               <a:buSzTx/>
               <a:buFontTx/>
               <a:buNone/>
-              <a:tabLst/>
             </a:pPr>
             <a:r>
               <a:rPr kumimoji="0" lang="en-US" altLang="en-US" sz="1800" b="0" i="0" u="none" strike="noStrike" cap="none" normalizeH="0" baseline="0" dirty="0">
@@ -12988,6 +13287,15 @@
               </a:rPr>
               <a:t>  &lt;body&gt;</a:t>
             </a:r>
+            <a:endParaRPr kumimoji="0" lang="en-US" altLang="en-US" sz="1800" b="0" i="0" u="none" strike="noStrike" cap="none" normalizeH="0" baseline="0" dirty="0">
+              <a:ln>
+                <a:noFill/>
+              </a:ln>
+              <a:solidFill>
+                <a:schemeClr val="tx1"/>
+              </a:solidFill>
+              <a:effectLst/>
+            </a:endParaRPr>
           </a:p>
           <a:p>
             <a:pPr marL="0" marR="0" lvl="0" indent="0" algn="l" defTabSz="914400" rtl="0" eaLnBrk="0" fontAlgn="base" latinLnBrk="0" hangingPunct="0">
@@ -13004,7 +13312,6 @@
               <a:buSzTx/>
               <a:buFontTx/>
               <a:buNone/>
-              <a:tabLst/>
             </a:pPr>
             <a:r>
               <a:rPr kumimoji="0" lang="en-US" altLang="en-US" sz="1800" b="0" i="0" u="none" strike="noStrike" cap="none" normalizeH="0" baseline="0" dirty="0">
@@ -13018,6 +13325,15 @@
               </a:rPr>
               <a:t>    &lt;Header /&gt;</a:t>
             </a:r>
+            <a:endParaRPr kumimoji="0" lang="en-US" altLang="en-US" sz="1800" b="0" i="0" u="none" strike="noStrike" cap="none" normalizeH="0" baseline="0" dirty="0">
+              <a:ln>
+                <a:noFill/>
+              </a:ln>
+              <a:solidFill>
+                <a:schemeClr val="tx1"/>
+              </a:solidFill>
+              <a:effectLst/>
+            </a:endParaRPr>
           </a:p>
           <a:p>
             <a:pPr marL="0" marR="0" lvl="0" indent="0" algn="l" defTabSz="914400" rtl="0" eaLnBrk="0" fontAlgn="base" latinLnBrk="0" hangingPunct="0">
@@ -13034,7 +13350,6 @@
               <a:buSzTx/>
               <a:buFontTx/>
               <a:buNone/>
-              <a:tabLst/>
             </a:pPr>
             <a:r>
               <a:rPr kumimoji="0" lang="en-US" altLang="en-US" sz="1800" b="0" i="0" u="none" strike="noStrike" cap="none" normalizeH="0" baseline="0" dirty="0">
@@ -13048,6 +13363,15 @@
               </a:rPr>
               <a:t>    &lt;main&gt;</a:t>
             </a:r>
+            <a:endParaRPr kumimoji="0" lang="en-US" altLang="en-US" sz="1800" b="0" i="0" u="none" strike="noStrike" cap="none" normalizeH="0" baseline="0" dirty="0">
+              <a:ln>
+                <a:noFill/>
+              </a:ln>
+              <a:solidFill>
+                <a:schemeClr val="tx1"/>
+              </a:solidFill>
+              <a:effectLst/>
+            </a:endParaRPr>
           </a:p>
           <a:p>
             <a:pPr marL="0" marR="0" lvl="0" indent="0" algn="l" defTabSz="914400" rtl="0" eaLnBrk="0" fontAlgn="base" latinLnBrk="0" hangingPunct="0">
@@ -13064,7 +13388,6 @@
               <a:buSzTx/>
               <a:buFontTx/>
               <a:buNone/>
-              <a:tabLst/>
             </a:pPr>
             <a:r>
               <a:rPr kumimoji="0" lang="en-US" altLang="en-US" sz="1800" b="0" i="0" u="none" strike="noStrike" cap="none" normalizeH="0" baseline="0" dirty="0">
@@ -13078,6 +13401,15 @@
               </a:rPr>
               <a:t>      &lt;slot /&gt;</a:t>
             </a:r>
+            <a:endParaRPr kumimoji="0" lang="en-US" altLang="en-US" sz="1800" b="0" i="0" u="none" strike="noStrike" cap="none" normalizeH="0" baseline="0" dirty="0">
+              <a:ln>
+                <a:noFill/>
+              </a:ln>
+              <a:solidFill>
+                <a:schemeClr val="tx1"/>
+              </a:solidFill>
+              <a:effectLst/>
+            </a:endParaRPr>
           </a:p>
           <a:p>
             <a:pPr marL="0" marR="0" lvl="0" indent="0" algn="l" defTabSz="914400" rtl="0" eaLnBrk="0" fontAlgn="base" latinLnBrk="0" hangingPunct="0">
@@ -13094,7 +13426,6 @@
               <a:buSzTx/>
               <a:buFontTx/>
               <a:buNone/>
-              <a:tabLst/>
             </a:pPr>
             <a:r>
               <a:rPr kumimoji="0" lang="en-US" altLang="en-US" sz="1800" b="0" i="0" u="none" strike="noStrike" cap="none" normalizeH="0" baseline="0" dirty="0">
@@ -13108,6 +13439,15 @@
               </a:rPr>
               <a:t>    &lt;/main&gt;</a:t>
             </a:r>
+            <a:endParaRPr kumimoji="0" lang="en-US" altLang="en-US" sz="1800" b="0" i="0" u="none" strike="noStrike" cap="none" normalizeH="0" baseline="0" dirty="0">
+              <a:ln>
+                <a:noFill/>
+              </a:ln>
+              <a:solidFill>
+                <a:schemeClr val="tx1"/>
+              </a:solidFill>
+              <a:effectLst/>
+            </a:endParaRPr>
           </a:p>
           <a:p>
             <a:pPr marL="0" marR="0" lvl="0" indent="0" algn="l" defTabSz="914400" rtl="0" eaLnBrk="0" fontAlgn="base" latinLnBrk="0" hangingPunct="0">
@@ -13124,7 +13464,6 @@
               <a:buSzTx/>
               <a:buFontTx/>
               <a:buNone/>
-              <a:tabLst/>
             </a:pPr>
             <a:r>
               <a:rPr kumimoji="0" lang="en-US" altLang="en-US" sz="1800" b="0" i="0" u="none" strike="noStrike" cap="none" normalizeH="0" baseline="0" dirty="0">
@@ -13138,6 +13477,15 @@
               </a:rPr>
               <a:t>  &lt;/body&gt;</a:t>
             </a:r>
+            <a:endParaRPr kumimoji="0" lang="en-US" altLang="en-US" sz="1800" b="0" i="0" u="none" strike="noStrike" cap="none" normalizeH="0" baseline="0" dirty="0">
+              <a:ln>
+                <a:noFill/>
+              </a:ln>
+              <a:solidFill>
+                <a:schemeClr val="tx1"/>
+              </a:solidFill>
+              <a:effectLst/>
+            </a:endParaRPr>
           </a:p>
           <a:p>
             <a:pPr marL="0" marR="0" lvl="0" indent="0" algn="l" defTabSz="914400" rtl="0" eaLnBrk="0" fontAlgn="base" latinLnBrk="0" hangingPunct="0">
@@ -13154,7 +13502,6 @@
               <a:buSzTx/>
               <a:buFontTx/>
               <a:buNone/>
-              <a:tabLst/>
             </a:pPr>
             <a:r>
               <a:rPr kumimoji="0" lang="en-US" altLang="en-US" sz="1800" b="0" i="0" u="none" strike="noStrike" cap="none" normalizeH="0" baseline="0" dirty="0">
@@ -13168,15 +13515,19 @@
               </a:rPr>
               <a:t>&lt;/html&gt;</a:t>
             </a:r>
+            <a:endParaRPr kumimoji="0" lang="en-US" altLang="en-US" sz="1800" b="0" i="0" u="none" strike="noStrike" cap="none" normalizeH="0" baseline="0" dirty="0">
+              <a:ln>
+                <a:noFill/>
+              </a:ln>
+              <a:solidFill>
+                <a:schemeClr val="tx1"/>
+              </a:solidFill>
+              <a:effectLst/>
+            </a:endParaRPr>
           </a:p>
         </p:txBody>
       </p:sp>
     </p:spTree>
-    <p:extLst>
-      <p:ext uri="{BB962C8B-B14F-4D97-AF65-F5344CB8AC3E}">
-        <p14:creationId xmlns:p14="http://schemas.microsoft.com/office/powerpoint/2010/main" val="1258967934"/>
-      </p:ext>
-    </p:extLst>
   </p:cSld>
   <p:clrMapOvr>
     <a:masterClrMapping/>
@@ -13432,8 +13783,6 @@
       </a:bgFillStyleLst>
     </a:fmtScheme>
   </a:themeElements>
-  <a:objectDefaults/>
-  <a:extraClrSchemeLst/>
   <a:extLst>
     <a:ext uri="{05A4C25C-085E-4340-85A3-A5531E510DB2}">
       <thm15:themeFamily xmlns:thm15="http://schemas.microsoft.com/office/thememl/2012/main" name="Office Theme" id="{62F939B6-93AF-4DB8-9C6B-D6C7DFDC589F}" vid="{4A3C46E8-61CC-4603-A589-7422A47A8E4A}"/>
